--- a/Instructor-Led/Module5/Lessons/Module5_Lesson6 Regression.pptx
+++ b/Instructor-Led/Module5/Lessons/Module5_Lesson6 Regression.pptx
@@ -1,41 +1,42 @@
 
 <file path=ppt/presentation.xml><?xml version="1.0" encoding="utf-8"?>
-<p:presentation xmlns:a="http://schemas.openxmlformats.org/drawingml/2006/main" xmlns:r="http://schemas.openxmlformats.org/officeDocument/2006/relationships" xmlns:p="http://schemas.openxmlformats.org/presentationml/2006/main" saveSubsetFonts="1">
+<p:presentation xmlns:a="http://schemas.openxmlformats.org/drawingml/2006/main" xmlns:r="http://schemas.openxmlformats.org/officeDocument/2006/relationships" xmlns:p="http://schemas.openxmlformats.org/presentationml/2006/main" removePersonalInfoOnSave="1" saveSubsetFonts="1">
   <p:sldMasterIdLst>
     <p:sldMasterId id="2147483680" r:id="rId1"/>
     <p:sldMasterId id="2147483703" r:id="rId2"/>
     <p:sldMasterId id="2147483720" r:id="rId3"/>
+    <p:sldMasterId id="2147483738" r:id="rId4"/>
   </p:sldMasterIdLst>
   <p:notesMasterIdLst>
-    <p:notesMasterId r:id="rId27"/>
+    <p:notesMasterId r:id="rId28"/>
   </p:notesMasterIdLst>
   <p:handoutMasterIdLst>
-    <p:handoutMasterId r:id="rId28"/>
+    <p:handoutMasterId r:id="rId29"/>
   </p:handoutMasterIdLst>
   <p:sldIdLst>
-    <p:sldId id="330" r:id="rId4"/>
-    <p:sldId id="331" r:id="rId5"/>
-    <p:sldId id="332" r:id="rId6"/>
-    <p:sldId id="353" r:id="rId7"/>
-    <p:sldId id="342" r:id="rId8"/>
-    <p:sldId id="339" r:id="rId9"/>
-    <p:sldId id="350" r:id="rId10"/>
-    <p:sldId id="354" r:id="rId11"/>
-    <p:sldId id="355" r:id="rId12"/>
-    <p:sldId id="356" r:id="rId13"/>
-    <p:sldId id="357" r:id="rId14"/>
-    <p:sldId id="358" r:id="rId15"/>
-    <p:sldId id="343" r:id="rId16"/>
-    <p:sldId id="344" r:id="rId17"/>
-    <p:sldId id="345" r:id="rId18"/>
-    <p:sldId id="347" r:id="rId19"/>
-    <p:sldId id="337" r:id="rId20"/>
-    <p:sldId id="348" r:id="rId21"/>
-    <p:sldId id="349" r:id="rId22"/>
-    <p:sldId id="362" r:id="rId23"/>
-    <p:sldId id="365" r:id="rId24"/>
-    <p:sldId id="363" r:id="rId25"/>
-    <p:sldId id="333" r:id="rId26"/>
+    <p:sldId id="330" r:id="rId5"/>
+    <p:sldId id="331" r:id="rId6"/>
+    <p:sldId id="332" r:id="rId7"/>
+    <p:sldId id="353" r:id="rId8"/>
+    <p:sldId id="342" r:id="rId9"/>
+    <p:sldId id="366" r:id="rId10"/>
+    <p:sldId id="350" r:id="rId11"/>
+    <p:sldId id="354" r:id="rId12"/>
+    <p:sldId id="355" r:id="rId13"/>
+    <p:sldId id="356" r:id="rId14"/>
+    <p:sldId id="357" r:id="rId15"/>
+    <p:sldId id="358" r:id="rId16"/>
+    <p:sldId id="343" r:id="rId17"/>
+    <p:sldId id="344" r:id="rId18"/>
+    <p:sldId id="345" r:id="rId19"/>
+    <p:sldId id="347" r:id="rId20"/>
+    <p:sldId id="337" r:id="rId21"/>
+    <p:sldId id="348" r:id="rId22"/>
+    <p:sldId id="349" r:id="rId23"/>
+    <p:sldId id="362" r:id="rId24"/>
+    <p:sldId id="367" r:id="rId25"/>
+    <p:sldId id="363" r:id="rId26"/>
+    <p:sldId id="333" r:id="rId27"/>
   </p:sldIdLst>
   <p:sldSz cx="12192000" cy="6858000"/>
   <p:notesSz cx="6858000" cy="9144000"/>
@@ -144,7 +145,7 @@
             <p14:sldId id="332"/>
             <p14:sldId id="353"/>
             <p14:sldId id="342"/>
-            <p14:sldId id="339"/>
+            <p14:sldId id="366"/>
             <p14:sldId id="350"/>
             <p14:sldId id="354"/>
             <p14:sldId id="355"/>
@@ -159,7 +160,7 @@
             <p14:sldId id="348"/>
             <p14:sldId id="349"/>
             <p14:sldId id="362"/>
-            <p14:sldId id="365"/>
+            <p14:sldId id="367"/>
             <p14:sldId id="363"/>
             <p14:sldId id="333"/>
           </p14:sldIdLst>
@@ -167,7 +168,7 @@
       </p14:sectionLst>
     </p:ext>
     <p:ext uri="{EFAFB233-063F-42B5-8137-9DF3F51BA10A}">
-      <p15:sldGuideLst xmlns="" xmlns:p15="http://schemas.microsoft.com/office/powerpoint/2012/main">
+      <p15:sldGuideLst xmlns:p15="http://schemas.microsoft.com/office/powerpoint/2012/main" xmlns="">
         <p15:guide id="1" orient="horz" pos="2160">
           <p15:clr>
             <a:srgbClr val="A4A3A4"/>
@@ -181,7 +182,7 @@
       </p15:sldGuideLst>
     </p:ext>
     <p:ext uri="{2D200454-40CA-4A62-9FC3-DE9A4176ACB9}">
-      <p15:notesGuideLst xmlns="" xmlns:p15="http://schemas.microsoft.com/office/powerpoint/2012/main"/>
+      <p15:notesGuideLst xmlns:p15="http://schemas.microsoft.com/office/powerpoint/2012/main" xmlns=""/>
     </p:ext>
   </p:extLst>
 </p:presentation>
@@ -189,10 +190,7 @@
 
 <file path=ppt/commentAuthors.xml><?xml version="1.0" encoding="utf-8"?>
 <p:cmAuthorLst xmlns:a="http://schemas.openxmlformats.org/drawingml/2006/main" xmlns:r="http://schemas.openxmlformats.org/officeDocument/2006/relationships" xmlns:p="http://schemas.openxmlformats.org/presentationml/2006/main">
-  <p:cmAuthor id="0" name="Mary Kate Reid" initials="" lastIdx="7" clrIdx="0"/>
-  <p:cmAuthor id="1" name="Henry Park" initials="HP" lastIdx="1" clrIdx="1">
-    <p:extLst/>
-  </p:cmAuthor>
+  <p:cmAuthor id="2" name="Author" initials="A" lastIdx="0" clrIdx="2"/>
 </p:cmAuthorLst>
 </file>
 
@@ -279,7 +277,7 @@
             <a:fld id="{30A74B2F-3EEF-410A-B738-5B66A46A3256}" type="datetimeFigureOut">
               <a:rPr lang="en-US" smtClean="0"/>
               <a:pPr/>
-              <a:t>6/27/16</a:t>
+              <a:t>6/29/16</a:t>
             </a:fld>
             <a:endParaRPr lang="en-US"/>
           </a:p>
@@ -446,7 +444,7 @@
             <a:fld id="{2E5CA586-3557-4985-BCD4-35EF5AC8B4A4}" type="datetimeFigureOut">
               <a:rPr lang="en-US" smtClean="0"/>
               <a:pPr/>
-              <a:t>6/27/16</a:t>
+              <a:t>6/29/16</a:t>
             </a:fld>
             <a:endParaRPr lang="en-US"/>
           </a:p>
@@ -1463,47 +1461,16 @@
               </a:spcAft>
               <a:buClrTx/>
               <a:buSzTx/>
-              <a:buFont typeface="Arial"/>
+              <a:buFontTx/>
               <a:buNone/>
               <a:tabLst/>
               <a:defRPr/>
             </a:pPr>
             <a:r>
-              <a:rPr lang="en-US" b="1" dirty="0" smtClean="0"/>
-              <a:t>References:</a:t>
-            </a:r>
-          </a:p>
-          <a:p>
-            <a:pPr marL="171450" marR="0" indent="-171450" algn="l" defTabSz="914400" rtl="0" eaLnBrk="1" fontAlgn="auto" latinLnBrk="0" hangingPunct="1">
-              <a:lnSpc>
-                <a:spcPct val="100000"/>
-              </a:lnSpc>
-              <a:spcBef>
-                <a:spcPts val="0"/>
-              </a:spcBef>
-              <a:spcAft>
-                <a:spcPts val="0"/>
-              </a:spcAft>
-              <a:buClrTx/>
-              <a:buSzTx/>
-              <a:buFont typeface="Arial"/>
-              <a:buChar char="•"/>
-              <a:tabLst/>
-              <a:defRPr/>
-            </a:pPr>
-            <a:r>
-              <a:rPr lang="en-US" b="0" dirty="0" smtClean="0"/>
-              <a:t>https://</a:t>
-            </a:r>
-            <a:r>
-              <a:rPr lang="en-US" b="0" dirty="0" err="1" smtClean="0"/>
-              <a:t>courses.edx.org</a:t>
-            </a:r>
-            <a:r>
-              <a:rPr lang="en-US" b="0" dirty="0" smtClean="0"/>
-              <a:t>/courses/course-v1:Microsoft+DAT203x+3T2015/info</a:t>
-            </a:r>
-            <a:endParaRPr lang="en-US" b="0" dirty="0"/>
+              <a:rPr lang="en-US" b="0" dirty="0"/>
+              <a:t>Ref:	https://courses.edx.org/courses/course-v1:Microsoft+DAT203x+3T2015/info</a:t>
+            </a:r>
+            <a:endParaRPr lang="en-US" dirty="0"/>
           </a:p>
         </p:txBody>
       </p:sp>
@@ -3128,11 +3095,21 @@
           <a:lstStyle/>
           <a:p>
             <a:fld id="{BC60BE34-BC89-4C98-A56B-79B7A098D024}" type="slidenum">
-              <a:rPr lang="en-US" smtClean="0"/>
+              <a:rPr lang="en-US" smtClean="0">
+                <a:solidFill>
+                  <a:prstClr val="black"/>
+                </a:solidFill>
+                <a:latin typeface="Calibri"/>
+              </a:rPr>
               <a:pPr/>
               <a:t>6</a:t>
             </a:fld>
-            <a:endParaRPr lang="en-US"/>
+            <a:endParaRPr lang="en-US">
+              <a:solidFill>
+                <a:prstClr val="black"/>
+              </a:solidFill>
+              <a:latin typeface="Calibri"/>
+            </a:endParaRPr>
           </a:p>
         </p:txBody>
       </p:sp>
@@ -11808,7 +11785,7 @@
                 <a:latin typeface="Segoe UI"/>
               </a:rPr>
               <a:pPr/>
-              <a:t>6/27/16</a:t>
+              <a:t>6/29/16</a:t>
             </a:fld>
             <a:endParaRPr lang="en-US">
               <a:solidFill>
@@ -12013,7 +11990,7 @@
                 <a:latin typeface="Segoe UI"/>
               </a:rPr>
               <a:pPr/>
-              <a:t>6/27/16</a:t>
+              <a:t>6/29/16</a:t>
             </a:fld>
             <a:endParaRPr lang="en-US">
               <a:solidFill>
@@ -12311,7 +12288,7 @@
                 <a:latin typeface="Segoe UI"/>
               </a:rPr>
               <a:pPr/>
-              <a:t>6/27/16</a:t>
+              <a:t>6/29/16</a:t>
             </a:fld>
             <a:endParaRPr lang="en-US">
               <a:solidFill>
@@ -12655,7 +12632,7 @@
                 <a:latin typeface="Segoe UI"/>
               </a:rPr>
               <a:pPr/>
-              <a:t>6/27/16</a:t>
+              <a:t>6/29/16</a:t>
             </a:fld>
             <a:endParaRPr lang="en-US">
               <a:solidFill>
@@ -13030,7 +13007,7 @@
                 <a:latin typeface="Segoe UI"/>
               </a:rPr>
               <a:pPr/>
-              <a:t>6/27/16</a:t>
+              <a:t>6/29/16</a:t>
             </a:fld>
             <a:endParaRPr lang="en-US">
               <a:solidFill>
@@ -14341,7 +14318,7 @@
                 <a:latin typeface="Segoe UI"/>
               </a:rPr>
               <a:pPr/>
-              <a:t>6/27/16</a:t>
+              <a:t>6/29/16</a:t>
             </a:fld>
             <a:endParaRPr lang="en-US">
               <a:solidFill>
@@ -14742,7 +14719,7 @@
                 <a:latin typeface="Segoe UI"/>
               </a:rPr>
               <a:pPr/>
-              <a:t>6/27/16</a:t>
+              <a:t>6/29/16</a:t>
             </a:fld>
             <a:endParaRPr lang="en-US">
               <a:solidFill>
@@ -14896,7 +14873,7 @@
                 <a:latin typeface="Segoe UI"/>
               </a:rPr>
               <a:pPr/>
-              <a:t>6/27/16</a:t>
+              <a:t>6/29/16</a:t>
             </a:fld>
             <a:endParaRPr lang="en-US">
               <a:solidFill>
@@ -15028,7 +15005,7 @@
                 <a:latin typeface="Segoe UI"/>
               </a:rPr>
               <a:pPr/>
-              <a:t>6/27/16</a:t>
+              <a:t>6/29/16</a:t>
             </a:fld>
             <a:endParaRPr lang="en-US">
               <a:solidFill>
@@ -15340,7 +15317,7 @@
                 <a:latin typeface="Segoe UI"/>
               </a:rPr>
               <a:pPr/>
-              <a:t>6/27/16</a:t>
+              <a:t>6/29/16</a:t>
             </a:fld>
             <a:endParaRPr lang="en-US">
               <a:solidFill>
@@ -15629,7 +15606,7 @@
                 <a:latin typeface="Segoe UI"/>
               </a:rPr>
               <a:pPr/>
-              <a:t>6/27/16</a:t>
+              <a:t>6/29/16</a:t>
             </a:fld>
             <a:endParaRPr lang="en-US">
               <a:solidFill>
@@ -15834,7 +15811,7 @@
                 <a:latin typeface="Segoe UI"/>
               </a:rPr>
               <a:pPr/>
-              <a:t>6/27/16</a:t>
+              <a:t>6/29/16</a:t>
             </a:fld>
             <a:endParaRPr lang="en-US">
               <a:solidFill>
@@ -16049,7 +16026,7 @@
                 <a:latin typeface="Segoe UI"/>
               </a:rPr>
               <a:pPr/>
-              <a:t>6/27/16</a:t>
+              <a:t>6/29/16</a:t>
             </a:fld>
             <a:endParaRPr lang="en-US">
               <a:solidFill>
@@ -16292,7 +16269,7 @@
                 <a:latin typeface="Segoe UI"/>
               </a:rPr>
               <a:pPr/>
-              <a:t>6/27/16</a:t>
+              <a:t>6/29/16</a:t>
             </a:fld>
             <a:endParaRPr lang="en-US">
               <a:solidFill>
@@ -16497,7 +16474,7 @@
                 <a:latin typeface="Segoe UI"/>
               </a:rPr>
               <a:pPr/>
-              <a:t>6/27/16</a:t>
+              <a:t>6/29/16</a:t>
             </a:fld>
             <a:endParaRPr lang="en-US">
               <a:solidFill>
@@ -17252,7 +17229,7 @@
                 <a:latin typeface="Segoe UI"/>
               </a:rPr>
               <a:pPr/>
-              <a:t>6/27/16</a:t>
+              <a:t>6/29/16</a:t>
             </a:fld>
             <a:endParaRPr lang="en-US">
               <a:solidFill>
@@ -17596,7 +17573,7 @@
                 <a:latin typeface="Segoe UI"/>
               </a:rPr>
               <a:pPr/>
-              <a:t>6/27/16</a:t>
+              <a:t>6/29/16</a:t>
             </a:fld>
             <a:endParaRPr lang="en-US">
               <a:solidFill>
@@ -17971,7 +17948,7 @@
                 <a:latin typeface="Segoe UI"/>
               </a:rPr>
               <a:pPr/>
-              <a:t>6/27/16</a:t>
+              <a:t>6/29/16</a:t>
             </a:fld>
             <a:endParaRPr lang="en-US">
               <a:solidFill>
@@ -18915,7 +18892,7 @@
                 <a:latin typeface="Segoe UI"/>
               </a:rPr>
               <a:pPr/>
-              <a:t>6/27/16</a:t>
+              <a:t>6/29/16</a:t>
             </a:fld>
             <a:endParaRPr lang="en-US">
               <a:solidFill>
@@ -19316,7 +19293,7 @@
                 <a:latin typeface="Segoe UI"/>
               </a:rPr>
               <a:pPr/>
-              <a:t>6/27/16</a:t>
+              <a:t>6/29/16</a:t>
             </a:fld>
             <a:endParaRPr lang="en-US">
               <a:solidFill>
@@ -19470,7 +19447,7 @@
                 <a:latin typeface="Segoe UI"/>
               </a:rPr>
               <a:pPr/>
-              <a:t>6/27/16</a:t>
+              <a:t>6/29/16</a:t>
             </a:fld>
             <a:endParaRPr lang="en-US">
               <a:solidFill>
@@ -19602,7 +19579,7 @@
                 <a:latin typeface="Segoe UI"/>
               </a:rPr>
               <a:pPr/>
-              <a:t>6/27/16</a:t>
+              <a:t>6/29/16</a:t>
             </a:fld>
             <a:endParaRPr lang="en-US">
               <a:solidFill>
@@ -20477,7 +20454,7 @@
                 <a:latin typeface="Segoe UI"/>
               </a:rPr>
               <a:pPr/>
-              <a:t>6/27/16</a:t>
+              <a:t>6/29/16</a:t>
             </a:fld>
             <a:endParaRPr lang="en-US">
               <a:solidFill>
@@ -20766,7 +20743,7 @@
                 <a:latin typeface="Segoe UI"/>
               </a:rPr>
               <a:pPr/>
-              <a:t>6/27/16</a:t>
+              <a:t>6/29/16</a:t>
             </a:fld>
             <a:endParaRPr lang="en-US">
               <a:solidFill>
@@ -20971,7 +20948,7 @@
                 <a:latin typeface="Segoe UI"/>
               </a:rPr>
               <a:pPr/>
-              <a:t>6/27/16</a:t>
+              <a:t>6/29/16</a:t>
             </a:fld>
             <a:endParaRPr lang="en-US">
               <a:solidFill>
@@ -21186,7 +21163,7 @@
                 <a:latin typeface="Segoe UI"/>
               </a:rPr>
               <a:pPr/>
-              <a:t>6/27/16</a:t>
+              <a:t>6/29/16</a:t>
             </a:fld>
             <a:endParaRPr lang="en-US">
               <a:solidFill>
@@ -21431,6 +21408,1318 @@
 </p:sldLayout>
 </file>
 
+<file path=ppt/slideLayouts/slideLayout55.xml><?xml version="1.0" encoding="utf-8"?>
+<p:sldLayout xmlns:a="http://schemas.openxmlformats.org/drawingml/2006/main" xmlns:r="http://schemas.openxmlformats.org/officeDocument/2006/relationships" xmlns:p="http://schemas.openxmlformats.org/presentationml/2006/main" type="title" preserve="1">
+  <p:cSld name="Title Slide">
+    <p:bg>
+      <p:bgPr>
+        <a:solidFill>
+          <a:srgbClr val="0070C0"/>
+        </a:solidFill>
+        <a:effectLst/>
+      </p:bgPr>
+    </p:bg>
+    <p:spTree>
+      <p:nvGrpSpPr>
+        <p:cNvPr id="1" name=""/>
+        <p:cNvGrpSpPr/>
+        <p:nvPr/>
+      </p:nvGrpSpPr>
+      <p:grpSpPr>
+        <a:xfrm>
+          <a:off x="0" y="0"/>
+          <a:ext cx="0" cy="0"/>
+          <a:chOff x="0" y="0"/>
+          <a:chExt cx="0" cy="0"/>
+        </a:xfrm>
+      </p:grpSpPr>
+      <p:sp>
+        <p:nvSpPr>
+          <p:cNvPr id="2" name="Title 1"/>
+          <p:cNvSpPr>
+            <a:spLocks noGrp="1"/>
+          </p:cNvSpPr>
+          <p:nvPr>
+            <p:ph type="ctrTitle"/>
+          </p:nvPr>
+        </p:nvSpPr>
+        <p:spPr>
+          <a:xfrm>
+            <a:off x="1524000" y="1122363"/>
+            <a:ext cx="9144000" cy="2387600"/>
+          </a:xfrm>
+        </p:spPr>
+        <p:txBody>
+          <a:bodyPr anchor="b"/>
+          <a:lstStyle>
+            <a:lvl1pPr algn="l">
+              <a:defRPr sz="6000">
+                <a:solidFill>
+                  <a:schemeClr val="bg1"/>
+                </a:solidFill>
+              </a:defRPr>
+            </a:lvl1pPr>
+          </a:lstStyle>
+          <a:p>
+            <a:r>
+              <a:rPr lang="en-US"/>
+              <a:t>Click to edit Master title style</a:t>
+            </a:r>
+          </a:p>
+        </p:txBody>
+      </p:sp>
+      <p:sp>
+        <p:nvSpPr>
+          <p:cNvPr id="3" name="Subtitle 2"/>
+          <p:cNvSpPr>
+            <a:spLocks noGrp="1"/>
+          </p:cNvSpPr>
+          <p:nvPr>
+            <p:ph type="subTitle" idx="1"/>
+          </p:nvPr>
+        </p:nvSpPr>
+        <p:spPr>
+          <a:xfrm>
+            <a:off x="1524000" y="3602038"/>
+            <a:ext cx="9144000" cy="1655762"/>
+          </a:xfrm>
+        </p:spPr>
+        <p:txBody>
+          <a:bodyPr>
+            <a:normAutofit/>
+          </a:bodyPr>
+          <a:lstStyle>
+            <a:lvl1pPr marL="0" indent="0" algn="l">
+              <a:buNone/>
+              <a:defRPr sz="4000">
+                <a:solidFill>
+                  <a:srgbClr val="FFFF00"/>
+                </a:solidFill>
+              </a:defRPr>
+            </a:lvl1pPr>
+            <a:lvl2pPr marL="457200" indent="0" algn="ctr">
+              <a:buNone/>
+              <a:defRPr sz="2000"/>
+            </a:lvl2pPr>
+            <a:lvl3pPr marL="914400" indent="0" algn="ctr">
+              <a:buNone/>
+              <a:defRPr sz="1800"/>
+            </a:lvl3pPr>
+            <a:lvl4pPr marL="1371600" indent="0" algn="ctr">
+              <a:buNone/>
+              <a:defRPr sz="1600"/>
+            </a:lvl4pPr>
+            <a:lvl5pPr marL="1828800" indent="0" algn="ctr">
+              <a:buNone/>
+              <a:defRPr sz="1600"/>
+            </a:lvl5pPr>
+            <a:lvl6pPr marL="2286000" indent="0" algn="ctr">
+              <a:buNone/>
+              <a:defRPr sz="1600"/>
+            </a:lvl6pPr>
+            <a:lvl7pPr marL="2743200" indent="0" algn="ctr">
+              <a:buNone/>
+              <a:defRPr sz="1600"/>
+            </a:lvl7pPr>
+            <a:lvl8pPr marL="3200400" indent="0" algn="ctr">
+              <a:buNone/>
+              <a:defRPr sz="1600"/>
+            </a:lvl8pPr>
+            <a:lvl9pPr marL="3657600" indent="0" algn="ctr">
+              <a:buNone/>
+              <a:defRPr sz="1600"/>
+            </a:lvl9pPr>
+          </a:lstStyle>
+          <a:p>
+            <a:r>
+              <a:rPr lang="en-US" dirty="0"/>
+              <a:t>Click to edit Master subtitle style</a:t>
+            </a:r>
+          </a:p>
+        </p:txBody>
+      </p:sp>
+      <p:sp>
+        <p:nvSpPr>
+          <p:cNvPr id="4" name="Date Placeholder 3"/>
+          <p:cNvSpPr>
+            <a:spLocks noGrp="1"/>
+          </p:cNvSpPr>
+          <p:nvPr>
+            <p:ph type="dt" sz="half" idx="10"/>
+          </p:nvPr>
+        </p:nvSpPr>
+        <p:spPr/>
+        <p:txBody>
+          <a:bodyPr/>
+          <a:lstStyle/>
+          <a:p>
+            <a:fld id="{0459C166-16D3-4A25-A2F8-C51E0E346B22}" type="datetimeFigureOut">
+              <a:rPr lang="en-US" smtClean="0">
+                <a:solidFill>
+                  <a:prstClr val="black">
+                    <a:tint val="75000"/>
+                  </a:prstClr>
+                </a:solidFill>
+                <a:latin typeface="Segoe UI"/>
+              </a:rPr>
+              <a:pPr/>
+              <a:t>6/29/16</a:t>
+            </a:fld>
+            <a:endParaRPr lang="en-US">
+              <a:solidFill>
+                <a:prstClr val="black">
+                  <a:tint val="75000"/>
+                </a:prstClr>
+              </a:solidFill>
+              <a:latin typeface="Segoe UI"/>
+            </a:endParaRPr>
+          </a:p>
+        </p:txBody>
+      </p:sp>
+      <p:sp>
+        <p:nvSpPr>
+          <p:cNvPr id="5" name="Footer Placeholder 4"/>
+          <p:cNvSpPr>
+            <a:spLocks noGrp="1"/>
+          </p:cNvSpPr>
+          <p:nvPr>
+            <p:ph type="ftr" sz="quarter" idx="11"/>
+          </p:nvPr>
+        </p:nvSpPr>
+        <p:spPr/>
+        <p:txBody>
+          <a:bodyPr/>
+          <a:lstStyle/>
+          <a:p>
+            <a:endParaRPr lang="en-US">
+              <a:solidFill>
+                <a:prstClr val="black">
+                  <a:tint val="75000"/>
+                </a:prstClr>
+              </a:solidFill>
+              <a:latin typeface="Segoe UI"/>
+            </a:endParaRPr>
+          </a:p>
+        </p:txBody>
+      </p:sp>
+      <p:sp>
+        <p:nvSpPr>
+          <p:cNvPr id="6" name="Slide Number Placeholder 5"/>
+          <p:cNvSpPr>
+            <a:spLocks noGrp="1"/>
+          </p:cNvSpPr>
+          <p:nvPr>
+            <p:ph type="sldNum" sz="quarter" idx="12"/>
+          </p:nvPr>
+        </p:nvSpPr>
+        <p:spPr/>
+        <p:txBody>
+          <a:bodyPr/>
+          <a:lstStyle/>
+          <a:p>
+            <a:fld id="{59DE4316-4355-4038-9262-DF05D0694534}" type="slidenum">
+              <a:rPr lang="en-US" smtClean="0">
+                <a:solidFill>
+                  <a:prstClr val="black">
+                    <a:tint val="75000"/>
+                  </a:prstClr>
+                </a:solidFill>
+                <a:latin typeface="Segoe UI"/>
+              </a:rPr>
+              <a:pPr/>
+              <a:t>‹#›</a:t>
+            </a:fld>
+            <a:endParaRPr lang="en-US">
+              <a:solidFill>
+                <a:prstClr val="black">
+                  <a:tint val="75000"/>
+                </a:prstClr>
+              </a:solidFill>
+              <a:latin typeface="Segoe UI"/>
+            </a:endParaRPr>
+          </a:p>
+        </p:txBody>
+      </p:sp>
+    </p:spTree>
+    <p:extLst>
+      <p:ext uri="{BB962C8B-B14F-4D97-AF65-F5344CB8AC3E}">
+        <p14:creationId xmlns:p14="http://schemas.microsoft.com/office/powerpoint/2010/main" val="1515015922"/>
+      </p:ext>
+    </p:extLst>
+  </p:cSld>
+  <p:clrMapOvr>
+    <a:masterClrMapping/>
+  </p:clrMapOvr>
+</p:sldLayout>
+</file>
+
+<file path=ppt/slideLayouts/slideLayout56.xml><?xml version="1.0" encoding="utf-8"?>
+<p:sldLayout xmlns:a="http://schemas.openxmlformats.org/drawingml/2006/main" xmlns:r="http://schemas.openxmlformats.org/officeDocument/2006/relationships" xmlns:p="http://schemas.openxmlformats.org/presentationml/2006/main" type="obj" preserve="1">
+  <p:cSld name="Title and Content">
+    <p:spTree>
+      <p:nvGrpSpPr>
+        <p:cNvPr id="1" name=""/>
+        <p:cNvGrpSpPr/>
+        <p:nvPr/>
+      </p:nvGrpSpPr>
+      <p:grpSpPr>
+        <a:xfrm>
+          <a:off x="0" y="0"/>
+          <a:ext cx="0" cy="0"/>
+          <a:chOff x="0" y="0"/>
+          <a:chExt cx="0" cy="0"/>
+        </a:xfrm>
+      </p:grpSpPr>
+      <p:sp>
+        <p:nvSpPr>
+          <p:cNvPr id="2" name="Title 1"/>
+          <p:cNvSpPr>
+            <a:spLocks noGrp="1"/>
+          </p:cNvSpPr>
+          <p:nvPr>
+            <p:ph type="title"/>
+          </p:nvPr>
+        </p:nvSpPr>
+        <p:spPr/>
+        <p:txBody>
+          <a:bodyPr/>
+          <a:lstStyle/>
+          <a:p>
+            <a:r>
+              <a:rPr lang="en-US"/>
+              <a:t>Click to edit Master title style</a:t>
+            </a:r>
+          </a:p>
+        </p:txBody>
+      </p:sp>
+      <p:sp>
+        <p:nvSpPr>
+          <p:cNvPr id="3" name="Content Placeholder 2"/>
+          <p:cNvSpPr>
+            <a:spLocks noGrp="1"/>
+          </p:cNvSpPr>
+          <p:nvPr>
+            <p:ph idx="1"/>
+          </p:nvPr>
+        </p:nvSpPr>
+        <p:spPr/>
+        <p:txBody>
+          <a:bodyPr/>
+          <a:lstStyle/>
+          <a:p>
+            <a:pPr lvl="0"/>
+            <a:r>
+              <a:rPr lang="en-US"/>
+              <a:t>Edit Master text styles</a:t>
+            </a:r>
+          </a:p>
+          <a:p>
+            <a:pPr lvl="1"/>
+            <a:r>
+              <a:rPr lang="en-US"/>
+              <a:t>Second level</a:t>
+            </a:r>
+          </a:p>
+          <a:p>
+            <a:pPr lvl="2"/>
+            <a:r>
+              <a:rPr lang="en-US"/>
+              <a:t>Third level</a:t>
+            </a:r>
+          </a:p>
+          <a:p>
+            <a:pPr lvl="3"/>
+            <a:r>
+              <a:rPr lang="en-US"/>
+              <a:t>Fourth level</a:t>
+            </a:r>
+          </a:p>
+          <a:p>
+            <a:pPr lvl="4"/>
+            <a:r>
+              <a:rPr lang="en-US"/>
+              <a:t>Fifth level</a:t>
+            </a:r>
+          </a:p>
+        </p:txBody>
+      </p:sp>
+      <p:sp>
+        <p:nvSpPr>
+          <p:cNvPr id="4" name="Date Placeholder 3"/>
+          <p:cNvSpPr>
+            <a:spLocks noGrp="1"/>
+          </p:cNvSpPr>
+          <p:nvPr>
+            <p:ph type="dt" sz="half" idx="10"/>
+          </p:nvPr>
+        </p:nvSpPr>
+        <p:spPr/>
+        <p:txBody>
+          <a:bodyPr/>
+          <a:lstStyle/>
+          <a:p>
+            <a:fld id="{0459C166-16D3-4A25-A2F8-C51E0E346B22}" type="datetimeFigureOut">
+              <a:rPr lang="en-US" smtClean="0">
+                <a:solidFill>
+                  <a:prstClr val="black">
+                    <a:tint val="75000"/>
+                  </a:prstClr>
+                </a:solidFill>
+                <a:latin typeface="Segoe UI"/>
+              </a:rPr>
+              <a:pPr/>
+              <a:t>6/29/16</a:t>
+            </a:fld>
+            <a:endParaRPr lang="en-US">
+              <a:solidFill>
+                <a:prstClr val="black">
+                  <a:tint val="75000"/>
+                </a:prstClr>
+              </a:solidFill>
+              <a:latin typeface="Segoe UI"/>
+            </a:endParaRPr>
+          </a:p>
+        </p:txBody>
+      </p:sp>
+      <p:sp>
+        <p:nvSpPr>
+          <p:cNvPr id="5" name="Footer Placeholder 4"/>
+          <p:cNvSpPr>
+            <a:spLocks noGrp="1"/>
+          </p:cNvSpPr>
+          <p:nvPr>
+            <p:ph type="ftr" sz="quarter" idx="11"/>
+          </p:nvPr>
+        </p:nvSpPr>
+        <p:spPr/>
+        <p:txBody>
+          <a:bodyPr/>
+          <a:lstStyle/>
+          <a:p>
+            <a:endParaRPr lang="en-US">
+              <a:solidFill>
+                <a:prstClr val="black">
+                  <a:tint val="75000"/>
+                </a:prstClr>
+              </a:solidFill>
+              <a:latin typeface="Segoe UI"/>
+            </a:endParaRPr>
+          </a:p>
+        </p:txBody>
+      </p:sp>
+      <p:sp>
+        <p:nvSpPr>
+          <p:cNvPr id="6" name="Slide Number Placeholder 5"/>
+          <p:cNvSpPr>
+            <a:spLocks noGrp="1"/>
+          </p:cNvSpPr>
+          <p:nvPr>
+            <p:ph type="sldNum" sz="quarter" idx="12"/>
+          </p:nvPr>
+        </p:nvSpPr>
+        <p:spPr/>
+        <p:txBody>
+          <a:bodyPr/>
+          <a:lstStyle/>
+          <a:p>
+            <a:fld id="{59DE4316-4355-4038-9262-DF05D0694534}" type="slidenum">
+              <a:rPr lang="en-US" smtClean="0">
+                <a:solidFill>
+                  <a:prstClr val="black">
+                    <a:tint val="75000"/>
+                  </a:prstClr>
+                </a:solidFill>
+                <a:latin typeface="Segoe UI"/>
+              </a:rPr>
+              <a:pPr/>
+              <a:t>‹#›</a:t>
+            </a:fld>
+            <a:endParaRPr lang="en-US">
+              <a:solidFill>
+                <a:prstClr val="black">
+                  <a:tint val="75000"/>
+                </a:prstClr>
+              </a:solidFill>
+              <a:latin typeface="Segoe UI"/>
+            </a:endParaRPr>
+          </a:p>
+        </p:txBody>
+      </p:sp>
+    </p:spTree>
+    <p:extLst>
+      <p:ext uri="{BB962C8B-B14F-4D97-AF65-F5344CB8AC3E}">
+        <p14:creationId xmlns:p14="http://schemas.microsoft.com/office/powerpoint/2010/main" val="2675706776"/>
+      </p:ext>
+    </p:extLst>
+  </p:cSld>
+  <p:clrMapOvr>
+    <a:masterClrMapping/>
+  </p:clrMapOvr>
+</p:sldLayout>
+</file>
+
+<file path=ppt/slideLayouts/slideLayout57.xml><?xml version="1.0" encoding="utf-8"?>
+<p:sldLayout xmlns:a="http://schemas.openxmlformats.org/drawingml/2006/main" xmlns:r="http://schemas.openxmlformats.org/officeDocument/2006/relationships" xmlns:p="http://schemas.openxmlformats.org/presentationml/2006/main" type="secHead" preserve="1">
+  <p:cSld name="Section Header">
+    <p:bg>
+      <p:bgPr>
+        <a:solidFill>
+          <a:srgbClr val="0070C0"/>
+        </a:solidFill>
+        <a:effectLst/>
+      </p:bgPr>
+    </p:bg>
+    <p:spTree>
+      <p:nvGrpSpPr>
+        <p:cNvPr id="1" name=""/>
+        <p:cNvGrpSpPr/>
+        <p:nvPr/>
+      </p:nvGrpSpPr>
+      <p:grpSpPr>
+        <a:xfrm>
+          <a:off x="0" y="0"/>
+          <a:ext cx="0" cy="0"/>
+          <a:chOff x="0" y="0"/>
+          <a:chExt cx="0" cy="0"/>
+        </a:xfrm>
+      </p:grpSpPr>
+      <p:sp>
+        <p:nvSpPr>
+          <p:cNvPr id="2" name="Title 1"/>
+          <p:cNvSpPr>
+            <a:spLocks noGrp="1"/>
+          </p:cNvSpPr>
+          <p:nvPr>
+            <p:ph type="title"/>
+          </p:nvPr>
+        </p:nvSpPr>
+        <p:spPr>
+          <a:xfrm>
+            <a:off x="831850" y="1709738"/>
+            <a:ext cx="10515600" cy="2852737"/>
+          </a:xfrm>
+        </p:spPr>
+        <p:txBody>
+          <a:bodyPr anchor="b"/>
+          <a:lstStyle>
+            <a:lvl1pPr>
+              <a:defRPr sz="6000">
+                <a:solidFill>
+                  <a:schemeClr val="bg1"/>
+                </a:solidFill>
+              </a:defRPr>
+            </a:lvl1pPr>
+          </a:lstStyle>
+          <a:p>
+            <a:r>
+              <a:rPr lang="en-US"/>
+              <a:t>Click to edit Master title style</a:t>
+            </a:r>
+          </a:p>
+        </p:txBody>
+      </p:sp>
+      <p:sp>
+        <p:nvSpPr>
+          <p:cNvPr id="3" name="Text Placeholder 2"/>
+          <p:cNvSpPr>
+            <a:spLocks noGrp="1"/>
+          </p:cNvSpPr>
+          <p:nvPr>
+            <p:ph type="body" idx="1"/>
+          </p:nvPr>
+        </p:nvSpPr>
+        <p:spPr>
+          <a:xfrm>
+            <a:off x="831850" y="4589463"/>
+            <a:ext cx="10515600" cy="1500187"/>
+          </a:xfrm>
+        </p:spPr>
+        <p:txBody>
+          <a:bodyPr/>
+          <a:lstStyle>
+            <a:lvl1pPr marL="0" indent="0">
+              <a:buNone/>
+              <a:defRPr sz="2400">
+                <a:solidFill>
+                  <a:schemeClr val="bg1"/>
+                </a:solidFill>
+              </a:defRPr>
+            </a:lvl1pPr>
+            <a:lvl2pPr marL="457200" indent="0">
+              <a:buNone/>
+              <a:defRPr sz="2000">
+                <a:solidFill>
+                  <a:schemeClr val="tx1">
+                    <a:tint val="75000"/>
+                  </a:schemeClr>
+                </a:solidFill>
+              </a:defRPr>
+            </a:lvl2pPr>
+            <a:lvl3pPr marL="914400" indent="0">
+              <a:buNone/>
+              <a:defRPr sz="1800">
+                <a:solidFill>
+                  <a:schemeClr val="tx1">
+                    <a:tint val="75000"/>
+                  </a:schemeClr>
+                </a:solidFill>
+              </a:defRPr>
+            </a:lvl3pPr>
+            <a:lvl4pPr marL="1371600" indent="0">
+              <a:buNone/>
+              <a:defRPr sz="1600">
+                <a:solidFill>
+                  <a:schemeClr val="tx1">
+                    <a:tint val="75000"/>
+                  </a:schemeClr>
+                </a:solidFill>
+              </a:defRPr>
+            </a:lvl4pPr>
+            <a:lvl5pPr marL="1828800" indent="0">
+              <a:buNone/>
+              <a:defRPr sz="1600">
+                <a:solidFill>
+                  <a:schemeClr val="tx1">
+                    <a:tint val="75000"/>
+                  </a:schemeClr>
+                </a:solidFill>
+              </a:defRPr>
+            </a:lvl5pPr>
+            <a:lvl6pPr marL="2286000" indent="0">
+              <a:buNone/>
+              <a:defRPr sz="1600">
+                <a:solidFill>
+                  <a:schemeClr val="tx1">
+                    <a:tint val="75000"/>
+                  </a:schemeClr>
+                </a:solidFill>
+              </a:defRPr>
+            </a:lvl6pPr>
+            <a:lvl7pPr marL="2743200" indent="0">
+              <a:buNone/>
+              <a:defRPr sz="1600">
+                <a:solidFill>
+                  <a:schemeClr val="tx1">
+                    <a:tint val="75000"/>
+                  </a:schemeClr>
+                </a:solidFill>
+              </a:defRPr>
+            </a:lvl7pPr>
+            <a:lvl8pPr marL="3200400" indent="0">
+              <a:buNone/>
+              <a:defRPr sz="1600">
+                <a:solidFill>
+                  <a:schemeClr val="tx1">
+                    <a:tint val="75000"/>
+                  </a:schemeClr>
+                </a:solidFill>
+              </a:defRPr>
+            </a:lvl8pPr>
+            <a:lvl9pPr marL="3657600" indent="0">
+              <a:buNone/>
+              <a:defRPr sz="1600">
+                <a:solidFill>
+                  <a:schemeClr val="tx1">
+                    <a:tint val="75000"/>
+                  </a:schemeClr>
+                </a:solidFill>
+              </a:defRPr>
+            </a:lvl9pPr>
+          </a:lstStyle>
+          <a:p>
+            <a:pPr lvl="0"/>
+            <a:r>
+              <a:rPr lang="en-US"/>
+              <a:t>Edit Master text styles</a:t>
+            </a:r>
+          </a:p>
+        </p:txBody>
+      </p:sp>
+      <p:sp>
+        <p:nvSpPr>
+          <p:cNvPr id="4" name="Date Placeholder 3"/>
+          <p:cNvSpPr>
+            <a:spLocks noGrp="1"/>
+          </p:cNvSpPr>
+          <p:nvPr>
+            <p:ph type="dt" sz="half" idx="10"/>
+          </p:nvPr>
+        </p:nvSpPr>
+        <p:spPr/>
+        <p:txBody>
+          <a:bodyPr/>
+          <a:lstStyle>
+            <a:lvl1pPr>
+              <a:defRPr>
+                <a:solidFill>
+                  <a:schemeClr val="bg1"/>
+                </a:solidFill>
+              </a:defRPr>
+            </a:lvl1pPr>
+          </a:lstStyle>
+          <a:p>
+            <a:fld id="{0459C166-16D3-4A25-A2F8-C51E0E346B22}" type="datetimeFigureOut">
+              <a:rPr lang="en-US" smtClean="0">
+                <a:solidFill>
+                  <a:prstClr val="white"/>
+                </a:solidFill>
+                <a:latin typeface="Segoe UI"/>
+              </a:rPr>
+              <a:pPr/>
+              <a:t>6/29/16</a:t>
+            </a:fld>
+            <a:endParaRPr lang="en-US">
+              <a:solidFill>
+                <a:prstClr val="white"/>
+              </a:solidFill>
+              <a:latin typeface="Segoe UI"/>
+            </a:endParaRPr>
+          </a:p>
+        </p:txBody>
+      </p:sp>
+      <p:sp>
+        <p:nvSpPr>
+          <p:cNvPr id="5" name="Footer Placeholder 4"/>
+          <p:cNvSpPr>
+            <a:spLocks noGrp="1"/>
+          </p:cNvSpPr>
+          <p:nvPr>
+            <p:ph type="ftr" sz="quarter" idx="11"/>
+          </p:nvPr>
+        </p:nvSpPr>
+        <p:spPr/>
+        <p:txBody>
+          <a:bodyPr/>
+          <a:lstStyle>
+            <a:lvl1pPr>
+              <a:defRPr>
+                <a:solidFill>
+                  <a:schemeClr val="bg1"/>
+                </a:solidFill>
+              </a:defRPr>
+            </a:lvl1pPr>
+          </a:lstStyle>
+          <a:p>
+            <a:endParaRPr lang="en-US">
+              <a:solidFill>
+                <a:prstClr val="white"/>
+              </a:solidFill>
+              <a:latin typeface="Segoe UI"/>
+            </a:endParaRPr>
+          </a:p>
+        </p:txBody>
+      </p:sp>
+      <p:sp>
+        <p:nvSpPr>
+          <p:cNvPr id="6" name="Slide Number Placeholder 5"/>
+          <p:cNvSpPr>
+            <a:spLocks noGrp="1"/>
+          </p:cNvSpPr>
+          <p:nvPr>
+            <p:ph type="sldNum" sz="quarter" idx="12"/>
+          </p:nvPr>
+        </p:nvSpPr>
+        <p:spPr/>
+        <p:txBody>
+          <a:bodyPr/>
+          <a:lstStyle>
+            <a:lvl1pPr>
+              <a:defRPr>
+                <a:solidFill>
+                  <a:schemeClr val="bg1"/>
+                </a:solidFill>
+              </a:defRPr>
+            </a:lvl1pPr>
+          </a:lstStyle>
+          <a:p>
+            <a:fld id="{59DE4316-4355-4038-9262-DF05D0694534}" type="slidenum">
+              <a:rPr lang="en-US" smtClean="0">
+                <a:solidFill>
+                  <a:prstClr val="white"/>
+                </a:solidFill>
+                <a:latin typeface="Segoe UI"/>
+              </a:rPr>
+              <a:pPr/>
+              <a:t>‹#›</a:t>
+            </a:fld>
+            <a:endParaRPr lang="en-US">
+              <a:solidFill>
+                <a:prstClr val="white"/>
+              </a:solidFill>
+              <a:latin typeface="Segoe UI"/>
+            </a:endParaRPr>
+          </a:p>
+        </p:txBody>
+      </p:sp>
+    </p:spTree>
+    <p:extLst>
+      <p:ext uri="{BB962C8B-B14F-4D97-AF65-F5344CB8AC3E}">
+        <p14:creationId xmlns:p14="http://schemas.microsoft.com/office/powerpoint/2010/main" val="3414840485"/>
+      </p:ext>
+    </p:extLst>
+  </p:cSld>
+  <p:clrMapOvr>
+    <a:masterClrMapping/>
+  </p:clrMapOvr>
+</p:sldLayout>
+</file>
+
+<file path=ppt/slideLayouts/slideLayout58.xml><?xml version="1.0" encoding="utf-8"?>
+<p:sldLayout xmlns:a="http://schemas.openxmlformats.org/drawingml/2006/main" xmlns:r="http://schemas.openxmlformats.org/officeDocument/2006/relationships" xmlns:p="http://schemas.openxmlformats.org/presentationml/2006/main" preserve="1" userDrawn="1">
+  <p:cSld name="Code (full page)">
+    <p:bg>
+      <p:bgPr>
+        <a:solidFill>
+          <a:srgbClr val="0070C0"/>
+        </a:solidFill>
+        <a:effectLst/>
+      </p:bgPr>
+    </p:bg>
+    <p:spTree>
+      <p:nvGrpSpPr>
+        <p:cNvPr id="1" name=""/>
+        <p:cNvGrpSpPr/>
+        <p:nvPr/>
+      </p:nvGrpSpPr>
+      <p:grpSpPr>
+        <a:xfrm>
+          <a:off x="0" y="0"/>
+          <a:ext cx="0" cy="0"/>
+          <a:chOff x="0" y="0"/>
+          <a:chExt cx="0" cy="0"/>
+        </a:xfrm>
+      </p:grpSpPr>
+      <p:sp>
+        <p:nvSpPr>
+          <p:cNvPr id="2" name="Title 1"/>
+          <p:cNvSpPr>
+            <a:spLocks noGrp="1"/>
+          </p:cNvSpPr>
+          <p:nvPr>
+            <p:ph type="title"/>
+          </p:nvPr>
+        </p:nvSpPr>
+        <p:spPr>
+          <a:xfrm>
+            <a:off x="838200" y="156845"/>
+            <a:ext cx="10515600" cy="721995"/>
+          </a:xfrm>
+        </p:spPr>
+        <p:txBody>
+          <a:bodyPr/>
+          <a:lstStyle>
+            <a:lvl1pPr>
+              <a:defRPr>
+                <a:solidFill>
+                  <a:schemeClr val="bg1"/>
+                </a:solidFill>
+              </a:defRPr>
+            </a:lvl1pPr>
+          </a:lstStyle>
+          <a:p>
+            <a:r>
+              <a:rPr lang="en-US"/>
+              <a:t>Click to edit Master title style</a:t>
+            </a:r>
+          </a:p>
+        </p:txBody>
+      </p:sp>
+      <p:sp>
+        <p:nvSpPr>
+          <p:cNvPr id="7" name="Content Placeholder 2"/>
+          <p:cNvSpPr>
+            <a:spLocks noGrp="1"/>
+          </p:cNvSpPr>
+          <p:nvPr>
+            <p:ph idx="1"/>
+          </p:nvPr>
+        </p:nvSpPr>
+        <p:spPr>
+          <a:xfrm>
+            <a:off x="838200" y="878840"/>
+            <a:ext cx="10515600" cy="5770880"/>
+          </a:xfrm>
+          <a:solidFill>
+            <a:schemeClr val="bg1">
+              <a:lumMod val="95000"/>
+            </a:schemeClr>
+          </a:solidFill>
+        </p:spPr>
+        <p:txBody>
+          <a:bodyPr anchor="ctr">
+            <a:normAutofit/>
+          </a:bodyPr>
+          <a:lstStyle>
+            <a:lvl1pPr marL="0" indent="0">
+              <a:lnSpc>
+                <a:spcPct val="90000"/>
+              </a:lnSpc>
+              <a:buNone/>
+              <a:defRPr sz="1600">
+                <a:latin typeface="Lucida Console" panose="020B0609040504020204" pitchFamily="49" charset="0"/>
+              </a:defRPr>
+            </a:lvl1pPr>
+            <a:lvl2pPr marL="457200" indent="0">
+              <a:lnSpc>
+                <a:spcPct val="90000"/>
+              </a:lnSpc>
+              <a:buNone/>
+              <a:defRPr sz="1600">
+                <a:latin typeface="Lucida Console" panose="020B0609040504020204" pitchFamily="49" charset="0"/>
+              </a:defRPr>
+            </a:lvl2pPr>
+            <a:lvl3pPr marL="914400" indent="0">
+              <a:lnSpc>
+                <a:spcPct val="90000"/>
+              </a:lnSpc>
+              <a:buNone/>
+              <a:defRPr sz="1600">
+                <a:latin typeface="Lucida Console" panose="020B0609040504020204" pitchFamily="49" charset="0"/>
+              </a:defRPr>
+            </a:lvl3pPr>
+            <a:lvl4pPr marL="1371600" indent="0">
+              <a:lnSpc>
+                <a:spcPct val="90000"/>
+              </a:lnSpc>
+              <a:buNone/>
+              <a:defRPr sz="1600">
+                <a:latin typeface="Lucida Console" panose="020B0609040504020204" pitchFamily="49" charset="0"/>
+              </a:defRPr>
+            </a:lvl4pPr>
+            <a:lvl5pPr marL="1828800" indent="0">
+              <a:lnSpc>
+                <a:spcPct val="90000"/>
+              </a:lnSpc>
+              <a:buNone/>
+              <a:defRPr sz="1600">
+                <a:latin typeface="Lucida Console" panose="020B0609040504020204" pitchFamily="49" charset="0"/>
+              </a:defRPr>
+            </a:lvl5pPr>
+          </a:lstStyle>
+          <a:p>
+            <a:pPr lvl="0"/>
+            <a:r>
+              <a:rPr lang="en-US" noProof="1"/>
+              <a:t>Edit Master text styles</a:t>
+            </a:r>
+          </a:p>
+          <a:p>
+            <a:pPr lvl="1"/>
+            <a:r>
+              <a:rPr lang="en-US" noProof="1"/>
+              <a:t>Second level</a:t>
+            </a:r>
+          </a:p>
+          <a:p>
+            <a:pPr lvl="2"/>
+            <a:r>
+              <a:rPr lang="en-US" noProof="1"/>
+              <a:t>Third level</a:t>
+            </a:r>
+          </a:p>
+          <a:p>
+            <a:pPr lvl="3"/>
+            <a:r>
+              <a:rPr lang="en-US" noProof="1"/>
+              <a:t>Fourth level</a:t>
+            </a:r>
+          </a:p>
+          <a:p>
+            <a:pPr lvl="4"/>
+            <a:r>
+              <a:rPr lang="en-US" noProof="1"/>
+              <a:t>Fifth level</a:t>
+            </a:r>
+          </a:p>
+        </p:txBody>
+      </p:sp>
+    </p:spTree>
+    <p:extLst>
+      <p:ext uri="{BB962C8B-B14F-4D97-AF65-F5344CB8AC3E}">
+        <p14:creationId xmlns:p14="http://schemas.microsoft.com/office/powerpoint/2010/main" val="3856445243"/>
+      </p:ext>
+    </p:extLst>
+  </p:cSld>
+  <p:clrMapOvr>
+    <a:masterClrMapping/>
+  </p:clrMapOvr>
+</p:sldLayout>
+</file>
+
+<file path=ppt/slideLayouts/slideLayout59.xml><?xml version="1.0" encoding="utf-8"?>
+<p:sldLayout xmlns:a="http://schemas.openxmlformats.org/drawingml/2006/main" xmlns:r="http://schemas.openxmlformats.org/officeDocument/2006/relationships" xmlns:p="http://schemas.openxmlformats.org/presentationml/2006/main" preserve="1" userDrawn="1">
+  <p:cSld name="Blockquotes">
+    <p:spTree>
+      <p:nvGrpSpPr>
+        <p:cNvPr id="1" name=""/>
+        <p:cNvGrpSpPr/>
+        <p:nvPr/>
+      </p:nvGrpSpPr>
+      <p:grpSpPr>
+        <a:xfrm>
+          <a:off x="0" y="0"/>
+          <a:ext cx="0" cy="0"/>
+          <a:chOff x="0" y="0"/>
+          <a:chExt cx="0" cy="0"/>
+        </a:xfrm>
+      </p:grpSpPr>
+      <p:sp>
+        <p:nvSpPr>
+          <p:cNvPr id="2" name="Title 1"/>
+          <p:cNvSpPr>
+            <a:spLocks noGrp="1"/>
+          </p:cNvSpPr>
+          <p:nvPr>
+            <p:ph type="title"/>
+          </p:nvPr>
+        </p:nvSpPr>
+        <p:spPr/>
+        <p:txBody>
+          <a:bodyPr/>
+          <a:lstStyle/>
+          <a:p>
+            <a:r>
+              <a:rPr lang="en-US"/>
+              <a:t>Click to edit Master title style</a:t>
+            </a:r>
+          </a:p>
+        </p:txBody>
+      </p:sp>
+      <p:sp>
+        <p:nvSpPr>
+          <p:cNvPr id="3" name="Date Placeholder 2"/>
+          <p:cNvSpPr>
+            <a:spLocks noGrp="1"/>
+          </p:cNvSpPr>
+          <p:nvPr>
+            <p:ph type="dt" sz="half" idx="10"/>
+          </p:nvPr>
+        </p:nvSpPr>
+        <p:spPr/>
+        <p:txBody>
+          <a:bodyPr/>
+          <a:lstStyle/>
+          <a:p>
+            <a:fld id="{0459C166-16D3-4A25-A2F8-C51E0E346B22}" type="datetimeFigureOut">
+              <a:rPr lang="en-US" smtClean="0">
+                <a:solidFill>
+                  <a:prstClr val="black">
+                    <a:tint val="75000"/>
+                  </a:prstClr>
+                </a:solidFill>
+                <a:latin typeface="Segoe UI"/>
+              </a:rPr>
+              <a:pPr/>
+              <a:t>6/29/16</a:t>
+            </a:fld>
+            <a:endParaRPr lang="en-US">
+              <a:solidFill>
+                <a:prstClr val="black">
+                  <a:tint val="75000"/>
+                </a:prstClr>
+              </a:solidFill>
+              <a:latin typeface="Segoe UI"/>
+            </a:endParaRPr>
+          </a:p>
+        </p:txBody>
+      </p:sp>
+      <p:sp>
+        <p:nvSpPr>
+          <p:cNvPr id="4" name="Footer Placeholder 3"/>
+          <p:cNvSpPr>
+            <a:spLocks noGrp="1"/>
+          </p:cNvSpPr>
+          <p:nvPr>
+            <p:ph type="ftr" sz="quarter" idx="11"/>
+          </p:nvPr>
+        </p:nvSpPr>
+        <p:spPr/>
+        <p:txBody>
+          <a:bodyPr/>
+          <a:lstStyle/>
+          <a:p>
+            <a:endParaRPr lang="en-US">
+              <a:solidFill>
+                <a:prstClr val="black">
+                  <a:tint val="75000"/>
+                </a:prstClr>
+              </a:solidFill>
+              <a:latin typeface="Segoe UI"/>
+            </a:endParaRPr>
+          </a:p>
+        </p:txBody>
+      </p:sp>
+      <p:sp>
+        <p:nvSpPr>
+          <p:cNvPr id="5" name="Slide Number Placeholder 4"/>
+          <p:cNvSpPr>
+            <a:spLocks noGrp="1"/>
+          </p:cNvSpPr>
+          <p:nvPr>
+            <p:ph type="sldNum" sz="quarter" idx="12"/>
+          </p:nvPr>
+        </p:nvSpPr>
+        <p:spPr/>
+        <p:txBody>
+          <a:bodyPr/>
+          <a:lstStyle/>
+          <a:p>
+            <a:fld id="{59DE4316-4355-4038-9262-DF05D0694534}" type="slidenum">
+              <a:rPr lang="en-US" smtClean="0">
+                <a:solidFill>
+                  <a:prstClr val="black">
+                    <a:tint val="75000"/>
+                  </a:prstClr>
+                </a:solidFill>
+                <a:latin typeface="Segoe UI"/>
+              </a:rPr>
+              <a:pPr/>
+              <a:t>‹#›</a:t>
+            </a:fld>
+            <a:endParaRPr lang="en-US">
+              <a:solidFill>
+                <a:prstClr val="black">
+                  <a:tint val="75000"/>
+                </a:prstClr>
+              </a:solidFill>
+              <a:latin typeface="Segoe UI"/>
+            </a:endParaRPr>
+          </a:p>
+        </p:txBody>
+      </p:sp>
+      <p:sp>
+        <p:nvSpPr>
+          <p:cNvPr id="6" name="Rectangle 5"/>
+          <p:cNvSpPr/>
+          <p:nvPr userDrawn="1"/>
+        </p:nvSpPr>
+        <p:spPr>
+          <a:xfrm>
+            <a:off x="0" y="2159060"/>
+            <a:ext cx="1384300" cy="2451040"/>
+          </a:xfrm>
+          <a:prstGeom prst="rect">
+            <a:avLst/>
+          </a:prstGeom>
+          <a:solidFill>
+            <a:srgbClr val="0070C0"/>
+          </a:solidFill>
+          <a:ln w="9525" cap="flat" cmpd="sng" algn="ctr">
+            <a:noFill/>
+            <a:prstDash val="solid"/>
+          </a:ln>
+          <a:effectLst/>
+        </p:spPr>
+        <p:txBody>
+          <a:bodyPr rtlCol="0" anchor="ctr"/>
+          <a:lstStyle/>
+          <a:p>
+            <a:pPr>
+              <a:buFont typeface="Arial" panose="020B0604020202020204" pitchFamily="34" charset="0"/>
+              <a:buNone/>
+              <a:defRPr/>
+            </a:pPr>
+            <a:endParaRPr lang="en-US" sz="1200" kern="0" dirty="0">
+              <a:solidFill>
+                <a:prstClr val="white"/>
+              </a:solidFill>
+              <a:latin typeface="Segoe UI"/>
+            </a:endParaRPr>
+          </a:p>
+        </p:txBody>
+      </p:sp>
+      <p:sp>
+        <p:nvSpPr>
+          <p:cNvPr id="7" name="Rectangle 6"/>
+          <p:cNvSpPr/>
+          <p:nvPr userDrawn="1"/>
+        </p:nvSpPr>
+        <p:spPr>
+          <a:xfrm>
+            <a:off x="1384300" y="2159060"/>
+            <a:ext cx="9423400" cy="2451040"/>
+          </a:xfrm>
+          <a:prstGeom prst="rect">
+            <a:avLst/>
+          </a:prstGeom>
+          <a:solidFill>
+            <a:srgbClr val="0070C0"/>
+          </a:solidFill>
+          <a:ln w="9525" cap="flat" cmpd="sng" algn="ctr">
+            <a:noFill/>
+            <a:prstDash val="solid"/>
+          </a:ln>
+          <a:effectLst/>
+        </p:spPr>
+        <p:txBody>
+          <a:bodyPr rtlCol="0" anchor="ctr"/>
+          <a:lstStyle/>
+          <a:p>
+            <a:pPr algn="ctr">
+              <a:buFont typeface="Arial" panose="020B0604020202020204" pitchFamily="34" charset="0"/>
+              <a:buNone/>
+              <a:defRPr/>
+            </a:pPr>
+            <a:endParaRPr lang="en-US" sz="3600" i="1" kern="0" dirty="0">
+              <a:solidFill>
+                <a:prstClr val="white"/>
+              </a:solidFill>
+              <a:latin typeface="Segoe UI"/>
+            </a:endParaRPr>
+          </a:p>
+        </p:txBody>
+      </p:sp>
+      <p:sp>
+        <p:nvSpPr>
+          <p:cNvPr id="8" name="Rectangle 7"/>
+          <p:cNvSpPr/>
+          <p:nvPr userDrawn="1"/>
+        </p:nvSpPr>
+        <p:spPr>
+          <a:xfrm>
+            <a:off x="10807700" y="2159059"/>
+            <a:ext cx="1384300" cy="2451041"/>
+          </a:xfrm>
+          <a:prstGeom prst="rect">
+            <a:avLst/>
+          </a:prstGeom>
+          <a:solidFill>
+            <a:srgbClr val="0070C0"/>
+          </a:solidFill>
+          <a:ln w="9525" cap="flat" cmpd="sng" algn="ctr">
+            <a:noFill/>
+            <a:prstDash val="solid"/>
+          </a:ln>
+          <a:effectLst/>
+        </p:spPr>
+        <p:txBody>
+          <a:bodyPr rtlCol="0" anchor="ctr"/>
+          <a:lstStyle/>
+          <a:p>
+            <a:pPr>
+              <a:buFont typeface="Arial" panose="020B0604020202020204" pitchFamily="34" charset="0"/>
+              <a:buNone/>
+              <a:defRPr/>
+            </a:pPr>
+            <a:endParaRPr lang="en-US" sz="1200" kern="0" dirty="0">
+              <a:solidFill>
+                <a:prstClr val="white"/>
+              </a:solidFill>
+              <a:latin typeface="Segoe UI"/>
+            </a:endParaRPr>
+          </a:p>
+        </p:txBody>
+      </p:sp>
+      <p:sp>
+        <p:nvSpPr>
+          <p:cNvPr id="9" name="Content Placeholder 2"/>
+          <p:cNvSpPr>
+            <a:spLocks noGrp="1"/>
+          </p:cNvSpPr>
+          <p:nvPr>
+            <p:ph sz="half" idx="1"/>
+          </p:nvPr>
+        </p:nvSpPr>
+        <p:spPr>
+          <a:xfrm>
+            <a:off x="1384300" y="2159059"/>
+            <a:ext cx="9423400" cy="2451041"/>
+          </a:xfrm>
+        </p:spPr>
+        <p:txBody>
+          <a:bodyPr anchor="ctr"/>
+          <a:lstStyle>
+            <a:lvl1pPr marL="0" indent="0" algn="ctr">
+              <a:buNone/>
+              <a:defRPr i="1">
+                <a:solidFill>
+                  <a:schemeClr val="bg1"/>
+                </a:solidFill>
+              </a:defRPr>
+            </a:lvl1pPr>
+            <a:lvl2pPr marL="457200" indent="0" algn="ctr">
+              <a:buNone/>
+              <a:defRPr i="1">
+                <a:solidFill>
+                  <a:schemeClr val="bg1"/>
+                </a:solidFill>
+              </a:defRPr>
+            </a:lvl2pPr>
+            <a:lvl3pPr marL="914400" indent="0" algn="ctr">
+              <a:buNone/>
+              <a:defRPr i="1">
+                <a:solidFill>
+                  <a:schemeClr val="bg1"/>
+                </a:solidFill>
+              </a:defRPr>
+            </a:lvl3pPr>
+            <a:lvl4pPr marL="1371600" indent="0" algn="ctr">
+              <a:buNone/>
+              <a:defRPr i="1">
+                <a:solidFill>
+                  <a:schemeClr val="bg1"/>
+                </a:solidFill>
+              </a:defRPr>
+            </a:lvl4pPr>
+            <a:lvl5pPr marL="1828800" indent="0" algn="ctr">
+              <a:buNone/>
+              <a:defRPr i="1">
+                <a:solidFill>
+                  <a:schemeClr val="bg1"/>
+                </a:solidFill>
+              </a:defRPr>
+            </a:lvl5pPr>
+          </a:lstStyle>
+          <a:p>
+            <a:pPr lvl="0"/>
+            <a:r>
+              <a:rPr lang="en-US" dirty="0"/>
+              <a:t>Edit Master text styles</a:t>
+            </a:r>
+          </a:p>
+          <a:p>
+            <a:pPr lvl="1"/>
+            <a:r>
+              <a:rPr lang="en-US" dirty="0"/>
+              <a:t>Second level</a:t>
+            </a:r>
+          </a:p>
+          <a:p>
+            <a:pPr lvl="2"/>
+            <a:r>
+              <a:rPr lang="en-US" dirty="0"/>
+              <a:t>Third level</a:t>
+            </a:r>
+          </a:p>
+          <a:p>
+            <a:pPr lvl="3"/>
+            <a:r>
+              <a:rPr lang="en-US" dirty="0"/>
+              <a:t>Fourth level</a:t>
+            </a:r>
+          </a:p>
+          <a:p>
+            <a:pPr lvl="4"/>
+            <a:r>
+              <a:rPr lang="en-US" dirty="0"/>
+              <a:t>Fifth level</a:t>
+            </a:r>
+          </a:p>
+        </p:txBody>
+      </p:sp>
+    </p:spTree>
+    <p:extLst>
+      <p:ext uri="{BB962C8B-B14F-4D97-AF65-F5344CB8AC3E}">
+        <p14:creationId xmlns:p14="http://schemas.microsoft.com/office/powerpoint/2010/main" val="2623535638"/>
+      </p:ext>
+    </p:extLst>
+  </p:cSld>
+  <p:clrMapOvr>
+    <a:masterClrMapping/>
+  </p:clrMapOvr>
+</p:sldLayout>
+</file>
+
 <file path=ppt/slideLayouts/slideLayout6.xml><?xml version="1.0" encoding="utf-8"?>
 <p:sldLayout xmlns:a="http://schemas.openxmlformats.org/drawingml/2006/main" xmlns:r="http://schemas.openxmlformats.org/officeDocument/2006/relationships" xmlns:p="http://schemas.openxmlformats.org/presentationml/2006/main" type="titleOnly" preserve="1">
   <p:cSld name="Title Only">
@@ -21530,6 +22819,2598 @@
   <p:transition xmlns:p14="http://schemas.microsoft.com/office/powerpoint/2010/main">
     <p:fade/>
   </p:transition>
+</p:sldLayout>
+</file>
+
+<file path=ppt/slideLayouts/slideLayout60.xml><?xml version="1.0" encoding="utf-8"?>
+<p:sldLayout xmlns:a="http://schemas.openxmlformats.org/drawingml/2006/main" xmlns:r="http://schemas.openxmlformats.org/officeDocument/2006/relationships" xmlns:p="http://schemas.openxmlformats.org/presentationml/2006/main" preserve="1" userDrawn="1">
+  <p:cSld name="Topics Slide">
+    <p:spTree>
+      <p:nvGrpSpPr>
+        <p:cNvPr id="1" name=""/>
+        <p:cNvGrpSpPr/>
+        <p:nvPr/>
+      </p:nvGrpSpPr>
+      <p:grpSpPr>
+        <a:xfrm>
+          <a:off x="0" y="0"/>
+          <a:ext cx="0" cy="0"/>
+          <a:chOff x="0" y="0"/>
+          <a:chExt cx="0" cy="0"/>
+        </a:xfrm>
+      </p:grpSpPr>
+      <p:sp>
+        <p:nvSpPr>
+          <p:cNvPr id="2" name="Title 1"/>
+          <p:cNvSpPr>
+            <a:spLocks noGrp="1"/>
+          </p:cNvSpPr>
+          <p:nvPr>
+            <p:ph type="title"/>
+          </p:nvPr>
+        </p:nvSpPr>
+        <p:spPr/>
+        <p:txBody>
+          <a:bodyPr/>
+          <a:lstStyle>
+            <a:lvl1pPr>
+              <a:defRPr/>
+            </a:lvl1pPr>
+          </a:lstStyle>
+          <a:p>
+            <a:endParaRPr lang="en-US" dirty="0"/>
+          </a:p>
+        </p:txBody>
+      </p:sp>
+      <p:sp>
+        <p:nvSpPr>
+          <p:cNvPr id="3" name="Date Placeholder 2"/>
+          <p:cNvSpPr>
+            <a:spLocks noGrp="1"/>
+          </p:cNvSpPr>
+          <p:nvPr>
+            <p:ph type="dt" sz="half" idx="10"/>
+          </p:nvPr>
+        </p:nvSpPr>
+        <p:spPr/>
+        <p:txBody>
+          <a:bodyPr/>
+          <a:lstStyle/>
+          <a:p>
+            <a:fld id="{0459C166-16D3-4A25-A2F8-C51E0E346B22}" type="datetimeFigureOut">
+              <a:rPr lang="en-US" smtClean="0">
+                <a:solidFill>
+                  <a:prstClr val="black">
+                    <a:tint val="75000"/>
+                  </a:prstClr>
+                </a:solidFill>
+                <a:latin typeface="Segoe UI"/>
+              </a:rPr>
+              <a:pPr/>
+              <a:t>6/29/16</a:t>
+            </a:fld>
+            <a:endParaRPr lang="en-US">
+              <a:solidFill>
+                <a:prstClr val="black">
+                  <a:tint val="75000"/>
+                </a:prstClr>
+              </a:solidFill>
+              <a:latin typeface="Segoe UI"/>
+            </a:endParaRPr>
+          </a:p>
+        </p:txBody>
+      </p:sp>
+      <p:sp>
+        <p:nvSpPr>
+          <p:cNvPr id="4" name="Footer Placeholder 3"/>
+          <p:cNvSpPr>
+            <a:spLocks noGrp="1"/>
+          </p:cNvSpPr>
+          <p:nvPr>
+            <p:ph type="ftr" sz="quarter" idx="11"/>
+          </p:nvPr>
+        </p:nvSpPr>
+        <p:spPr/>
+        <p:txBody>
+          <a:bodyPr/>
+          <a:lstStyle/>
+          <a:p>
+            <a:endParaRPr lang="en-US">
+              <a:solidFill>
+                <a:prstClr val="black">
+                  <a:tint val="75000"/>
+                </a:prstClr>
+              </a:solidFill>
+              <a:latin typeface="Segoe UI"/>
+            </a:endParaRPr>
+          </a:p>
+        </p:txBody>
+      </p:sp>
+      <p:sp>
+        <p:nvSpPr>
+          <p:cNvPr id="5" name="Slide Number Placeholder 4"/>
+          <p:cNvSpPr>
+            <a:spLocks noGrp="1"/>
+          </p:cNvSpPr>
+          <p:nvPr>
+            <p:ph type="sldNum" sz="quarter" idx="12"/>
+          </p:nvPr>
+        </p:nvSpPr>
+        <p:spPr/>
+        <p:txBody>
+          <a:bodyPr/>
+          <a:lstStyle/>
+          <a:p>
+            <a:fld id="{59DE4316-4355-4038-9262-DF05D0694534}" type="slidenum">
+              <a:rPr lang="en-US" smtClean="0">
+                <a:solidFill>
+                  <a:prstClr val="black">
+                    <a:tint val="75000"/>
+                  </a:prstClr>
+                </a:solidFill>
+                <a:latin typeface="Segoe UI"/>
+              </a:rPr>
+              <a:pPr/>
+              <a:t>‹#›</a:t>
+            </a:fld>
+            <a:endParaRPr lang="en-US">
+              <a:solidFill>
+                <a:prstClr val="black">
+                  <a:tint val="75000"/>
+                </a:prstClr>
+              </a:solidFill>
+              <a:latin typeface="Segoe UI"/>
+            </a:endParaRPr>
+          </a:p>
+        </p:txBody>
+      </p:sp>
+      <p:sp>
+        <p:nvSpPr>
+          <p:cNvPr id="6" name="Rectangle 5"/>
+          <p:cNvSpPr/>
+          <p:nvPr userDrawn="1"/>
+        </p:nvSpPr>
+        <p:spPr>
+          <a:xfrm>
+            <a:off x="0" y="2159060"/>
+            <a:ext cx="1384300" cy="3060640"/>
+          </a:xfrm>
+          <a:prstGeom prst="rect">
+            <a:avLst/>
+          </a:prstGeom>
+          <a:solidFill>
+            <a:srgbClr val="0070C0"/>
+          </a:solidFill>
+          <a:ln w="9525" cap="flat" cmpd="sng" algn="ctr">
+            <a:noFill/>
+            <a:prstDash val="solid"/>
+          </a:ln>
+          <a:effectLst/>
+        </p:spPr>
+        <p:txBody>
+          <a:bodyPr rtlCol="0" anchor="ctr"/>
+          <a:lstStyle/>
+          <a:p>
+            <a:pPr>
+              <a:buFont typeface="Arial" panose="020B0604020202020204" pitchFamily="34" charset="0"/>
+              <a:buNone/>
+              <a:defRPr/>
+            </a:pPr>
+            <a:endParaRPr lang="en-US" sz="1200" kern="0" dirty="0">
+              <a:solidFill>
+                <a:prstClr val="white"/>
+              </a:solidFill>
+              <a:latin typeface="Segoe UI"/>
+            </a:endParaRPr>
+          </a:p>
+        </p:txBody>
+      </p:sp>
+      <p:sp>
+        <p:nvSpPr>
+          <p:cNvPr id="7" name="Rectangle 6"/>
+          <p:cNvSpPr/>
+          <p:nvPr userDrawn="1"/>
+        </p:nvSpPr>
+        <p:spPr>
+          <a:xfrm>
+            <a:off x="1384300" y="2159060"/>
+            <a:ext cx="9423400" cy="3060640"/>
+          </a:xfrm>
+          <a:prstGeom prst="rect">
+            <a:avLst/>
+          </a:prstGeom>
+          <a:solidFill>
+            <a:srgbClr val="0070C0"/>
+          </a:solidFill>
+          <a:ln w="9525" cap="flat" cmpd="sng" algn="ctr">
+            <a:noFill/>
+            <a:prstDash val="solid"/>
+          </a:ln>
+          <a:effectLst/>
+        </p:spPr>
+        <p:txBody>
+          <a:bodyPr rtlCol="0" anchor="ctr"/>
+          <a:lstStyle/>
+          <a:p>
+            <a:pPr algn="ctr">
+              <a:buFont typeface="Arial" panose="020B0604020202020204" pitchFamily="34" charset="0"/>
+              <a:buNone/>
+              <a:defRPr/>
+            </a:pPr>
+            <a:endParaRPr lang="en-US" sz="3600" i="1" kern="0" dirty="0">
+              <a:solidFill>
+                <a:prstClr val="white"/>
+              </a:solidFill>
+              <a:latin typeface="Segoe UI"/>
+            </a:endParaRPr>
+          </a:p>
+        </p:txBody>
+      </p:sp>
+      <p:sp>
+        <p:nvSpPr>
+          <p:cNvPr id="8" name="Rectangle 7"/>
+          <p:cNvSpPr/>
+          <p:nvPr userDrawn="1"/>
+        </p:nvSpPr>
+        <p:spPr>
+          <a:xfrm>
+            <a:off x="10807700" y="2159059"/>
+            <a:ext cx="1384300" cy="3060641"/>
+          </a:xfrm>
+          <a:prstGeom prst="rect">
+            <a:avLst/>
+          </a:prstGeom>
+          <a:solidFill>
+            <a:srgbClr val="0070C0"/>
+          </a:solidFill>
+          <a:ln w="9525" cap="flat" cmpd="sng" algn="ctr">
+            <a:noFill/>
+            <a:prstDash val="solid"/>
+          </a:ln>
+          <a:effectLst/>
+        </p:spPr>
+        <p:txBody>
+          <a:bodyPr rtlCol="0" anchor="ctr"/>
+          <a:lstStyle/>
+          <a:p>
+            <a:pPr>
+              <a:buFont typeface="Arial" panose="020B0604020202020204" pitchFamily="34" charset="0"/>
+              <a:buNone/>
+              <a:defRPr/>
+            </a:pPr>
+            <a:endParaRPr lang="en-US" sz="1200" kern="0" dirty="0">
+              <a:solidFill>
+                <a:prstClr val="white"/>
+              </a:solidFill>
+              <a:latin typeface="Segoe UI"/>
+            </a:endParaRPr>
+          </a:p>
+        </p:txBody>
+      </p:sp>
+      <p:sp>
+        <p:nvSpPr>
+          <p:cNvPr id="9" name="Content Placeholder 2"/>
+          <p:cNvSpPr>
+            <a:spLocks noGrp="1"/>
+          </p:cNvSpPr>
+          <p:nvPr>
+            <p:ph sz="half" idx="1"/>
+          </p:nvPr>
+        </p:nvSpPr>
+        <p:spPr>
+          <a:xfrm>
+            <a:off x="1384300" y="2159059"/>
+            <a:ext cx="9423400" cy="3060641"/>
+          </a:xfrm>
+        </p:spPr>
+        <p:txBody>
+          <a:bodyPr anchor="ctr"/>
+          <a:lstStyle>
+            <a:lvl1pPr marL="0" indent="0" algn="l">
+              <a:buNone/>
+              <a:defRPr i="0">
+                <a:solidFill>
+                  <a:schemeClr val="bg1"/>
+                </a:solidFill>
+              </a:defRPr>
+            </a:lvl1pPr>
+            <a:lvl2pPr marL="457200" indent="0" algn="l">
+              <a:buNone/>
+              <a:defRPr i="0">
+                <a:solidFill>
+                  <a:schemeClr val="bg1"/>
+                </a:solidFill>
+              </a:defRPr>
+            </a:lvl2pPr>
+            <a:lvl3pPr marL="914400" indent="0" algn="l">
+              <a:buNone/>
+              <a:defRPr i="0">
+                <a:solidFill>
+                  <a:schemeClr val="bg1"/>
+                </a:solidFill>
+              </a:defRPr>
+            </a:lvl3pPr>
+            <a:lvl4pPr marL="1371600" indent="0" algn="l">
+              <a:buNone/>
+              <a:defRPr i="0">
+                <a:solidFill>
+                  <a:schemeClr val="bg1"/>
+                </a:solidFill>
+              </a:defRPr>
+            </a:lvl4pPr>
+            <a:lvl5pPr marL="1828800" indent="0" algn="l">
+              <a:buNone/>
+              <a:defRPr i="0">
+                <a:solidFill>
+                  <a:schemeClr val="bg1"/>
+                </a:solidFill>
+              </a:defRPr>
+            </a:lvl5pPr>
+          </a:lstStyle>
+          <a:p>
+            <a:pPr lvl="0"/>
+            <a:r>
+              <a:rPr lang="en-US" dirty="0"/>
+              <a:t>Edit Master text styles</a:t>
+            </a:r>
+          </a:p>
+          <a:p>
+            <a:pPr lvl="1"/>
+            <a:r>
+              <a:rPr lang="en-US" dirty="0"/>
+              <a:t>Second level</a:t>
+            </a:r>
+          </a:p>
+          <a:p>
+            <a:pPr lvl="2"/>
+            <a:r>
+              <a:rPr lang="en-US" dirty="0"/>
+              <a:t>Third level</a:t>
+            </a:r>
+          </a:p>
+          <a:p>
+            <a:pPr lvl="3"/>
+            <a:r>
+              <a:rPr lang="en-US" dirty="0"/>
+              <a:t>Fourth level</a:t>
+            </a:r>
+          </a:p>
+          <a:p>
+            <a:pPr lvl="4"/>
+            <a:r>
+              <a:rPr lang="en-US" dirty="0"/>
+              <a:t>Fifth level</a:t>
+            </a:r>
+          </a:p>
+        </p:txBody>
+      </p:sp>
+    </p:spTree>
+    <p:extLst>
+      <p:ext uri="{BB962C8B-B14F-4D97-AF65-F5344CB8AC3E}">
+        <p14:creationId xmlns:p14="http://schemas.microsoft.com/office/powerpoint/2010/main" val="1007356348"/>
+      </p:ext>
+    </p:extLst>
+  </p:cSld>
+  <p:clrMapOvr>
+    <a:masterClrMapping/>
+  </p:clrMapOvr>
+</p:sldLayout>
+</file>
+
+<file path=ppt/slideLayouts/slideLayout61.xml><?xml version="1.0" encoding="utf-8"?>
+<p:sldLayout xmlns:a="http://schemas.openxmlformats.org/drawingml/2006/main" xmlns:r="http://schemas.openxmlformats.org/officeDocument/2006/relationships" xmlns:p="http://schemas.openxmlformats.org/presentationml/2006/main" preserve="1" userDrawn="1">
+  <p:cSld name="Console output view">
+    <p:spTree>
+      <p:nvGrpSpPr>
+        <p:cNvPr id="1" name=""/>
+        <p:cNvGrpSpPr/>
+        <p:nvPr/>
+      </p:nvGrpSpPr>
+      <p:grpSpPr>
+        <a:xfrm>
+          <a:off x="0" y="0"/>
+          <a:ext cx="0" cy="0"/>
+          <a:chOff x="0" y="0"/>
+          <a:chExt cx="0" cy="0"/>
+        </a:xfrm>
+      </p:grpSpPr>
+      <p:sp>
+        <p:nvSpPr>
+          <p:cNvPr id="2" name="Title 1"/>
+          <p:cNvSpPr>
+            <a:spLocks noGrp="1"/>
+          </p:cNvSpPr>
+          <p:nvPr>
+            <p:ph type="title"/>
+          </p:nvPr>
+        </p:nvSpPr>
+        <p:spPr>
+          <a:xfrm>
+            <a:off x="838200" y="365125"/>
+            <a:ext cx="10515600" cy="721995"/>
+          </a:xfrm>
+        </p:spPr>
+        <p:txBody>
+          <a:bodyPr/>
+          <a:lstStyle/>
+          <a:p>
+            <a:r>
+              <a:rPr lang="en-US"/>
+              <a:t>Click to edit Master title style</a:t>
+            </a:r>
+          </a:p>
+        </p:txBody>
+      </p:sp>
+      <p:sp>
+        <p:nvSpPr>
+          <p:cNvPr id="7" name="Content Placeholder 2"/>
+          <p:cNvSpPr>
+            <a:spLocks noGrp="1"/>
+          </p:cNvSpPr>
+          <p:nvPr>
+            <p:ph idx="1"/>
+          </p:nvPr>
+        </p:nvSpPr>
+        <p:spPr>
+          <a:xfrm>
+            <a:off x="838200" y="1305560"/>
+            <a:ext cx="10515600" cy="5344160"/>
+          </a:xfrm>
+          <a:solidFill>
+            <a:srgbClr val="002060"/>
+          </a:solidFill>
+        </p:spPr>
+        <p:txBody>
+          <a:bodyPr anchor="ctr">
+            <a:normAutofit/>
+          </a:bodyPr>
+          <a:lstStyle>
+            <a:lvl1pPr marL="0" indent="0">
+              <a:lnSpc>
+                <a:spcPct val="50000"/>
+              </a:lnSpc>
+              <a:buNone/>
+              <a:defRPr sz="1600">
+                <a:solidFill>
+                  <a:schemeClr val="bg1"/>
+                </a:solidFill>
+                <a:latin typeface="Consolas" panose="020B0609020204030204" pitchFamily="49" charset="0"/>
+              </a:defRPr>
+            </a:lvl1pPr>
+            <a:lvl2pPr marL="457200" indent="0">
+              <a:lnSpc>
+                <a:spcPct val="50000"/>
+              </a:lnSpc>
+              <a:buNone/>
+              <a:defRPr sz="1600">
+                <a:solidFill>
+                  <a:schemeClr val="bg1"/>
+                </a:solidFill>
+                <a:latin typeface="Consolas" panose="020B0609020204030204" pitchFamily="49" charset="0"/>
+              </a:defRPr>
+            </a:lvl2pPr>
+            <a:lvl3pPr marL="914400" indent="0">
+              <a:lnSpc>
+                <a:spcPct val="50000"/>
+              </a:lnSpc>
+              <a:buNone/>
+              <a:defRPr sz="1600">
+                <a:solidFill>
+                  <a:schemeClr val="bg1"/>
+                </a:solidFill>
+                <a:latin typeface="Consolas" panose="020B0609020204030204" pitchFamily="49" charset="0"/>
+              </a:defRPr>
+            </a:lvl3pPr>
+            <a:lvl4pPr marL="1371600" indent="0">
+              <a:lnSpc>
+                <a:spcPct val="50000"/>
+              </a:lnSpc>
+              <a:buNone/>
+              <a:defRPr sz="1600">
+                <a:solidFill>
+                  <a:schemeClr val="bg1"/>
+                </a:solidFill>
+                <a:latin typeface="Consolas" panose="020B0609020204030204" pitchFamily="49" charset="0"/>
+              </a:defRPr>
+            </a:lvl4pPr>
+            <a:lvl5pPr marL="1828800" indent="0">
+              <a:lnSpc>
+                <a:spcPct val="50000"/>
+              </a:lnSpc>
+              <a:buNone/>
+              <a:defRPr sz="1600">
+                <a:solidFill>
+                  <a:schemeClr val="bg1"/>
+                </a:solidFill>
+                <a:latin typeface="Consolas" panose="020B0609020204030204" pitchFamily="49" charset="0"/>
+              </a:defRPr>
+            </a:lvl5pPr>
+          </a:lstStyle>
+          <a:p>
+            <a:pPr lvl="0"/>
+            <a:r>
+              <a:rPr lang="en-US" noProof="1"/>
+              <a:t>Edit Master text styles</a:t>
+            </a:r>
+          </a:p>
+          <a:p>
+            <a:pPr lvl="1"/>
+            <a:r>
+              <a:rPr lang="en-US" noProof="1"/>
+              <a:t>Second level</a:t>
+            </a:r>
+          </a:p>
+          <a:p>
+            <a:pPr lvl="2"/>
+            <a:r>
+              <a:rPr lang="en-US" noProof="1"/>
+              <a:t>Third level</a:t>
+            </a:r>
+          </a:p>
+          <a:p>
+            <a:pPr lvl="3"/>
+            <a:r>
+              <a:rPr lang="en-US" noProof="1"/>
+              <a:t>Fourth level</a:t>
+            </a:r>
+          </a:p>
+          <a:p>
+            <a:pPr lvl="4"/>
+            <a:r>
+              <a:rPr lang="en-US" noProof="1"/>
+              <a:t>Fifth level</a:t>
+            </a:r>
+          </a:p>
+        </p:txBody>
+      </p:sp>
+    </p:spTree>
+    <p:extLst>
+      <p:ext uri="{BB962C8B-B14F-4D97-AF65-F5344CB8AC3E}">
+        <p14:creationId xmlns:p14="http://schemas.microsoft.com/office/powerpoint/2010/main" val="3333072754"/>
+      </p:ext>
+    </p:extLst>
+  </p:cSld>
+  <p:clrMapOvr>
+    <a:masterClrMapping/>
+  </p:clrMapOvr>
+</p:sldLayout>
+</file>
+
+<file path=ppt/slideLayouts/slideLayout62.xml><?xml version="1.0" encoding="utf-8"?>
+<p:sldLayout xmlns:a="http://schemas.openxmlformats.org/drawingml/2006/main" xmlns:r="http://schemas.openxmlformats.org/officeDocument/2006/relationships" xmlns:p="http://schemas.openxmlformats.org/presentationml/2006/main" preserve="1" userDrawn="1">
+  <p:cSld name="Code and Description">
+    <p:bg>
+      <p:bgPr>
+        <a:solidFill>
+          <a:srgbClr val="0070C0"/>
+        </a:solidFill>
+        <a:effectLst/>
+      </p:bgPr>
+    </p:bg>
+    <p:spTree>
+      <p:nvGrpSpPr>
+        <p:cNvPr id="1" name=""/>
+        <p:cNvGrpSpPr/>
+        <p:nvPr/>
+      </p:nvGrpSpPr>
+      <p:grpSpPr>
+        <a:xfrm>
+          <a:off x="0" y="0"/>
+          <a:ext cx="0" cy="0"/>
+          <a:chOff x="0" y="0"/>
+          <a:chExt cx="0" cy="0"/>
+        </a:xfrm>
+      </p:grpSpPr>
+      <p:sp>
+        <p:nvSpPr>
+          <p:cNvPr id="2" name="Title 1"/>
+          <p:cNvSpPr>
+            <a:spLocks noGrp="1"/>
+          </p:cNvSpPr>
+          <p:nvPr>
+            <p:ph type="title"/>
+          </p:nvPr>
+        </p:nvSpPr>
+        <p:spPr>
+          <a:xfrm>
+            <a:off x="442823" y="365125"/>
+            <a:ext cx="11346611" cy="670045"/>
+          </a:xfrm>
+        </p:spPr>
+        <p:txBody>
+          <a:bodyPr/>
+          <a:lstStyle>
+            <a:lvl1pPr>
+              <a:defRPr>
+                <a:solidFill>
+                  <a:schemeClr val="bg1"/>
+                </a:solidFill>
+              </a:defRPr>
+            </a:lvl1pPr>
+          </a:lstStyle>
+          <a:p>
+            <a:r>
+              <a:rPr lang="en-US"/>
+              <a:t>Click to edit Master title style</a:t>
+            </a:r>
+          </a:p>
+        </p:txBody>
+      </p:sp>
+      <p:sp>
+        <p:nvSpPr>
+          <p:cNvPr id="3" name="Content Placeholder 2"/>
+          <p:cNvSpPr>
+            <a:spLocks noGrp="1"/>
+          </p:cNvSpPr>
+          <p:nvPr>
+            <p:ph sz="half" idx="1"/>
+          </p:nvPr>
+        </p:nvSpPr>
+        <p:spPr>
+          <a:xfrm>
+            <a:off x="442823" y="1167442"/>
+            <a:ext cx="4019909" cy="5492149"/>
+          </a:xfrm>
+          <a:solidFill>
+            <a:schemeClr val="bg1">
+              <a:lumMod val="50000"/>
+            </a:schemeClr>
+          </a:solidFill>
+        </p:spPr>
+        <p:txBody>
+          <a:bodyPr anchor="ctr"/>
+          <a:lstStyle>
+            <a:lvl1pPr>
+              <a:defRPr sz="2400">
+                <a:solidFill>
+                  <a:schemeClr val="bg1"/>
+                </a:solidFill>
+              </a:defRPr>
+            </a:lvl1pPr>
+            <a:lvl2pPr>
+              <a:defRPr sz="2000">
+                <a:solidFill>
+                  <a:schemeClr val="bg1"/>
+                </a:solidFill>
+              </a:defRPr>
+            </a:lvl2pPr>
+            <a:lvl3pPr>
+              <a:defRPr sz="1800">
+                <a:solidFill>
+                  <a:schemeClr val="bg1"/>
+                </a:solidFill>
+              </a:defRPr>
+            </a:lvl3pPr>
+            <a:lvl4pPr>
+              <a:defRPr sz="1600">
+                <a:solidFill>
+                  <a:schemeClr val="bg1"/>
+                </a:solidFill>
+              </a:defRPr>
+            </a:lvl4pPr>
+            <a:lvl5pPr>
+              <a:defRPr sz="1600">
+                <a:solidFill>
+                  <a:schemeClr val="bg1"/>
+                </a:solidFill>
+              </a:defRPr>
+            </a:lvl5pPr>
+          </a:lstStyle>
+          <a:p>
+            <a:pPr lvl="0"/>
+            <a:r>
+              <a:rPr lang="en-US" dirty="0"/>
+              <a:t>Edit Master text styles</a:t>
+            </a:r>
+          </a:p>
+          <a:p>
+            <a:pPr lvl="1"/>
+            <a:r>
+              <a:rPr lang="en-US" dirty="0"/>
+              <a:t>Second level</a:t>
+            </a:r>
+          </a:p>
+          <a:p>
+            <a:pPr lvl="2"/>
+            <a:r>
+              <a:rPr lang="en-US" dirty="0"/>
+              <a:t>Third level</a:t>
+            </a:r>
+          </a:p>
+          <a:p>
+            <a:pPr lvl="3"/>
+            <a:r>
+              <a:rPr lang="en-US" dirty="0"/>
+              <a:t>Fourth level</a:t>
+            </a:r>
+          </a:p>
+          <a:p>
+            <a:pPr lvl="4"/>
+            <a:r>
+              <a:rPr lang="en-US" dirty="0"/>
+              <a:t>Fifth level</a:t>
+            </a:r>
+          </a:p>
+        </p:txBody>
+      </p:sp>
+      <p:sp>
+        <p:nvSpPr>
+          <p:cNvPr id="8" name="Content Placeholder 2"/>
+          <p:cNvSpPr>
+            <a:spLocks noGrp="1"/>
+          </p:cNvSpPr>
+          <p:nvPr>
+            <p:ph idx="13"/>
+          </p:nvPr>
+        </p:nvSpPr>
+        <p:spPr>
+          <a:xfrm>
+            <a:off x="4462732" y="1167442"/>
+            <a:ext cx="7326702" cy="5492149"/>
+          </a:xfrm>
+          <a:solidFill>
+            <a:schemeClr val="bg1">
+              <a:lumMod val="95000"/>
+            </a:schemeClr>
+          </a:solidFill>
+        </p:spPr>
+        <p:txBody>
+          <a:bodyPr anchor="ctr">
+            <a:normAutofit/>
+          </a:bodyPr>
+          <a:lstStyle>
+            <a:lvl1pPr marL="0" indent="0">
+              <a:lnSpc>
+                <a:spcPct val="90000"/>
+              </a:lnSpc>
+              <a:buNone/>
+              <a:defRPr sz="1600">
+                <a:latin typeface="Lucida Console" panose="020B0609040504020204" pitchFamily="49" charset="0"/>
+              </a:defRPr>
+            </a:lvl1pPr>
+            <a:lvl2pPr marL="457200" indent="0">
+              <a:lnSpc>
+                <a:spcPct val="90000"/>
+              </a:lnSpc>
+              <a:buNone/>
+              <a:defRPr sz="1600">
+                <a:latin typeface="Lucida Console" panose="020B0609040504020204" pitchFamily="49" charset="0"/>
+              </a:defRPr>
+            </a:lvl2pPr>
+            <a:lvl3pPr marL="914400" indent="0">
+              <a:lnSpc>
+                <a:spcPct val="90000"/>
+              </a:lnSpc>
+              <a:buNone/>
+              <a:defRPr sz="1600">
+                <a:latin typeface="Lucida Console" panose="020B0609040504020204" pitchFamily="49" charset="0"/>
+              </a:defRPr>
+            </a:lvl3pPr>
+            <a:lvl4pPr marL="1371600" indent="0">
+              <a:lnSpc>
+                <a:spcPct val="90000"/>
+              </a:lnSpc>
+              <a:buNone/>
+              <a:defRPr sz="1600">
+                <a:latin typeface="Lucida Console" panose="020B0609040504020204" pitchFamily="49" charset="0"/>
+              </a:defRPr>
+            </a:lvl4pPr>
+            <a:lvl5pPr marL="1828800" indent="0">
+              <a:lnSpc>
+                <a:spcPct val="90000"/>
+              </a:lnSpc>
+              <a:buNone/>
+              <a:defRPr sz="1600">
+                <a:latin typeface="Lucida Console" panose="020B0609040504020204" pitchFamily="49" charset="0"/>
+              </a:defRPr>
+            </a:lvl5pPr>
+          </a:lstStyle>
+          <a:p>
+            <a:pPr lvl="0"/>
+            <a:r>
+              <a:rPr lang="en-US" noProof="1"/>
+              <a:t>Edit Master text styles</a:t>
+            </a:r>
+          </a:p>
+          <a:p>
+            <a:pPr lvl="1"/>
+            <a:r>
+              <a:rPr lang="en-US" noProof="1"/>
+              <a:t>Second level</a:t>
+            </a:r>
+          </a:p>
+          <a:p>
+            <a:pPr lvl="2"/>
+            <a:r>
+              <a:rPr lang="en-US" noProof="1"/>
+              <a:t>Third level</a:t>
+            </a:r>
+          </a:p>
+          <a:p>
+            <a:pPr lvl="3"/>
+            <a:r>
+              <a:rPr lang="en-US" noProof="1"/>
+              <a:t>Fourth level</a:t>
+            </a:r>
+          </a:p>
+          <a:p>
+            <a:pPr lvl="4"/>
+            <a:r>
+              <a:rPr lang="en-US" noProof="1"/>
+              <a:t>Fifth level</a:t>
+            </a:r>
+          </a:p>
+        </p:txBody>
+      </p:sp>
+    </p:spTree>
+    <p:extLst>
+      <p:ext uri="{BB962C8B-B14F-4D97-AF65-F5344CB8AC3E}">
+        <p14:creationId xmlns:p14="http://schemas.microsoft.com/office/powerpoint/2010/main" val="1133745267"/>
+      </p:ext>
+    </p:extLst>
+  </p:cSld>
+  <p:clrMapOvr>
+    <a:masterClrMapping/>
+  </p:clrMapOvr>
+</p:sldLayout>
+</file>
+
+<file path=ppt/slideLayouts/slideLayout63.xml><?xml version="1.0" encoding="utf-8"?>
+<p:sldLayout xmlns:a="http://schemas.openxmlformats.org/drawingml/2006/main" xmlns:r="http://schemas.openxmlformats.org/officeDocument/2006/relationships" xmlns:p="http://schemas.openxmlformats.org/presentationml/2006/main" type="twoObj" preserve="1">
+  <p:cSld name="Two Content">
+    <p:spTree>
+      <p:nvGrpSpPr>
+        <p:cNvPr id="1" name=""/>
+        <p:cNvGrpSpPr/>
+        <p:nvPr/>
+      </p:nvGrpSpPr>
+      <p:grpSpPr>
+        <a:xfrm>
+          <a:off x="0" y="0"/>
+          <a:ext cx="0" cy="0"/>
+          <a:chOff x="0" y="0"/>
+          <a:chExt cx="0" cy="0"/>
+        </a:xfrm>
+      </p:grpSpPr>
+      <p:sp>
+        <p:nvSpPr>
+          <p:cNvPr id="2" name="Title 1"/>
+          <p:cNvSpPr>
+            <a:spLocks noGrp="1"/>
+          </p:cNvSpPr>
+          <p:nvPr>
+            <p:ph type="title"/>
+          </p:nvPr>
+        </p:nvSpPr>
+        <p:spPr/>
+        <p:txBody>
+          <a:bodyPr/>
+          <a:lstStyle/>
+          <a:p>
+            <a:r>
+              <a:rPr lang="en-US"/>
+              <a:t>Click to edit Master title style</a:t>
+            </a:r>
+          </a:p>
+        </p:txBody>
+      </p:sp>
+      <p:sp>
+        <p:nvSpPr>
+          <p:cNvPr id="3" name="Content Placeholder 2"/>
+          <p:cNvSpPr>
+            <a:spLocks noGrp="1"/>
+          </p:cNvSpPr>
+          <p:nvPr>
+            <p:ph sz="half" idx="1"/>
+          </p:nvPr>
+        </p:nvSpPr>
+        <p:spPr>
+          <a:xfrm>
+            <a:off x="838200" y="1825625"/>
+            <a:ext cx="5181600" cy="4351338"/>
+          </a:xfrm>
+        </p:spPr>
+        <p:txBody>
+          <a:bodyPr/>
+          <a:lstStyle/>
+          <a:p>
+            <a:pPr lvl="0"/>
+            <a:r>
+              <a:rPr lang="en-US"/>
+              <a:t>Edit Master text styles</a:t>
+            </a:r>
+          </a:p>
+          <a:p>
+            <a:pPr lvl="1"/>
+            <a:r>
+              <a:rPr lang="en-US"/>
+              <a:t>Second level</a:t>
+            </a:r>
+          </a:p>
+          <a:p>
+            <a:pPr lvl="2"/>
+            <a:r>
+              <a:rPr lang="en-US"/>
+              <a:t>Third level</a:t>
+            </a:r>
+          </a:p>
+          <a:p>
+            <a:pPr lvl="3"/>
+            <a:r>
+              <a:rPr lang="en-US"/>
+              <a:t>Fourth level</a:t>
+            </a:r>
+          </a:p>
+          <a:p>
+            <a:pPr lvl="4"/>
+            <a:r>
+              <a:rPr lang="en-US"/>
+              <a:t>Fifth level</a:t>
+            </a:r>
+          </a:p>
+        </p:txBody>
+      </p:sp>
+      <p:sp>
+        <p:nvSpPr>
+          <p:cNvPr id="4" name="Content Placeholder 3"/>
+          <p:cNvSpPr>
+            <a:spLocks noGrp="1"/>
+          </p:cNvSpPr>
+          <p:nvPr>
+            <p:ph sz="half" idx="2"/>
+          </p:nvPr>
+        </p:nvSpPr>
+        <p:spPr>
+          <a:xfrm>
+            <a:off x="6172200" y="1825625"/>
+            <a:ext cx="5181600" cy="4351338"/>
+          </a:xfrm>
+        </p:spPr>
+        <p:txBody>
+          <a:bodyPr/>
+          <a:lstStyle/>
+          <a:p>
+            <a:pPr lvl="0"/>
+            <a:r>
+              <a:rPr lang="en-US"/>
+              <a:t>Edit Master text styles</a:t>
+            </a:r>
+          </a:p>
+          <a:p>
+            <a:pPr lvl="1"/>
+            <a:r>
+              <a:rPr lang="en-US"/>
+              <a:t>Second level</a:t>
+            </a:r>
+          </a:p>
+          <a:p>
+            <a:pPr lvl="2"/>
+            <a:r>
+              <a:rPr lang="en-US"/>
+              <a:t>Third level</a:t>
+            </a:r>
+          </a:p>
+          <a:p>
+            <a:pPr lvl="3"/>
+            <a:r>
+              <a:rPr lang="en-US"/>
+              <a:t>Fourth level</a:t>
+            </a:r>
+          </a:p>
+          <a:p>
+            <a:pPr lvl="4"/>
+            <a:r>
+              <a:rPr lang="en-US"/>
+              <a:t>Fifth level</a:t>
+            </a:r>
+          </a:p>
+        </p:txBody>
+      </p:sp>
+      <p:sp>
+        <p:nvSpPr>
+          <p:cNvPr id="5" name="Date Placeholder 4"/>
+          <p:cNvSpPr>
+            <a:spLocks noGrp="1"/>
+          </p:cNvSpPr>
+          <p:nvPr>
+            <p:ph type="dt" sz="half" idx="10"/>
+          </p:nvPr>
+        </p:nvSpPr>
+        <p:spPr/>
+        <p:txBody>
+          <a:bodyPr/>
+          <a:lstStyle/>
+          <a:p>
+            <a:fld id="{0459C166-16D3-4A25-A2F8-C51E0E346B22}" type="datetimeFigureOut">
+              <a:rPr lang="en-US" smtClean="0">
+                <a:solidFill>
+                  <a:prstClr val="black">
+                    <a:tint val="75000"/>
+                  </a:prstClr>
+                </a:solidFill>
+                <a:latin typeface="Segoe UI"/>
+              </a:rPr>
+              <a:pPr/>
+              <a:t>6/29/16</a:t>
+            </a:fld>
+            <a:endParaRPr lang="en-US">
+              <a:solidFill>
+                <a:prstClr val="black">
+                  <a:tint val="75000"/>
+                </a:prstClr>
+              </a:solidFill>
+              <a:latin typeface="Segoe UI"/>
+            </a:endParaRPr>
+          </a:p>
+        </p:txBody>
+      </p:sp>
+      <p:sp>
+        <p:nvSpPr>
+          <p:cNvPr id="6" name="Footer Placeholder 5"/>
+          <p:cNvSpPr>
+            <a:spLocks noGrp="1"/>
+          </p:cNvSpPr>
+          <p:nvPr>
+            <p:ph type="ftr" sz="quarter" idx="11"/>
+          </p:nvPr>
+        </p:nvSpPr>
+        <p:spPr/>
+        <p:txBody>
+          <a:bodyPr/>
+          <a:lstStyle/>
+          <a:p>
+            <a:endParaRPr lang="en-US">
+              <a:solidFill>
+                <a:prstClr val="black">
+                  <a:tint val="75000"/>
+                </a:prstClr>
+              </a:solidFill>
+              <a:latin typeface="Segoe UI"/>
+            </a:endParaRPr>
+          </a:p>
+        </p:txBody>
+      </p:sp>
+      <p:sp>
+        <p:nvSpPr>
+          <p:cNvPr id="7" name="Slide Number Placeholder 6"/>
+          <p:cNvSpPr>
+            <a:spLocks noGrp="1"/>
+          </p:cNvSpPr>
+          <p:nvPr>
+            <p:ph type="sldNum" sz="quarter" idx="12"/>
+          </p:nvPr>
+        </p:nvSpPr>
+        <p:spPr/>
+        <p:txBody>
+          <a:bodyPr/>
+          <a:lstStyle/>
+          <a:p>
+            <a:fld id="{59DE4316-4355-4038-9262-DF05D0694534}" type="slidenum">
+              <a:rPr lang="en-US" smtClean="0">
+                <a:solidFill>
+                  <a:prstClr val="black">
+                    <a:tint val="75000"/>
+                  </a:prstClr>
+                </a:solidFill>
+                <a:latin typeface="Segoe UI"/>
+              </a:rPr>
+              <a:pPr/>
+              <a:t>‹#›</a:t>
+            </a:fld>
+            <a:endParaRPr lang="en-US">
+              <a:solidFill>
+                <a:prstClr val="black">
+                  <a:tint val="75000"/>
+                </a:prstClr>
+              </a:solidFill>
+              <a:latin typeface="Segoe UI"/>
+            </a:endParaRPr>
+          </a:p>
+        </p:txBody>
+      </p:sp>
+    </p:spTree>
+    <p:extLst>
+      <p:ext uri="{BB962C8B-B14F-4D97-AF65-F5344CB8AC3E}">
+        <p14:creationId xmlns:p14="http://schemas.microsoft.com/office/powerpoint/2010/main" val="880719677"/>
+      </p:ext>
+    </p:extLst>
+  </p:cSld>
+  <p:clrMapOvr>
+    <a:masterClrMapping/>
+  </p:clrMapOvr>
+</p:sldLayout>
+</file>
+
+<file path=ppt/slideLayouts/slideLayout64.xml><?xml version="1.0" encoding="utf-8"?>
+<p:sldLayout xmlns:a="http://schemas.openxmlformats.org/drawingml/2006/main" xmlns:r="http://schemas.openxmlformats.org/officeDocument/2006/relationships" xmlns:p="http://schemas.openxmlformats.org/presentationml/2006/main" type="twoTxTwoObj" preserve="1">
+  <p:cSld name="Comparison">
+    <p:spTree>
+      <p:nvGrpSpPr>
+        <p:cNvPr id="1" name=""/>
+        <p:cNvGrpSpPr/>
+        <p:nvPr/>
+      </p:nvGrpSpPr>
+      <p:grpSpPr>
+        <a:xfrm>
+          <a:off x="0" y="0"/>
+          <a:ext cx="0" cy="0"/>
+          <a:chOff x="0" y="0"/>
+          <a:chExt cx="0" cy="0"/>
+        </a:xfrm>
+      </p:grpSpPr>
+      <p:sp>
+        <p:nvSpPr>
+          <p:cNvPr id="2" name="Title 1"/>
+          <p:cNvSpPr>
+            <a:spLocks noGrp="1"/>
+          </p:cNvSpPr>
+          <p:nvPr>
+            <p:ph type="title"/>
+          </p:nvPr>
+        </p:nvSpPr>
+        <p:spPr>
+          <a:xfrm>
+            <a:off x="839788" y="365125"/>
+            <a:ext cx="10515600" cy="1325563"/>
+          </a:xfrm>
+        </p:spPr>
+        <p:txBody>
+          <a:bodyPr/>
+          <a:lstStyle/>
+          <a:p>
+            <a:r>
+              <a:rPr lang="en-US"/>
+              <a:t>Click to edit Master title style</a:t>
+            </a:r>
+          </a:p>
+        </p:txBody>
+      </p:sp>
+      <p:sp>
+        <p:nvSpPr>
+          <p:cNvPr id="3" name="Text Placeholder 2"/>
+          <p:cNvSpPr>
+            <a:spLocks noGrp="1"/>
+          </p:cNvSpPr>
+          <p:nvPr>
+            <p:ph type="body" idx="1"/>
+          </p:nvPr>
+        </p:nvSpPr>
+        <p:spPr>
+          <a:xfrm>
+            <a:off x="839788" y="1681163"/>
+            <a:ext cx="5157787" cy="823912"/>
+          </a:xfrm>
+        </p:spPr>
+        <p:txBody>
+          <a:bodyPr anchor="b"/>
+          <a:lstStyle>
+            <a:lvl1pPr marL="0" indent="0">
+              <a:buNone/>
+              <a:defRPr sz="2400" b="1"/>
+            </a:lvl1pPr>
+            <a:lvl2pPr marL="457200" indent="0">
+              <a:buNone/>
+              <a:defRPr sz="2000" b="1"/>
+            </a:lvl2pPr>
+            <a:lvl3pPr marL="914400" indent="0">
+              <a:buNone/>
+              <a:defRPr sz="1800" b="1"/>
+            </a:lvl3pPr>
+            <a:lvl4pPr marL="1371600" indent="0">
+              <a:buNone/>
+              <a:defRPr sz="1600" b="1"/>
+            </a:lvl4pPr>
+            <a:lvl5pPr marL="1828800" indent="0">
+              <a:buNone/>
+              <a:defRPr sz="1600" b="1"/>
+            </a:lvl5pPr>
+            <a:lvl6pPr marL="2286000" indent="0">
+              <a:buNone/>
+              <a:defRPr sz="1600" b="1"/>
+            </a:lvl6pPr>
+            <a:lvl7pPr marL="2743200" indent="0">
+              <a:buNone/>
+              <a:defRPr sz="1600" b="1"/>
+            </a:lvl7pPr>
+            <a:lvl8pPr marL="3200400" indent="0">
+              <a:buNone/>
+              <a:defRPr sz="1600" b="1"/>
+            </a:lvl8pPr>
+            <a:lvl9pPr marL="3657600" indent="0">
+              <a:buNone/>
+              <a:defRPr sz="1600" b="1"/>
+            </a:lvl9pPr>
+          </a:lstStyle>
+          <a:p>
+            <a:pPr lvl="0"/>
+            <a:r>
+              <a:rPr lang="en-US"/>
+              <a:t>Edit Master text styles</a:t>
+            </a:r>
+          </a:p>
+        </p:txBody>
+      </p:sp>
+      <p:sp>
+        <p:nvSpPr>
+          <p:cNvPr id="4" name="Content Placeholder 3"/>
+          <p:cNvSpPr>
+            <a:spLocks noGrp="1"/>
+          </p:cNvSpPr>
+          <p:nvPr>
+            <p:ph sz="half" idx="2"/>
+          </p:nvPr>
+        </p:nvSpPr>
+        <p:spPr>
+          <a:xfrm>
+            <a:off x="839788" y="2505075"/>
+            <a:ext cx="5157787" cy="3684588"/>
+          </a:xfrm>
+        </p:spPr>
+        <p:txBody>
+          <a:bodyPr/>
+          <a:lstStyle/>
+          <a:p>
+            <a:pPr lvl="0"/>
+            <a:r>
+              <a:rPr lang="en-US"/>
+              <a:t>Edit Master text styles</a:t>
+            </a:r>
+          </a:p>
+          <a:p>
+            <a:pPr lvl="1"/>
+            <a:r>
+              <a:rPr lang="en-US"/>
+              <a:t>Second level</a:t>
+            </a:r>
+          </a:p>
+          <a:p>
+            <a:pPr lvl="2"/>
+            <a:r>
+              <a:rPr lang="en-US"/>
+              <a:t>Third level</a:t>
+            </a:r>
+          </a:p>
+          <a:p>
+            <a:pPr lvl="3"/>
+            <a:r>
+              <a:rPr lang="en-US"/>
+              <a:t>Fourth level</a:t>
+            </a:r>
+          </a:p>
+          <a:p>
+            <a:pPr lvl="4"/>
+            <a:r>
+              <a:rPr lang="en-US"/>
+              <a:t>Fifth level</a:t>
+            </a:r>
+          </a:p>
+        </p:txBody>
+      </p:sp>
+      <p:sp>
+        <p:nvSpPr>
+          <p:cNvPr id="5" name="Text Placeholder 4"/>
+          <p:cNvSpPr>
+            <a:spLocks noGrp="1"/>
+          </p:cNvSpPr>
+          <p:nvPr>
+            <p:ph type="body" sz="quarter" idx="3"/>
+          </p:nvPr>
+        </p:nvSpPr>
+        <p:spPr>
+          <a:xfrm>
+            <a:off x="6172200" y="1681163"/>
+            <a:ext cx="5183188" cy="823912"/>
+          </a:xfrm>
+        </p:spPr>
+        <p:txBody>
+          <a:bodyPr anchor="b"/>
+          <a:lstStyle>
+            <a:lvl1pPr marL="0" indent="0">
+              <a:buNone/>
+              <a:defRPr sz="2400" b="1"/>
+            </a:lvl1pPr>
+            <a:lvl2pPr marL="457200" indent="0">
+              <a:buNone/>
+              <a:defRPr sz="2000" b="1"/>
+            </a:lvl2pPr>
+            <a:lvl3pPr marL="914400" indent="0">
+              <a:buNone/>
+              <a:defRPr sz="1800" b="1"/>
+            </a:lvl3pPr>
+            <a:lvl4pPr marL="1371600" indent="0">
+              <a:buNone/>
+              <a:defRPr sz="1600" b="1"/>
+            </a:lvl4pPr>
+            <a:lvl5pPr marL="1828800" indent="0">
+              <a:buNone/>
+              <a:defRPr sz="1600" b="1"/>
+            </a:lvl5pPr>
+            <a:lvl6pPr marL="2286000" indent="0">
+              <a:buNone/>
+              <a:defRPr sz="1600" b="1"/>
+            </a:lvl6pPr>
+            <a:lvl7pPr marL="2743200" indent="0">
+              <a:buNone/>
+              <a:defRPr sz="1600" b="1"/>
+            </a:lvl7pPr>
+            <a:lvl8pPr marL="3200400" indent="0">
+              <a:buNone/>
+              <a:defRPr sz="1600" b="1"/>
+            </a:lvl8pPr>
+            <a:lvl9pPr marL="3657600" indent="0">
+              <a:buNone/>
+              <a:defRPr sz="1600" b="1"/>
+            </a:lvl9pPr>
+          </a:lstStyle>
+          <a:p>
+            <a:pPr lvl="0"/>
+            <a:r>
+              <a:rPr lang="en-US"/>
+              <a:t>Edit Master text styles</a:t>
+            </a:r>
+          </a:p>
+        </p:txBody>
+      </p:sp>
+      <p:sp>
+        <p:nvSpPr>
+          <p:cNvPr id="6" name="Content Placeholder 5"/>
+          <p:cNvSpPr>
+            <a:spLocks noGrp="1"/>
+          </p:cNvSpPr>
+          <p:nvPr>
+            <p:ph sz="quarter" idx="4"/>
+          </p:nvPr>
+        </p:nvSpPr>
+        <p:spPr>
+          <a:xfrm>
+            <a:off x="6172200" y="2505075"/>
+            <a:ext cx="5183188" cy="3684588"/>
+          </a:xfrm>
+        </p:spPr>
+        <p:txBody>
+          <a:bodyPr/>
+          <a:lstStyle/>
+          <a:p>
+            <a:pPr lvl="0"/>
+            <a:r>
+              <a:rPr lang="en-US"/>
+              <a:t>Edit Master text styles</a:t>
+            </a:r>
+          </a:p>
+          <a:p>
+            <a:pPr lvl="1"/>
+            <a:r>
+              <a:rPr lang="en-US"/>
+              <a:t>Second level</a:t>
+            </a:r>
+          </a:p>
+          <a:p>
+            <a:pPr lvl="2"/>
+            <a:r>
+              <a:rPr lang="en-US"/>
+              <a:t>Third level</a:t>
+            </a:r>
+          </a:p>
+          <a:p>
+            <a:pPr lvl="3"/>
+            <a:r>
+              <a:rPr lang="en-US"/>
+              <a:t>Fourth level</a:t>
+            </a:r>
+          </a:p>
+          <a:p>
+            <a:pPr lvl="4"/>
+            <a:r>
+              <a:rPr lang="en-US"/>
+              <a:t>Fifth level</a:t>
+            </a:r>
+          </a:p>
+        </p:txBody>
+      </p:sp>
+      <p:sp>
+        <p:nvSpPr>
+          <p:cNvPr id="7" name="Date Placeholder 6"/>
+          <p:cNvSpPr>
+            <a:spLocks noGrp="1"/>
+          </p:cNvSpPr>
+          <p:nvPr>
+            <p:ph type="dt" sz="half" idx="10"/>
+          </p:nvPr>
+        </p:nvSpPr>
+        <p:spPr/>
+        <p:txBody>
+          <a:bodyPr/>
+          <a:lstStyle/>
+          <a:p>
+            <a:fld id="{0459C166-16D3-4A25-A2F8-C51E0E346B22}" type="datetimeFigureOut">
+              <a:rPr lang="en-US" smtClean="0">
+                <a:solidFill>
+                  <a:prstClr val="black">
+                    <a:tint val="75000"/>
+                  </a:prstClr>
+                </a:solidFill>
+                <a:latin typeface="Segoe UI"/>
+              </a:rPr>
+              <a:pPr/>
+              <a:t>6/29/16</a:t>
+            </a:fld>
+            <a:endParaRPr lang="en-US">
+              <a:solidFill>
+                <a:prstClr val="black">
+                  <a:tint val="75000"/>
+                </a:prstClr>
+              </a:solidFill>
+              <a:latin typeface="Segoe UI"/>
+            </a:endParaRPr>
+          </a:p>
+        </p:txBody>
+      </p:sp>
+      <p:sp>
+        <p:nvSpPr>
+          <p:cNvPr id="8" name="Footer Placeholder 7"/>
+          <p:cNvSpPr>
+            <a:spLocks noGrp="1"/>
+          </p:cNvSpPr>
+          <p:nvPr>
+            <p:ph type="ftr" sz="quarter" idx="11"/>
+          </p:nvPr>
+        </p:nvSpPr>
+        <p:spPr/>
+        <p:txBody>
+          <a:bodyPr/>
+          <a:lstStyle/>
+          <a:p>
+            <a:endParaRPr lang="en-US">
+              <a:solidFill>
+                <a:prstClr val="black">
+                  <a:tint val="75000"/>
+                </a:prstClr>
+              </a:solidFill>
+              <a:latin typeface="Segoe UI"/>
+            </a:endParaRPr>
+          </a:p>
+        </p:txBody>
+      </p:sp>
+      <p:sp>
+        <p:nvSpPr>
+          <p:cNvPr id="9" name="Slide Number Placeholder 8"/>
+          <p:cNvSpPr>
+            <a:spLocks noGrp="1"/>
+          </p:cNvSpPr>
+          <p:nvPr>
+            <p:ph type="sldNum" sz="quarter" idx="12"/>
+          </p:nvPr>
+        </p:nvSpPr>
+        <p:spPr/>
+        <p:txBody>
+          <a:bodyPr/>
+          <a:lstStyle/>
+          <a:p>
+            <a:fld id="{59DE4316-4355-4038-9262-DF05D0694534}" type="slidenum">
+              <a:rPr lang="en-US" smtClean="0">
+                <a:solidFill>
+                  <a:prstClr val="black">
+                    <a:tint val="75000"/>
+                  </a:prstClr>
+                </a:solidFill>
+                <a:latin typeface="Segoe UI"/>
+              </a:rPr>
+              <a:pPr/>
+              <a:t>‹#›</a:t>
+            </a:fld>
+            <a:endParaRPr lang="en-US">
+              <a:solidFill>
+                <a:prstClr val="black">
+                  <a:tint val="75000"/>
+                </a:prstClr>
+              </a:solidFill>
+              <a:latin typeface="Segoe UI"/>
+            </a:endParaRPr>
+          </a:p>
+        </p:txBody>
+      </p:sp>
+    </p:spTree>
+    <p:extLst>
+      <p:ext uri="{BB962C8B-B14F-4D97-AF65-F5344CB8AC3E}">
+        <p14:creationId xmlns:p14="http://schemas.microsoft.com/office/powerpoint/2010/main" val="237785212"/>
+      </p:ext>
+    </p:extLst>
+  </p:cSld>
+  <p:clrMapOvr>
+    <a:masterClrMapping/>
+  </p:clrMapOvr>
+</p:sldLayout>
+</file>
+
+<file path=ppt/slideLayouts/slideLayout65.xml><?xml version="1.0" encoding="utf-8"?>
+<p:sldLayout xmlns:a="http://schemas.openxmlformats.org/drawingml/2006/main" xmlns:r="http://schemas.openxmlformats.org/officeDocument/2006/relationships" xmlns:p="http://schemas.openxmlformats.org/presentationml/2006/main" type="titleOnly" preserve="1">
+  <p:cSld name="Title Only">
+    <p:spTree>
+      <p:nvGrpSpPr>
+        <p:cNvPr id="1" name=""/>
+        <p:cNvGrpSpPr/>
+        <p:nvPr/>
+      </p:nvGrpSpPr>
+      <p:grpSpPr>
+        <a:xfrm>
+          <a:off x="0" y="0"/>
+          <a:ext cx="0" cy="0"/>
+          <a:chOff x="0" y="0"/>
+          <a:chExt cx="0" cy="0"/>
+        </a:xfrm>
+      </p:grpSpPr>
+      <p:sp>
+        <p:nvSpPr>
+          <p:cNvPr id="2" name="Title 1"/>
+          <p:cNvSpPr>
+            <a:spLocks noGrp="1"/>
+          </p:cNvSpPr>
+          <p:nvPr>
+            <p:ph type="title"/>
+          </p:nvPr>
+        </p:nvSpPr>
+        <p:spPr/>
+        <p:txBody>
+          <a:bodyPr/>
+          <a:lstStyle/>
+          <a:p>
+            <a:r>
+              <a:rPr lang="en-US"/>
+              <a:t>Click to edit Master title style</a:t>
+            </a:r>
+          </a:p>
+        </p:txBody>
+      </p:sp>
+      <p:sp>
+        <p:nvSpPr>
+          <p:cNvPr id="3" name="Date Placeholder 2"/>
+          <p:cNvSpPr>
+            <a:spLocks noGrp="1"/>
+          </p:cNvSpPr>
+          <p:nvPr>
+            <p:ph type="dt" sz="half" idx="10"/>
+          </p:nvPr>
+        </p:nvSpPr>
+        <p:spPr/>
+        <p:txBody>
+          <a:bodyPr/>
+          <a:lstStyle/>
+          <a:p>
+            <a:fld id="{0459C166-16D3-4A25-A2F8-C51E0E346B22}" type="datetimeFigureOut">
+              <a:rPr lang="en-US" smtClean="0">
+                <a:solidFill>
+                  <a:prstClr val="black">
+                    <a:tint val="75000"/>
+                  </a:prstClr>
+                </a:solidFill>
+                <a:latin typeface="Segoe UI"/>
+              </a:rPr>
+              <a:pPr/>
+              <a:t>6/29/16</a:t>
+            </a:fld>
+            <a:endParaRPr lang="en-US">
+              <a:solidFill>
+                <a:prstClr val="black">
+                  <a:tint val="75000"/>
+                </a:prstClr>
+              </a:solidFill>
+              <a:latin typeface="Segoe UI"/>
+            </a:endParaRPr>
+          </a:p>
+        </p:txBody>
+      </p:sp>
+      <p:sp>
+        <p:nvSpPr>
+          <p:cNvPr id="4" name="Footer Placeholder 3"/>
+          <p:cNvSpPr>
+            <a:spLocks noGrp="1"/>
+          </p:cNvSpPr>
+          <p:nvPr>
+            <p:ph type="ftr" sz="quarter" idx="11"/>
+          </p:nvPr>
+        </p:nvSpPr>
+        <p:spPr/>
+        <p:txBody>
+          <a:bodyPr/>
+          <a:lstStyle/>
+          <a:p>
+            <a:endParaRPr lang="en-US">
+              <a:solidFill>
+                <a:prstClr val="black">
+                  <a:tint val="75000"/>
+                </a:prstClr>
+              </a:solidFill>
+              <a:latin typeface="Segoe UI"/>
+            </a:endParaRPr>
+          </a:p>
+        </p:txBody>
+      </p:sp>
+      <p:sp>
+        <p:nvSpPr>
+          <p:cNvPr id="5" name="Slide Number Placeholder 4"/>
+          <p:cNvSpPr>
+            <a:spLocks noGrp="1"/>
+          </p:cNvSpPr>
+          <p:nvPr>
+            <p:ph type="sldNum" sz="quarter" idx="12"/>
+          </p:nvPr>
+        </p:nvSpPr>
+        <p:spPr/>
+        <p:txBody>
+          <a:bodyPr/>
+          <a:lstStyle/>
+          <a:p>
+            <a:fld id="{59DE4316-4355-4038-9262-DF05D0694534}" type="slidenum">
+              <a:rPr lang="en-US" smtClean="0">
+                <a:solidFill>
+                  <a:prstClr val="black">
+                    <a:tint val="75000"/>
+                  </a:prstClr>
+                </a:solidFill>
+                <a:latin typeface="Segoe UI"/>
+              </a:rPr>
+              <a:pPr/>
+              <a:t>‹#›</a:t>
+            </a:fld>
+            <a:endParaRPr lang="en-US">
+              <a:solidFill>
+                <a:prstClr val="black">
+                  <a:tint val="75000"/>
+                </a:prstClr>
+              </a:solidFill>
+              <a:latin typeface="Segoe UI"/>
+            </a:endParaRPr>
+          </a:p>
+        </p:txBody>
+      </p:sp>
+    </p:spTree>
+    <p:extLst>
+      <p:ext uri="{BB962C8B-B14F-4D97-AF65-F5344CB8AC3E}">
+        <p14:creationId xmlns:p14="http://schemas.microsoft.com/office/powerpoint/2010/main" val="938573581"/>
+      </p:ext>
+    </p:extLst>
+  </p:cSld>
+  <p:clrMapOvr>
+    <a:masterClrMapping/>
+  </p:clrMapOvr>
+</p:sldLayout>
+</file>
+
+<file path=ppt/slideLayouts/slideLayout66.xml><?xml version="1.0" encoding="utf-8"?>
+<p:sldLayout xmlns:a="http://schemas.openxmlformats.org/drawingml/2006/main" xmlns:r="http://schemas.openxmlformats.org/officeDocument/2006/relationships" xmlns:p="http://schemas.openxmlformats.org/presentationml/2006/main" type="blank" preserve="1">
+  <p:cSld name="Blank">
+    <p:spTree>
+      <p:nvGrpSpPr>
+        <p:cNvPr id="1" name=""/>
+        <p:cNvGrpSpPr/>
+        <p:nvPr/>
+      </p:nvGrpSpPr>
+      <p:grpSpPr>
+        <a:xfrm>
+          <a:off x="0" y="0"/>
+          <a:ext cx="0" cy="0"/>
+          <a:chOff x="0" y="0"/>
+          <a:chExt cx="0" cy="0"/>
+        </a:xfrm>
+      </p:grpSpPr>
+      <p:sp>
+        <p:nvSpPr>
+          <p:cNvPr id="2" name="Date Placeholder 1"/>
+          <p:cNvSpPr>
+            <a:spLocks noGrp="1"/>
+          </p:cNvSpPr>
+          <p:nvPr>
+            <p:ph type="dt" sz="half" idx="10"/>
+          </p:nvPr>
+        </p:nvSpPr>
+        <p:spPr/>
+        <p:txBody>
+          <a:bodyPr/>
+          <a:lstStyle/>
+          <a:p>
+            <a:fld id="{0459C166-16D3-4A25-A2F8-C51E0E346B22}" type="datetimeFigureOut">
+              <a:rPr lang="en-US" smtClean="0">
+                <a:solidFill>
+                  <a:prstClr val="black">
+                    <a:tint val="75000"/>
+                  </a:prstClr>
+                </a:solidFill>
+                <a:latin typeface="Segoe UI"/>
+              </a:rPr>
+              <a:pPr/>
+              <a:t>6/29/16</a:t>
+            </a:fld>
+            <a:endParaRPr lang="en-US">
+              <a:solidFill>
+                <a:prstClr val="black">
+                  <a:tint val="75000"/>
+                </a:prstClr>
+              </a:solidFill>
+              <a:latin typeface="Segoe UI"/>
+            </a:endParaRPr>
+          </a:p>
+        </p:txBody>
+      </p:sp>
+      <p:sp>
+        <p:nvSpPr>
+          <p:cNvPr id="3" name="Footer Placeholder 2"/>
+          <p:cNvSpPr>
+            <a:spLocks noGrp="1"/>
+          </p:cNvSpPr>
+          <p:nvPr>
+            <p:ph type="ftr" sz="quarter" idx="11"/>
+          </p:nvPr>
+        </p:nvSpPr>
+        <p:spPr/>
+        <p:txBody>
+          <a:bodyPr/>
+          <a:lstStyle/>
+          <a:p>
+            <a:endParaRPr lang="en-US">
+              <a:solidFill>
+                <a:prstClr val="black">
+                  <a:tint val="75000"/>
+                </a:prstClr>
+              </a:solidFill>
+              <a:latin typeface="Segoe UI"/>
+            </a:endParaRPr>
+          </a:p>
+        </p:txBody>
+      </p:sp>
+      <p:sp>
+        <p:nvSpPr>
+          <p:cNvPr id="4" name="Slide Number Placeholder 3"/>
+          <p:cNvSpPr>
+            <a:spLocks noGrp="1"/>
+          </p:cNvSpPr>
+          <p:nvPr>
+            <p:ph type="sldNum" sz="quarter" idx="12"/>
+          </p:nvPr>
+        </p:nvSpPr>
+        <p:spPr/>
+        <p:txBody>
+          <a:bodyPr/>
+          <a:lstStyle/>
+          <a:p>
+            <a:fld id="{59DE4316-4355-4038-9262-DF05D0694534}" type="slidenum">
+              <a:rPr lang="en-US" smtClean="0">
+                <a:solidFill>
+                  <a:prstClr val="black">
+                    <a:tint val="75000"/>
+                  </a:prstClr>
+                </a:solidFill>
+                <a:latin typeface="Segoe UI"/>
+              </a:rPr>
+              <a:pPr/>
+              <a:t>‹#›</a:t>
+            </a:fld>
+            <a:endParaRPr lang="en-US">
+              <a:solidFill>
+                <a:prstClr val="black">
+                  <a:tint val="75000"/>
+                </a:prstClr>
+              </a:solidFill>
+              <a:latin typeface="Segoe UI"/>
+            </a:endParaRPr>
+          </a:p>
+        </p:txBody>
+      </p:sp>
+    </p:spTree>
+    <p:extLst>
+      <p:ext uri="{BB962C8B-B14F-4D97-AF65-F5344CB8AC3E}">
+        <p14:creationId xmlns:p14="http://schemas.microsoft.com/office/powerpoint/2010/main" val="1583635027"/>
+      </p:ext>
+    </p:extLst>
+  </p:cSld>
+  <p:clrMapOvr>
+    <a:masterClrMapping/>
+  </p:clrMapOvr>
+</p:sldLayout>
+</file>
+
+<file path=ppt/slideLayouts/slideLayout67.xml><?xml version="1.0" encoding="utf-8"?>
+<p:sldLayout xmlns:a="http://schemas.openxmlformats.org/drawingml/2006/main" xmlns:r="http://schemas.openxmlformats.org/officeDocument/2006/relationships" xmlns:p="http://schemas.openxmlformats.org/presentationml/2006/main" type="objTx" preserve="1">
+  <p:cSld name="Content with Caption">
+    <p:spTree>
+      <p:nvGrpSpPr>
+        <p:cNvPr id="1" name=""/>
+        <p:cNvGrpSpPr/>
+        <p:nvPr/>
+      </p:nvGrpSpPr>
+      <p:grpSpPr>
+        <a:xfrm>
+          <a:off x="0" y="0"/>
+          <a:ext cx="0" cy="0"/>
+          <a:chOff x="0" y="0"/>
+          <a:chExt cx="0" cy="0"/>
+        </a:xfrm>
+      </p:grpSpPr>
+      <p:sp>
+        <p:nvSpPr>
+          <p:cNvPr id="2" name="Title 1"/>
+          <p:cNvSpPr>
+            <a:spLocks noGrp="1"/>
+          </p:cNvSpPr>
+          <p:nvPr>
+            <p:ph type="title"/>
+          </p:nvPr>
+        </p:nvSpPr>
+        <p:spPr>
+          <a:xfrm>
+            <a:off x="839788" y="457200"/>
+            <a:ext cx="3932237" cy="1600200"/>
+          </a:xfrm>
+        </p:spPr>
+        <p:txBody>
+          <a:bodyPr anchor="b"/>
+          <a:lstStyle>
+            <a:lvl1pPr>
+              <a:defRPr sz="3200"/>
+            </a:lvl1pPr>
+          </a:lstStyle>
+          <a:p>
+            <a:r>
+              <a:rPr lang="en-US"/>
+              <a:t>Click to edit Master title style</a:t>
+            </a:r>
+          </a:p>
+        </p:txBody>
+      </p:sp>
+      <p:sp>
+        <p:nvSpPr>
+          <p:cNvPr id="3" name="Content Placeholder 2"/>
+          <p:cNvSpPr>
+            <a:spLocks noGrp="1"/>
+          </p:cNvSpPr>
+          <p:nvPr>
+            <p:ph idx="1"/>
+          </p:nvPr>
+        </p:nvSpPr>
+        <p:spPr>
+          <a:xfrm>
+            <a:off x="5183188" y="987425"/>
+            <a:ext cx="6172200" cy="4873625"/>
+          </a:xfrm>
+        </p:spPr>
+        <p:txBody>
+          <a:bodyPr/>
+          <a:lstStyle>
+            <a:lvl1pPr>
+              <a:defRPr sz="3200"/>
+            </a:lvl1pPr>
+            <a:lvl2pPr>
+              <a:defRPr sz="2800"/>
+            </a:lvl2pPr>
+            <a:lvl3pPr>
+              <a:defRPr sz="2400"/>
+            </a:lvl3pPr>
+            <a:lvl4pPr>
+              <a:defRPr sz="2000"/>
+            </a:lvl4pPr>
+            <a:lvl5pPr>
+              <a:defRPr sz="2000"/>
+            </a:lvl5pPr>
+            <a:lvl6pPr>
+              <a:defRPr sz="2000"/>
+            </a:lvl6pPr>
+            <a:lvl7pPr>
+              <a:defRPr sz="2000"/>
+            </a:lvl7pPr>
+            <a:lvl8pPr>
+              <a:defRPr sz="2000"/>
+            </a:lvl8pPr>
+            <a:lvl9pPr>
+              <a:defRPr sz="2000"/>
+            </a:lvl9pPr>
+          </a:lstStyle>
+          <a:p>
+            <a:pPr lvl="0"/>
+            <a:r>
+              <a:rPr lang="en-US"/>
+              <a:t>Edit Master text styles</a:t>
+            </a:r>
+          </a:p>
+          <a:p>
+            <a:pPr lvl="1"/>
+            <a:r>
+              <a:rPr lang="en-US"/>
+              <a:t>Second level</a:t>
+            </a:r>
+          </a:p>
+          <a:p>
+            <a:pPr lvl="2"/>
+            <a:r>
+              <a:rPr lang="en-US"/>
+              <a:t>Third level</a:t>
+            </a:r>
+          </a:p>
+          <a:p>
+            <a:pPr lvl="3"/>
+            <a:r>
+              <a:rPr lang="en-US"/>
+              <a:t>Fourth level</a:t>
+            </a:r>
+          </a:p>
+          <a:p>
+            <a:pPr lvl="4"/>
+            <a:r>
+              <a:rPr lang="en-US"/>
+              <a:t>Fifth level</a:t>
+            </a:r>
+          </a:p>
+        </p:txBody>
+      </p:sp>
+      <p:sp>
+        <p:nvSpPr>
+          <p:cNvPr id="4" name="Text Placeholder 3"/>
+          <p:cNvSpPr>
+            <a:spLocks noGrp="1"/>
+          </p:cNvSpPr>
+          <p:nvPr>
+            <p:ph type="body" sz="half" idx="2"/>
+          </p:nvPr>
+        </p:nvSpPr>
+        <p:spPr>
+          <a:xfrm>
+            <a:off x="839788" y="2057400"/>
+            <a:ext cx="3932237" cy="3811588"/>
+          </a:xfrm>
+        </p:spPr>
+        <p:txBody>
+          <a:bodyPr/>
+          <a:lstStyle>
+            <a:lvl1pPr marL="0" indent="0">
+              <a:buNone/>
+              <a:defRPr sz="1600"/>
+            </a:lvl1pPr>
+            <a:lvl2pPr marL="457200" indent="0">
+              <a:buNone/>
+              <a:defRPr sz="1400"/>
+            </a:lvl2pPr>
+            <a:lvl3pPr marL="914400" indent="0">
+              <a:buNone/>
+              <a:defRPr sz="1200"/>
+            </a:lvl3pPr>
+            <a:lvl4pPr marL="1371600" indent="0">
+              <a:buNone/>
+              <a:defRPr sz="1000"/>
+            </a:lvl4pPr>
+            <a:lvl5pPr marL="1828800" indent="0">
+              <a:buNone/>
+              <a:defRPr sz="1000"/>
+            </a:lvl5pPr>
+            <a:lvl6pPr marL="2286000" indent="0">
+              <a:buNone/>
+              <a:defRPr sz="1000"/>
+            </a:lvl6pPr>
+            <a:lvl7pPr marL="2743200" indent="0">
+              <a:buNone/>
+              <a:defRPr sz="1000"/>
+            </a:lvl7pPr>
+            <a:lvl8pPr marL="3200400" indent="0">
+              <a:buNone/>
+              <a:defRPr sz="1000"/>
+            </a:lvl8pPr>
+            <a:lvl9pPr marL="3657600" indent="0">
+              <a:buNone/>
+              <a:defRPr sz="1000"/>
+            </a:lvl9pPr>
+          </a:lstStyle>
+          <a:p>
+            <a:pPr lvl="0"/>
+            <a:r>
+              <a:rPr lang="en-US"/>
+              <a:t>Edit Master text styles</a:t>
+            </a:r>
+          </a:p>
+        </p:txBody>
+      </p:sp>
+      <p:sp>
+        <p:nvSpPr>
+          <p:cNvPr id="5" name="Date Placeholder 4"/>
+          <p:cNvSpPr>
+            <a:spLocks noGrp="1"/>
+          </p:cNvSpPr>
+          <p:nvPr>
+            <p:ph type="dt" sz="half" idx="10"/>
+          </p:nvPr>
+        </p:nvSpPr>
+        <p:spPr/>
+        <p:txBody>
+          <a:bodyPr/>
+          <a:lstStyle/>
+          <a:p>
+            <a:fld id="{0459C166-16D3-4A25-A2F8-C51E0E346B22}" type="datetimeFigureOut">
+              <a:rPr lang="en-US" smtClean="0">
+                <a:solidFill>
+                  <a:prstClr val="black">
+                    <a:tint val="75000"/>
+                  </a:prstClr>
+                </a:solidFill>
+                <a:latin typeface="Segoe UI"/>
+              </a:rPr>
+              <a:pPr/>
+              <a:t>6/29/16</a:t>
+            </a:fld>
+            <a:endParaRPr lang="en-US">
+              <a:solidFill>
+                <a:prstClr val="black">
+                  <a:tint val="75000"/>
+                </a:prstClr>
+              </a:solidFill>
+              <a:latin typeface="Segoe UI"/>
+            </a:endParaRPr>
+          </a:p>
+        </p:txBody>
+      </p:sp>
+      <p:sp>
+        <p:nvSpPr>
+          <p:cNvPr id="6" name="Footer Placeholder 5"/>
+          <p:cNvSpPr>
+            <a:spLocks noGrp="1"/>
+          </p:cNvSpPr>
+          <p:nvPr>
+            <p:ph type="ftr" sz="quarter" idx="11"/>
+          </p:nvPr>
+        </p:nvSpPr>
+        <p:spPr/>
+        <p:txBody>
+          <a:bodyPr/>
+          <a:lstStyle/>
+          <a:p>
+            <a:endParaRPr lang="en-US">
+              <a:solidFill>
+                <a:prstClr val="black">
+                  <a:tint val="75000"/>
+                </a:prstClr>
+              </a:solidFill>
+              <a:latin typeface="Segoe UI"/>
+            </a:endParaRPr>
+          </a:p>
+        </p:txBody>
+      </p:sp>
+      <p:sp>
+        <p:nvSpPr>
+          <p:cNvPr id="7" name="Slide Number Placeholder 6"/>
+          <p:cNvSpPr>
+            <a:spLocks noGrp="1"/>
+          </p:cNvSpPr>
+          <p:nvPr>
+            <p:ph type="sldNum" sz="quarter" idx="12"/>
+          </p:nvPr>
+        </p:nvSpPr>
+        <p:spPr/>
+        <p:txBody>
+          <a:bodyPr/>
+          <a:lstStyle/>
+          <a:p>
+            <a:fld id="{59DE4316-4355-4038-9262-DF05D0694534}" type="slidenum">
+              <a:rPr lang="en-US" smtClean="0">
+                <a:solidFill>
+                  <a:prstClr val="black">
+                    <a:tint val="75000"/>
+                  </a:prstClr>
+                </a:solidFill>
+                <a:latin typeface="Segoe UI"/>
+              </a:rPr>
+              <a:pPr/>
+              <a:t>‹#›</a:t>
+            </a:fld>
+            <a:endParaRPr lang="en-US">
+              <a:solidFill>
+                <a:prstClr val="black">
+                  <a:tint val="75000"/>
+                </a:prstClr>
+              </a:solidFill>
+              <a:latin typeface="Segoe UI"/>
+            </a:endParaRPr>
+          </a:p>
+        </p:txBody>
+      </p:sp>
+    </p:spTree>
+    <p:extLst>
+      <p:ext uri="{BB962C8B-B14F-4D97-AF65-F5344CB8AC3E}">
+        <p14:creationId xmlns:p14="http://schemas.microsoft.com/office/powerpoint/2010/main" val="3930092687"/>
+      </p:ext>
+    </p:extLst>
+  </p:cSld>
+  <p:clrMapOvr>
+    <a:masterClrMapping/>
+  </p:clrMapOvr>
+</p:sldLayout>
+</file>
+
+<file path=ppt/slideLayouts/slideLayout68.xml><?xml version="1.0" encoding="utf-8"?>
+<p:sldLayout xmlns:a="http://schemas.openxmlformats.org/drawingml/2006/main" xmlns:r="http://schemas.openxmlformats.org/officeDocument/2006/relationships" xmlns:p="http://schemas.openxmlformats.org/presentationml/2006/main" type="picTx" preserve="1">
+  <p:cSld name="Picture with Caption">
+    <p:spTree>
+      <p:nvGrpSpPr>
+        <p:cNvPr id="1" name=""/>
+        <p:cNvGrpSpPr/>
+        <p:nvPr/>
+      </p:nvGrpSpPr>
+      <p:grpSpPr>
+        <a:xfrm>
+          <a:off x="0" y="0"/>
+          <a:ext cx="0" cy="0"/>
+          <a:chOff x="0" y="0"/>
+          <a:chExt cx="0" cy="0"/>
+        </a:xfrm>
+      </p:grpSpPr>
+      <p:sp>
+        <p:nvSpPr>
+          <p:cNvPr id="2" name="Title 1"/>
+          <p:cNvSpPr>
+            <a:spLocks noGrp="1"/>
+          </p:cNvSpPr>
+          <p:nvPr>
+            <p:ph type="title"/>
+          </p:nvPr>
+        </p:nvSpPr>
+        <p:spPr>
+          <a:xfrm>
+            <a:off x="839788" y="457200"/>
+            <a:ext cx="3932237" cy="1600200"/>
+          </a:xfrm>
+        </p:spPr>
+        <p:txBody>
+          <a:bodyPr anchor="b"/>
+          <a:lstStyle>
+            <a:lvl1pPr>
+              <a:defRPr sz="3200"/>
+            </a:lvl1pPr>
+          </a:lstStyle>
+          <a:p>
+            <a:r>
+              <a:rPr lang="en-US"/>
+              <a:t>Click to edit Master title style</a:t>
+            </a:r>
+          </a:p>
+        </p:txBody>
+      </p:sp>
+      <p:sp>
+        <p:nvSpPr>
+          <p:cNvPr id="3" name="Picture Placeholder 2"/>
+          <p:cNvSpPr>
+            <a:spLocks noGrp="1"/>
+          </p:cNvSpPr>
+          <p:nvPr>
+            <p:ph type="pic" idx="1"/>
+          </p:nvPr>
+        </p:nvSpPr>
+        <p:spPr>
+          <a:xfrm>
+            <a:off x="5183188" y="987425"/>
+            <a:ext cx="6172200" cy="4873625"/>
+          </a:xfrm>
+        </p:spPr>
+        <p:txBody>
+          <a:bodyPr/>
+          <a:lstStyle>
+            <a:lvl1pPr marL="0" indent="0">
+              <a:buNone/>
+              <a:defRPr sz="3200"/>
+            </a:lvl1pPr>
+            <a:lvl2pPr marL="457200" indent="0">
+              <a:buNone/>
+              <a:defRPr sz="2800"/>
+            </a:lvl2pPr>
+            <a:lvl3pPr marL="914400" indent="0">
+              <a:buNone/>
+              <a:defRPr sz="2400"/>
+            </a:lvl3pPr>
+            <a:lvl4pPr marL="1371600" indent="0">
+              <a:buNone/>
+              <a:defRPr sz="2000"/>
+            </a:lvl4pPr>
+            <a:lvl5pPr marL="1828800" indent="0">
+              <a:buNone/>
+              <a:defRPr sz="2000"/>
+            </a:lvl5pPr>
+            <a:lvl6pPr marL="2286000" indent="0">
+              <a:buNone/>
+              <a:defRPr sz="2000"/>
+            </a:lvl6pPr>
+            <a:lvl7pPr marL="2743200" indent="0">
+              <a:buNone/>
+              <a:defRPr sz="2000"/>
+            </a:lvl7pPr>
+            <a:lvl8pPr marL="3200400" indent="0">
+              <a:buNone/>
+              <a:defRPr sz="2000"/>
+            </a:lvl8pPr>
+            <a:lvl9pPr marL="3657600" indent="0">
+              <a:buNone/>
+              <a:defRPr sz="2000"/>
+            </a:lvl9pPr>
+          </a:lstStyle>
+          <a:p>
+            <a:endParaRPr lang="en-US"/>
+          </a:p>
+        </p:txBody>
+      </p:sp>
+      <p:sp>
+        <p:nvSpPr>
+          <p:cNvPr id="4" name="Text Placeholder 3"/>
+          <p:cNvSpPr>
+            <a:spLocks noGrp="1"/>
+          </p:cNvSpPr>
+          <p:nvPr>
+            <p:ph type="body" sz="half" idx="2"/>
+          </p:nvPr>
+        </p:nvSpPr>
+        <p:spPr>
+          <a:xfrm>
+            <a:off x="839788" y="2057400"/>
+            <a:ext cx="3932237" cy="3811588"/>
+          </a:xfrm>
+        </p:spPr>
+        <p:txBody>
+          <a:bodyPr/>
+          <a:lstStyle>
+            <a:lvl1pPr marL="0" indent="0">
+              <a:buNone/>
+              <a:defRPr sz="1600"/>
+            </a:lvl1pPr>
+            <a:lvl2pPr marL="457200" indent="0">
+              <a:buNone/>
+              <a:defRPr sz="1400"/>
+            </a:lvl2pPr>
+            <a:lvl3pPr marL="914400" indent="0">
+              <a:buNone/>
+              <a:defRPr sz="1200"/>
+            </a:lvl3pPr>
+            <a:lvl4pPr marL="1371600" indent="0">
+              <a:buNone/>
+              <a:defRPr sz="1000"/>
+            </a:lvl4pPr>
+            <a:lvl5pPr marL="1828800" indent="0">
+              <a:buNone/>
+              <a:defRPr sz="1000"/>
+            </a:lvl5pPr>
+            <a:lvl6pPr marL="2286000" indent="0">
+              <a:buNone/>
+              <a:defRPr sz="1000"/>
+            </a:lvl6pPr>
+            <a:lvl7pPr marL="2743200" indent="0">
+              <a:buNone/>
+              <a:defRPr sz="1000"/>
+            </a:lvl7pPr>
+            <a:lvl8pPr marL="3200400" indent="0">
+              <a:buNone/>
+              <a:defRPr sz="1000"/>
+            </a:lvl8pPr>
+            <a:lvl9pPr marL="3657600" indent="0">
+              <a:buNone/>
+              <a:defRPr sz="1000"/>
+            </a:lvl9pPr>
+          </a:lstStyle>
+          <a:p>
+            <a:pPr lvl="0"/>
+            <a:r>
+              <a:rPr lang="en-US"/>
+              <a:t>Edit Master text styles</a:t>
+            </a:r>
+          </a:p>
+        </p:txBody>
+      </p:sp>
+      <p:sp>
+        <p:nvSpPr>
+          <p:cNvPr id="5" name="Date Placeholder 4"/>
+          <p:cNvSpPr>
+            <a:spLocks noGrp="1"/>
+          </p:cNvSpPr>
+          <p:nvPr>
+            <p:ph type="dt" sz="half" idx="10"/>
+          </p:nvPr>
+        </p:nvSpPr>
+        <p:spPr/>
+        <p:txBody>
+          <a:bodyPr/>
+          <a:lstStyle/>
+          <a:p>
+            <a:fld id="{0459C166-16D3-4A25-A2F8-C51E0E346B22}" type="datetimeFigureOut">
+              <a:rPr lang="en-US" smtClean="0">
+                <a:solidFill>
+                  <a:prstClr val="black">
+                    <a:tint val="75000"/>
+                  </a:prstClr>
+                </a:solidFill>
+                <a:latin typeface="Segoe UI"/>
+              </a:rPr>
+              <a:pPr/>
+              <a:t>6/29/16</a:t>
+            </a:fld>
+            <a:endParaRPr lang="en-US">
+              <a:solidFill>
+                <a:prstClr val="black">
+                  <a:tint val="75000"/>
+                </a:prstClr>
+              </a:solidFill>
+              <a:latin typeface="Segoe UI"/>
+            </a:endParaRPr>
+          </a:p>
+        </p:txBody>
+      </p:sp>
+      <p:sp>
+        <p:nvSpPr>
+          <p:cNvPr id="6" name="Footer Placeholder 5"/>
+          <p:cNvSpPr>
+            <a:spLocks noGrp="1"/>
+          </p:cNvSpPr>
+          <p:nvPr>
+            <p:ph type="ftr" sz="quarter" idx="11"/>
+          </p:nvPr>
+        </p:nvSpPr>
+        <p:spPr/>
+        <p:txBody>
+          <a:bodyPr/>
+          <a:lstStyle/>
+          <a:p>
+            <a:endParaRPr lang="en-US">
+              <a:solidFill>
+                <a:prstClr val="black">
+                  <a:tint val="75000"/>
+                </a:prstClr>
+              </a:solidFill>
+              <a:latin typeface="Segoe UI"/>
+            </a:endParaRPr>
+          </a:p>
+        </p:txBody>
+      </p:sp>
+      <p:sp>
+        <p:nvSpPr>
+          <p:cNvPr id="7" name="Slide Number Placeholder 6"/>
+          <p:cNvSpPr>
+            <a:spLocks noGrp="1"/>
+          </p:cNvSpPr>
+          <p:nvPr>
+            <p:ph type="sldNum" sz="quarter" idx="12"/>
+          </p:nvPr>
+        </p:nvSpPr>
+        <p:spPr/>
+        <p:txBody>
+          <a:bodyPr/>
+          <a:lstStyle/>
+          <a:p>
+            <a:fld id="{59DE4316-4355-4038-9262-DF05D0694534}" type="slidenum">
+              <a:rPr lang="en-US" smtClean="0">
+                <a:solidFill>
+                  <a:prstClr val="black">
+                    <a:tint val="75000"/>
+                  </a:prstClr>
+                </a:solidFill>
+                <a:latin typeface="Segoe UI"/>
+              </a:rPr>
+              <a:pPr/>
+              <a:t>‹#›</a:t>
+            </a:fld>
+            <a:endParaRPr lang="en-US">
+              <a:solidFill>
+                <a:prstClr val="black">
+                  <a:tint val="75000"/>
+                </a:prstClr>
+              </a:solidFill>
+              <a:latin typeface="Segoe UI"/>
+            </a:endParaRPr>
+          </a:p>
+        </p:txBody>
+      </p:sp>
+    </p:spTree>
+    <p:extLst>
+      <p:ext uri="{BB962C8B-B14F-4D97-AF65-F5344CB8AC3E}">
+        <p14:creationId xmlns:p14="http://schemas.microsoft.com/office/powerpoint/2010/main" val="3563673202"/>
+      </p:ext>
+    </p:extLst>
+  </p:cSld>
+  <p:clrMapOvr>
+    <a:masterClrMapping/>
+  </p:clrMapOvr>
+</p:sldLayout>
+</file>
+
+<file path=ppt/slideLayouts/slideLayout69.xml><?xml version="1.0" encoding="utf-8"?>
+<p:sldLayout xmlns:a="http://schemas.openxmlformats.org/drawingml/2006/main" xmlns:r="http://schemas.openxmlformats.org/officeDocument/2006/relationships" xmlns:p="http://schemas.openxmlformats.org/presentationml/2006/main" type="vertTx" preserve="1">
+  <p:cSld name="Title and Vertical Text">
+    <p:spTree>
+      <p:nvGrpSpPr>
+        <p:cNvPr id="1" name=""/>
+        <p:cNvGrpSpPr/>
+        <p:nvPr/>
+      </p:nvGrpSpPr>
+      <p:grpSpPr>
+        <a:xfrm>
+          <a:off x="0" y="0"/>
+          <a:ext cx="0" cy="0"/>
+          <a:chOff x="0" y="0"/>
+          <a:chExt cx="0" cy="0"/>
+        </a:xfrm>
+      </p:grpSpPr>
+      <p:sp>
+        <p:nvSpPr>
+          <p:cNvPr id="2" name="Title 1"/>
+          <p:cNvSpPr>
+            <a:spLocks noGrp="1"/>
+          </p:cNvSpPr>
+          <p:nvPr>
+            <p:ph type="title"/>
+          </p:nvPr>
+        </p:nvSpPr>
+        <p:spPr/>
+        <p:txBody>
+          <a:bodyPr/>
+          <a:lstStyle/>
+          <a:p>
+            <a:r>
+              <a:rPr lang="en-US"/>
+              <a:t>Click to edit Master title style</a:t>
+            </a:r>
+          </a:p>
+        </p:txBody>
+      </p:sp>
+      <p:sp>
+        <p:nvSpPr>
+          <p:cNvPr id="3" name="Vertical Text Placeholder 2"/>
+          <p:cNvSpPr>
+            <a:spLocks noGrp="1"/>
+          </p:cNvSpPr>
+          <p:nvPr>
+            <p:ph type="body" orient="vert" idx="1"/>
+          </p:nvPr>
+        </p:nvSpPr>
+        <p:spPr/>
+        <p:txBody>
+          <a:bodyPr vert="eaVert"/>
+          <a:lstStyle/>
+          <a:p>
+            <a:pPr lvl="0"/>
+            <a:r>
+              <a:rPr lang="en-US"/>
+              <a:t>Edit Master text styles</a:t>
+            </a:r>
+          </a:p>
+          <a:p>
+            <a:pPr lvl="1"/>
+            <a:r>
+              <a:rPr lang="en-US"/>
+              <a:t>Second level</a:t>
+            </a:r>
+          </a:p>
+          <a:p>
+            <a:pPr lvl="2"/>
+            <a:r>
+              <a:rPr lang="en-US"/>
+              <a:t>Third level</a:t>
+            </a:r>
+          </a:p>
+          <a:p>
+            <a:pPr lvl="3"/>
+            <a:r>
+              <a:rPr lang="en-US"/>
+              <a:t>Fourth level</a:t>
+            </a:r>
+          </a:p>
+          <a:p>
+            <a:pPr lvl="4"/>
+            <a:r>
+              <a:rPr lang="en-US"/>
+              <a:t>Fifth level</a:t>
+            </a:r>
+          </a:p>
+        </p:txBody>
+      </p:sp>
+      <p:sp>
+        <p:nvSpPr>
+          <p:cNvPr id="4" name="Date Placeholder 3"/>
+          <p:cNvSpPr>
+            <a:spLocks noGrp="1"/>
+          </p:cNvSpPr>
+          <p:nvPr>
+            <p:ph type="dt" sz="half" idx="10"/>
+          </p:nvPr>
+        </p:nvSpPr>
+        <p:spPr/>
+        <p:txBody>
+          <a:bodyPr/>
+          <a:lstStyle/>
+          <a:p>
+            <a:fld id="{0459C166-16D3-4A25-A2F8-C51E0E346B22}" type="datetimeFigureOut">
+              <a:rPr lang="en-US" smtClean="0">
+                <a:solidFill>
+                  <a:prstClr val="black">
+                    <a:tint val="75000"/>
+                  </a:prstClr>
+                </a:solidFill>
+                <a:latin typeface="Segoe UI"/>
+              </a:rPr>
+              <a:pPr/>
+              <a:t>6/29/16</a:t>
+            </a:fld>
+            <a:endParaRPr lang="en-US">
+              <a:solidFill>
+                <a:prstClr val="black">
+                  <a:tint val="75000"/>
+                </a:prstClr>
+              </a:solidFill>
+              <a:latin typeface="Segoe UI"/>
+            </a:endParaRPr>
+          </a:p>
+        </p:txBody>
+      </p:sp>
+      <p:sp>
+        <p:nvSpPr>
+          <p:cNvPr id="5" name="Footer Placeholder 4"/>
+          <p:cNvSpPr>
+            <a:spLocks noGrp="1"/>
+          </p:cNvSpPr>
+          <p:nvPr>
+            <p:ph type="ftr" sz="quarter" idx="11"/>
+          </p:nvPr>
+        </p:nvSpPr>
+        <p:spPr/>
+        <p:txBody>
+          <a:bodyPr/>
+          <a:lstStyle/>
+          <a:p>
+            <a:endParaRPr lang="en-US">
+              <a:solidFill>
+                <a:prstClr val="black">
+                  <a:tint val="75000"/>
+                </a:prstClr>
+              </a:solidFill>
+              <a:latin typeface="Segoe UI"/>
+            </a:endParaRPr>
+          </a:p>
+        </p:txBody>
+      </p:sp>
+      <p:sp>
+        <p:nvSpPr>
+          <p:cNvPr id="6" name="Slide Number Placeholder 5"/>
+          <p:cNvSpPr>
+            <a:spLocks noGrp="1"/>
+          </p:cNvSpPr>
+          <p:nvPr>
+            <p:ph type="sldNum" sz="quarter" idx="12"/>
+          </p:nvPr>
+        </p:nvSpPr>
+        <p:spPr/>
+        <p:txBody>
+          <a:bodyPr/>
+          <a:lstStyle/>
+          <a:p>
+            <a:fld id="{59DE4316-4355-4038-9262-DF05D0694534}" type="slidenum">
+              <a:rPr lang="en-US" smtClean="0">
+                <a:solidFill>
+                  <a:prstClr val="black">
+                    <a:tint val="75000"/>
+                  </a:prstClr>
+                </a:solidFill>
+                <a:latin typeface="Segoe UI"/>
+              </a:rPr>
+              <a:pPr/>
+              <a:t>‹#›</a:t>
+            </a:fld>
+            <a:endParaRPr lang="en-US">
+              <a:solidFill>
+                <a:prstClr val="black">
+                  <a:tint val="75000"/>
+                </a:prstClr>
+              </a:solidFill>
+              <a:latin typeface="Segoe UI"/>
+            </a:endParaRPr>
+          </a:p>
+        </p:txBody>
+      </p:sp>
+    </p:spTree>
+    <p:extLst>
+      <p:ext uri="{BB962C8B-B14F-4D97-AF65-F5344CB8AC3E}">
+        <p14:creationId xmlns:p14="http://schemas.microsoft.com/office/powerpoint/2010/main" val="2315856852"/>
+      </p:ext>
+    </p:extLst>
+  </p:cSld>
+  <p:clrMapOvr>
+    <a:masterClrMapping/>
+  </p:clrMapOvr>
 </p:sldLayout>
 </file>
 
@@ -21600,6 +25481,221 @@
   <p:transition xmlns:p14="http://schemas.microsoft.com/office/powerpoint/2010/main">
     <p:fade/>
   </p:transition>
+</p:sldLayout>
+</file>
+
+<file path=ppt/slideLayouts/slideLayout70.xml><?xml version="1.0" encoding="utf-8"?>
+<p:sldLayout xmlns:a="http://schemas.openxmlformats.org/drawingml/2006/main" xmlns:r="http://schemas.openxmlformats.org/officeDocument/2006/relationships" xmlns:p="http://schemas.openxmlformats.org/presentationml/2006/main" type="vertTitleAndTx" preserve="1">
+  <p:cSld name="Vertical Title and Text">
+    <p:spTree>
+      <p:nvGrpSpPr>
+        <p:cNvPr id="1" name=""/>
+        <p:cNvGrpSpPr/>
+        <p:nvPr/>
+      </p:nvGrpSpPr>
+      <p:grpSpPr>
+        <a:xfrm>
+          <a:off x="0" y="0"/>
+          <a:ext cx="0" cy="0"/>
+          <a:chOff x="0" y="0"/>
+          <a:chExt cx="0" cy="0"/>
+        </a:xfrm>
+      </p:grpSpPr>
+      <p:sp>
+        <p:nvSpPr>
+          <p:cNvPr id="2" name="Vertical Title 1"/>
+          <p:cNvSpPr>
+            <a:spLocks noGrp="1"/>
+          </p:cNvSpPr>
+          <p:nvPr>
+            <p:ph type="title" orient="vert"/>
+          </p:nvPr>
+        </p:nvSpPr>
+        <p:spPr>
+          <a:xfrm>
+            <a:off x="8724900" y="365125"/>
+            <a:ext cx="2628900" cy="5811838"/>
+          </a:xfrm>
+        </p:spPr>
+        <p:txBody>
+          <a:bodyPr vert="eaVert"/>
+          <a:lstStyle/>
+          <a:p>
+            <a:r>
+              <a:rPr lang="en-US"/>
+              <a:t>Click to edit Master title style</a:t>
+            </a:r>
+          </a:p>
+        </p:txBody>
+      </p:sp>
+      <p:sp>
+        <p:nvSpPr>
+          <p:cNvPr id="3" name="Vertical Text Placeholder 2"/>
+          <p:cNvSpPr>
+            <a:spLocks noGrp="1"/>
+          </p:cNvSpPr>
+          <p:nvPr>
+            <p:ph type="body" orient="vert" idx="1"/>
+          </p:nvPr>
+        </p:nvSpPr>
+        <p:spPr>
+          <a:xfrm>
+            <a:off x="838200" y="365125"/>
+            <a:ext cx="7734300" cy="5811838"/>
+          </a:xfrm>
+        </p:spPr>
+        <p:txBody>
+          <a:bodyPr vert="eaVert"/>
+          <a:lstStyle/>
+          <a:p>
+            <a:pPr lvl="0"/>
+            <a:r>
+              <a:rPr lang="en-US"/>
+              <a:t>Edit Master text styles</a:t>
+            </a:r>
+          </a:p>
+          <a:p>
+            <a:pPr lvl="1"/>
+            <a:r>
+              <a:rPr lang="en-US"/>
+              <a:t>Second level</a:t>
+            </a:r>
+          </a:p>
+          <a:p>
+            <a:pPr lvl="2"/>
+            <a:r>
+              <a:rPr lang="en-US"/>
+              <a:t>Third level</a:t>
+            </a:r>
+          </a:p>
+          <a:p>
+            <a:pPr lvl="3"/>
+            <a:r>
+              <a:rPr lang="en-US"/>
+              <a:t>Fourth level</a:t>
+            </a:r>
+          </a:p>
+          <a:p>
+            <a:pPr lvl="4"/>
+            <a:r>
+              <a:rPr lang="en-US"/>
+              <a:t>Fifth level</a:t>
+            </a:r>
+          </a:p>
+        </p:txBody>
+      </p:sp>
+      <p:sp>
+        <p:nvSpPr>
+          <p:cNvPr id="4" name="Date Placeholder 3"/>
+          <p:cNvSpPr>
+            <a:spLocks noGrp="1"/>
+          </p:cNvSpPr>
+          <p:nvPr>
+            <p:ph type="dt" sz="half" idx="10"/>
+          </p:nvPr>
+        </p:nvSpPr>
+        <p:spPr/>
+        <p:txBody>
+          <a:bodyPr/>
+          <a:lstStyle/>
+          <a:p>
+            <a:fld id="{0459C166-16D3-4A25-A2F8-C51E0E346B22}" type="datetimeFigureOut">
+              <a:rPr lang="en-US" smtClean="0">
+                <a:solidFill>
+                  <a:prstClr val="black">
+                    <a:tint val="75000"/>
+                  </a:prstClr>
+                </a:solidFill>
+                <a:latin typeface="Segoe UI"/>
+              </a:rPr>
+              <a:pPr/>
+              <a:t>6/29/16</a:t>
+            </a:fld>
+            <a:endParaRPr lang="en-US">
+              <a:solidFill>
+                <a:prstClr val="black">
+                  <a:tint val="75000"/>
+                </a:prstClr>
+              </a:solidFill>
+              <a:latin typeface="Segoe UI"/>
+            </a:endParaRPr>
+          </a:p>
+        </p:txBody>
+      </p:sp>
+      <p:sp>
+        <p:nvSpPr>
+          <p:cNvPr id="5" name="Footer Placeholder 4"/>
+          <p:cNvSpPr>
+            <a:spLocks noGrp="1"/>
+          </p:cNvSpPr>
+          <p:nvPr>
+            <p:ph type="ftr" sz="quarter" idx="11"/>
+          </p:nvPr>
+        </p:nvSpPr>
+        <p:spPr/>
+        <p:txBody>
+          <a:bodyPr/>
+          <a:lstStyle/>
+          <a:p>
+            <a:endParaRPr lang="en-US">
+              <a:solidFill>
+                <a:prstClr val="black">
+                  <a:tint val="75000"/>
+                </a:prstClr>
+              </a:solidFill>
+              <a:latin typeface="Segoe UI"/>
+            </a:endParaRPr>
+          </a:p>
+        </p:txBody>
+      </p:sp>
+      <p:sp>
+        <p:nvSpPr>
+          <p:cNvPr id="6" name="Slide Number Placeholder 5"/>
+          <p:cNvSpPr>
+            <a:spLocks noGrp="1"/>
+          </p:cNvSpPr>
+          <p:nvPr>
+            <p:ph type="sldNum" sz="quarter" idx="12"/>
+          </p:nvPr>
+        </p:nvSpPr>
+        <p:spPr/>
+        <p:txBody>
+          <a:bodyPr/>
+          <a:lstStyle/>
+          <a:p>
+            <a:fld id="{59DE4316-4355-4038-9262-DF05D0694534}" type="slidenum">
+              <a:rPr lang="en-US" smtClean="0">
+                <a:solidFill>
+                  <a:prstClr val="black">
+                    <a:tint val="75000"/>
+                  </a:prstClr>
+                </a:solidFill>
+                <a:latin typeface="Segoe UI"/>
+              </a:rPr>
+              <a:pPr/>
+              <a:t>‹#›</a:t>
+            </a:fld>
+            <a:endParaRPr lang="en-US">
+              <a:solidFill>
+                <a:prstClr val="black">
+                  <a:tint val="75000"/>
+                </a:prstClr>
+              </a:solidFill>
+              <a:latin typeface="Segoe UI"/>
+            </a:endParaRPr>
+          </a:p>
+        </p:txBody>
+      </p:sp>
+    </p:spTree>
+    <p:extLst>
+      <p:ext uri="{BB962C8B-B14F-4D97-AF65-F5344CB8AC3E}">
+        <p14:creationId xmlns:p14="http://schemas.microsoft.com/office/powerpoint/2010/main" val="2538198785"/>
+      </p:ext>
+    </p:extLst>
+  </p:cSld>
+  <p:clrMapOvr>
+    <a:masterClrMapping/>
+  </p:clrMapOvr>
 </p:sldLayout>
 </file>
 
@@ -22871,7 +26967,7 @@
                 <a:latin typeface="Segoe UI"/>
               </a:rPr>
               <a:pPr/>
-              <a:t>6/27/16</a:t>
+              <a:t>6/29/16</a:t>
             </a:fld>
             <a:endParaRPr lang="en-US">
               <a:solidFill>
@@ -23451,7 +27547,7 @@
                 <a:latin typeface="Segoe UI"/>
               </a:rPr>
               <a:pPr/>
-              <a:t>6/27/16</a:t>
+              <a:t>6/29/16</a:t>
             </a:fld>
             <a:endParaRPr lang="en-US">
               <a:solidFill>
@@ -23590,6 +27686,586 @@
     <p:sldLayoutId id="2147483735" r:id="rId15"/>
     <p:sldLayoutId id="2147483736" r:id="rId16"/>
     <p:sldLayoutId id="2147483737" r:id="rId17"/>
+  </p:sldLayoutIdLst>
+  <p:txStyles>
+    <p:titleStyle>
+      <a:lvl1pPr algn="l" defTabSz="914400" rtl="0" eaLnBrk="1" latinLnBrk="0" hangingPunct="1">
+        <a:lnSpc>
+          <a:spcPct val="90000"/>
+        </a:lnSpc>
+        <a:spcBef>
+          <a:spcPct val="0"/>
+        </a:spcBef>
+        <a:buNone/>
+        <a:defRPr sz="4400" kern="1200">
+          <a:solidFill>
+            <a:schemeClr val="tx1"/>
+          </a:solidFill>
+          <a:latin typeface="+mj-lt"/>
+          <a:ea typeface="+mj-ea"/>
+          <a:cs typeface="+mj-cs"/>
+        </a:defRPr>
+      </a:lvl1pPr>
+    </p:titleStyle>
+    <p:bodyStyle>
+      <a:lvl1pPr marL="228600" indent="-228600" algn="l" defTabSz="914400" rtl="0" eaLnBrk="1" latinLnBrk="0" hangingPunct="1">
+        <a:lnSpc>
+          <a:spcPct val="90000"/>
+        </a:lnSpc>
+        <a:spcBef>
+          <a:spcPts val="1000"/>
+        </a:spcBef>
+        <a:buFont typeface="Arial" panose="020B0604020202020204" pitchFamily="34" charset="0"/>
+        <a:buChar char="•"/>
+        <a:defRPr sz="2800" kern="1200">
+          <a:solidFill>
+            <a:schemeClr val="tx1"/>
+          </a:solidFill>
+          <a:latin typeface="+mn-lt"/>
+          <a:ea typeface="+mn-ea"/>
+          <a:cs typeface="+mn-cs"/>
+        </a:defRPr>
+      </a:lvl1pPr>
+      <a:lvl2pPr marL="685800" indent="-228600" algn="l" defTabSz="914400" rtl="0" eaLnBrk="1" latinLnBrk="0" hangingPunct="1">
+        <a:lnSpc>
+          <a:spcPct val="90000"/>
+        </a:lnSpc>
+        <a:spcBef>
+          <a:spcPts val="500"/>
+        </a:spcBef>
+        <a:buFont typeface="Arial" panose="020B0604020202020204" pitchFamily="34" charset="0"/>
+        <a:buChar char="•"/>
+        <a:defRPr sz="2400" kern="1200">
+          <a:solidFill>
+            <a:schemeClr val="tx1"/>
+          </a:solidFill>
+          <a:latin typeface="+mn-lt"/>
+          <a:ea typeface="+mn-ea"/>
+          <a:cs typeface="+mn-cs"/>
+        </a:defRPr>
+      </a:lvl2pPr>
+      <a:lvl3pPr marL="1143000" indent="-228600" algn="l" defTabSz="914400" rtl="0" eaLnBrk="1" latinLnBrk="0" hangingPunct="1">
+        <a:lnSpc>
+          <a:spcPct val="90000"/>
+        </a:lnSpc>
+        <a:spcBef>
+          <a:spcPts val="500"/>
+        </a:spcBef>
+        <a:buFont typeface="Arial" panose="020B0604020202020204" pitchFamily="34" charset="0"/>
+        <a:buChar char="•"/>
+        <a:defRPr sz="2000" kern="1200">
+          <a:solidFill>
+            <a:schemeClr val="tx1"/>
+          </a:solidFill>
+          <a:latin typeface="+mn-lt"/>
+          <a:ea typeface="+mn-ea"/>
+          <a:cs typeface="+mn-cs"/>
+        </a:defRPr>
+      </a:lvl3pPr>
+      <a:lvl4pPr marL="1600200" indent="-228600" algn="l" defTabSz="914400" rtl="0" eaLnBrk="1" latinLnBrk="0" hangingPunct="1">
+        <a:lnSpc>
+          <a:spcPct val="90000"/>
+        </a:lnSpc>
+        <a:spcBef>
+          <a:spcPts val="500"/>
+        </a:spcBef>
+        <a:buFont typeface="Arial" panose="020B0604020202020204" pitchFamily="34" charset="0"/>
+        <a:buChar char="•"/>
+        <a:defRPr sz="1800" kern="1200">
+          <a:solidFill>
+            <a:schemeClr val="tx1"/>
+          </a:solidFill>
+          <a:latin typeface="+mn-lt"/>
+          <a:ea typeface="+mn-ea"/>
+          <a:cs typeface="+mn-cs"/>
+        </a:defRPr>
+      </a:lvl4pPr>
+      <a:lvl5pPr marL="2057400" indent="-228600" algn="l" defTabSz="914400" rtl="0" eaLnBrk="1" latinLnBrk="0" hangingPunct="1">
+        <a:lnSpc>
+          <a:spcPct val="90000"/>
+        </a:lnSpc>
+        <a:spcBef>
+          <a:spcPts val="500"/>
+        </a:spcBef>
+        <a:buFont typeface="Arial" panose="020B0604020202020204" pitchFamily="34" charset="0"/>
+        <a:buChar char="•"/>
+        <a:defRPr sz="1800" kern="1200">
+          <a:solidFill>
+            <a:schemeClr val="tx1"/>
+          </a:solidFill>
+          <a:latin typeface="+mn-lt"/>
+          <a:ea typeface="+mn-ea"/>
+          <a:cs typeface="+mn-cs"/>
+        </a:defRPr>
+      </a:lvl5pPr>
+      <a:lvl6pPr marL="2514600" indent="-228600" algn="l" defTabSz="914400" rtl="0" eaLnBrk="1" latinLnBrk="0" hangingPunct="1">
+        <a:lnSpc>
+          <a:spcPct val="90000"/>
+        </a:lnSpc>
+        <a:spcBef>
+          <a:spcPts val="500"/>
+        </a:spcBef>
+        <a:buFont typeface="Arial" panose="020B0604020202020204" pitchFamily="34" charset="0"/>
+        <a:buChar char="•"/>
+        <a:defRPr sz="1800" kern="1200">
+          <a:solidFill>
+            <a:schemeClr val="tx1"/>
+          </a:solidFill>
+          <a:latin typeface="+mn-lt"/>
+          <a:ea typeface="+mn-ea"/>
+          <a:cs typeface="+mn-cs"/>
+        </a:defRPr>
+      </a:lvl6pPr>
+      <a:lvl7pPr marL="2971800" indent="-228600" algn="l" defTabSz="914400" rtl="0" eaLnBrk="1" latinLnBrk="0" hangingPunct="1">
+        <a:lnSpc>
+          <a:spcPct val="90000"/>
+        </a:lnSpc>
+        <a:spcBef>
+          <a:spcPts val="500"/>
+        </a:spcBef>
+        <a:buFont typeface="Arial" panose="020B0604020202020204" pitchFamily="34" charset="0"/>
+        <a:buChar char="•"/>
+        <a:defRPr sz="1800" kern="1200">
+          <a:solidFill>
+            <a:schemeClr val="tx1"/>
+          </a:solidFill>
+          <a:latin typeface="+mn-lt"/>
+          <a:ea typeface="+mn-ea"/>
+          <a:cs typeface="+mn-cs"/>
+        </a:defRPr>
+      </a:lvl7pPr>
+      <a:lvl8pPr marL="3429000" indent="-228600" algn="l" defTabSz="914400" rtl="0" eaLnBrk="1" latinLnBrk="0" hangingPunct="1">
+        <a:lnSpc>
+          <a:spcPct val="90000"/>
+        </a:lnSpc>
+        <a:spcBef>
+          <a:spcPts val="500"/>
+        </a:spcBef>
+        <a:buFont typeface="Arial" panose="020B0604020202020204" pitchFamily="34" charset="0"/>
+        <a:buChar char="•"/>
+        <a:defRPr sz="1800" kern="1200">
+          <a:solidFill>
+            <a:schemeClr val="tx1"/>
+          </a:solidFill>
+          <a:latin typeface="+mn-lt"/>
+          <a:ea typeface="+mn-ea"/>
+          <a:cs typeface="+mn-cs"/>
+        </a:defRPr>
+      </a:lvl8pPr>
+      <a:lvl9pPr marL="3886200" indent="-228600" algn="l" defTabSz="914400" rtl="0" eaLnBrk="1" latinLnBrk="0" hangingPunct="1">
+        <a:lnSpc>
+          <a:spcPct val="90000"/>
+        </a:lnSpc>
+        <a:spcBef>
+          <a:spcPts val="500"/>
+        </a:spcBef>
+        <a:buFont typeface="Arial" panose="020B0604020202020204" pitchFamily="34" charset="0"/>
+        <a:buChar char="•"/>
+        <a:defRPr sz="1800" kern="1200">
+          <a:solidFill>
+            <a:schemeClr val="tx1"/>
+          </a:solidFill>
+          <a:latin typeface="+mn-lt"/>
+          <a:ea typeface="+mn-ea"/>
+          <a:cs typeface="+mn-cs"/>
+        </a:defRPr>
+      </a:lvl9pPr>
+    </p:bodyStyle>
+    <p:otherStyle>
+      <a:defPPr>
+        <a:defRPr lang="en-US"/>
+      </a:defPPr>
+      <a:lvl1pPr marL="0" algn="l" defTabSz="914400" rtl="0" eaLnBrk="1" latinLnBrk="0" hangingPunct="1">
+        <a:defRPr sz="1800" kern="1200">
+          <a:solidFill>
+            <a:schemeClr val="tx1"/>
+          </a:solidFill>
+          <a:latin typeface="+mn-lt"/>
+          <a:ea typeface="+mn-ea"/>
+          <a:cs typeface="+mn-cs"/>
+        </a:defRPr>
+      </a:lvl1pPr>
+      <a:lvl2pPr marL="457200" algn="l" defTabSz="914400" rtl="0" eaLnBrk="1" latinLnBrk="0" hangingPunct="1">
+        <a:defRPr sz="1800" kern="1200">
+          <a:solidFill>
+            <a:schemeClr val="tx1"/>
+          </a:solidFill>
+          <a:latin typeface="+mn-lt"/>
+          <a:ea typeface="+mn-ea"/>
+          <a:cs typeface="+mn-cs"/>
+        </a:defRPr>
+      </a:lvl2pPr>
+      <a:lvl3pPr marL="914400" algn="l" defTabSz="914400" rtl="0" eaLnBrk="1" latinLnBrk="0" hangingPunct="1">
+        <a:defRPr sz="1800" kern="1200">
+          <a:solidFill>
+            <a:schemeClr val="tx1"/>
+          </a:solidFill>
+          <a:latin typeface="+mn-lt"/>
+          <a:ea typeface="+mn-ea"/>
+          <a:cs typeface="+mn-cs"/>
+        </a:defRPr>
+      </a:lvl3pPr>
+      <a:lvl4pPr marL="1371600" algn="l" defTabSz="914400" rtl="0" eaLnBrk="1" latinLnBrk="0" hangingPunct="1">
+        <a:defRPr sz="1800" kern="1200">
+          <a:solidFill>
+            <a:schemeClr val="tx1"/>
+          </a:solidFill>
+          <a:latin typeface="+mn-lt"/>
+          <a:ea typeface="+mn-ea"/>
+          <a:cs typeface="+mn-cs"/>
+        </a:defRPr>
+      </a:lvl4pPr>
+      <a:lvl5pPr marL="1828800" algn="l" defTabSz="914400" rtl="0" eaLnBrk="1" latinLnBrk="0" hangingPunct="1">
+        <a:defRPr sz="1800" kern="1200">
+          <a:solidFill>
+            <a:schemeClr val="tx1"/>
+          </a:solidFill>
+          <a:latin typeface="+mn-lt"/>
+          <a:ea typeface="+mn-ea"/>
+          <a:cs typeface="+mn-cs"/>
+        </a:defRPr>
+      </a:lvl5pPr>
+      <a:lvl6pPr marL="2286000" algn="l" defTabSz="914400" rtl="0" eaLnBrk="1" latinLnBrk="0" hangingPunct="1">
+        <a:defRPr sz="1800" kern="1200">
+          <a:solidFill>
+            <a:schemeClr val="tx1"/>
+          </a:solidFill>
+          <a:latin typeface="+mn-lt"/>
+          <a:ea typeface="+mn-ea"/>
+          <a:cs typeface="+mn-cs"/>
+        </a:defRPr>
+      </a:lvl6pPr>
+      <a:lvl7pPr marL="2743200" algn="l" defTabSz="914400" rtl="0" eaLnBrk="1" latinLnBrk="0" hangingPunct="1">
+        <a:defRPr sz="1800" kern="1200">
+          <a:solidFill>
+            <a:schemeClr val="tx1"/>
+          </a:solidFill>
+          <a:latin typeface="+mn-lt"/>
+          <a:ea typeface="+mn-ea"/>
+          <a:cs typeface="+mn-cs"/>
+        </a:defRPr>
+      </a:lvl7pPr>
+      <a:lvl8pPr marL="3200400" algn="l" defTabSz="914400" rtl="0" eaLnBrk="1" latinLnBrk="0" hangingPunct="1">
+        <a:defRPr sz="1800" kern="1200">
+          <a:solidFill>
+            <a:schemeClr val="tx1"/>
+          </a:solidFill>
+          <a:latin typeface="+mn-lt"/>
+          <a:ea typeface="+mn-ea"/>
+          <a:cs typeface="+mn-cs"/>
+        </a:defRPr>
+      </a:lvl8pPr>
+      <a:lvl9pPr marL="3657600" algn="l" defTabSz="914400" rtl="0" eaLnBrk="1" latinLnBrk="0" hangingPunct="1">
+        <a:defRPr sz="1800" kern="1200">
+          <a:solidFill>
+            <a:schemeClr val="tx1"/>
+          </a:solidFill>
+          <a:latin typeface="+mn-lt"/>
+          <a:ea typeface="+mn-ea"/>
+          <a:cs typeface="+mn-cs"/>
+        </a:defRPr>
+      </a:lvl9pPr>
+    </p:otherStyle>
+  </p:txStyles>
+</p:sldMaster>
+</file>
+
+<file path=ppt/slideMasters/slideMaster4.xml><?xml version="1.0" encoding="utf-8"?>
+<p:sldMaster xmlns:a="http://schemas.openxmlformats.org/drawingml/2006/main" xmlns:r="http://schemas.openxmlformats.org/officeDocument/2006/relationships" xmlns:p="http://schemas.openxmlformats.org/presentationml/2006/main">
+  <p:cSld>
+    <p:bg>
+      <p:bgRef idx="1001">
+        <a:schemeClr val="bg1"/>
+      </p:bgRef>
+    </p:bg>
+    <p:spTree>
+      <p:nvGrpSpPr>
+        <p:cNvPr id="1" name=""/>
+        <p:cNvGrpSpPr/>
+        <p:nvPr/>
+      </p:nvGrpSpPr>
+      <p:grpSpPr>
+        <a:xfrm>
+          <a:off x="0" y="0"/>
+          <a:ext cx="0" cy="0"/>
+          <a:chOff x="0" y="0"/>
+          <a:chExt cx="0" cy="0"/>
+        </a:xfrm>
+      </p:grpSpPr>
+      <p:sp>
+        <p:nvSpPr>
+          <p:cNvPr id="2" name="Title Placeholder 1"/>
+          <p:cNvSpPr>
+            <a:spLocks noGrp="1"/>
+          </p:cNvSpPr>
+          <p:nvPr>
+            <p:ph type="title"/>
+          </p:nvPr>
+        </p:nvSpPr>
+        <p:spPr>
+          <a:xfrm>
+            <a:off x="838200" y="365125"/>
+            <a:ext cx="10515600" cy="1325563"/>
+          </a:xfrm>
+          <a:prstGeom prst="rect">
+            <a:avLst/>
+          </a:prstGeom>
+        </p:spPr>
+        <p:txBody>
+          <a:bodyPr vert="horz" lIns="91440" tIns="45720" rIns="91440" bIns="45720" rtlCol="0" anchor="ctr">
+            <a:normAutofit/>
+          </a:bodyPr>
+          <a:lstStyle/>
+          <a:p>
+            <a:r>
+              <a:rPr lang="en-US"/>
+              <a:t>Click to edit Master title style</a:t>
+            </a:r>
+          </a:p>
+        </p:txBody>
+      </p:sp>
+      <p:sp>
+        <p:nvSpPr>
+          <p:cNvPr id="3" name="Text Placeholder 2"/>
+          <p:cNvSpPr>
+            <a:spLocks noGrp="1"/>
+          </p:cNvSpPr>
+          <p:nvPr>
+            <p:ph type="body" idx="1"/>
+          </p:nvPr>
+        </p:nvSpPr>
+        <p:spPr>
+          <a:xfrm>
+            <a:off x="838200" y="1825625"/>
+            <a:ext cx="10515600" cy="4351338"/>
+          </a:xfrm>
+          <a:prstGeom prst="rect">
+            <a:avLst/>
+          </a:prstGeom>
+        </p:spPr>
+        <p:txBody>
+          <a:bodyPr vert="horz" lIns="91440" tIns="45720" rIns="91440" bIns="45720" rtlCol="0">
+            <a:normAutofit/>
+          </a:bodyPr>
+          <a:lstStyle/>
+          <a:p>
+            <a:pPr lvl="0"/>
+            <a:r>
+              <a:rPr lang="en-US"/>
+              <a:t>Edit Master text styles</a:t>
+            </a:r>
+          </a:p>
+          <a:p>
+            <a:pPr lvl="1"/>
+            <a:r>
+              <a:rPr lang="en-US"/>
+              <a:t>Second level</a:t>
+            </a:r>
+          </a:p>
+          <a:p>
+            <a:pPr lvl="2"/>
+            <a:r>
+              <a:rPr lang="en-US"/>
+              <a:t>Third level</a:t>
+            </a:r>
+          </a:p>
+          <a:p>
+            <a:pPr lvl="3"/>
+            <a:r>
+              <a:rPr lang="en-US"/>
+              <a:t>Fourth level</a:t>
+            </a:r>
+          </a:p>
+          <a:p>
+            <a:pPr lvl="4"/>
+            <a:r>
+              <a:rPr lang="en-US"/>
+              <a:t>Fifth level</a:t>
+            </a:r>
+          </a:p>
+        </p:txBody>
+      </p:sp>
+      <p:sp>
+        <p:nvSpPr>
+          <p:cNvPr id="4" name="Date Placeholder 3"/>
+          <p:cNvSpPr>
+            <a:spLocks noGrp="1"/>
+          </p:cNvSpPr>
+          <p:nvPr>
+            <p:ph type="dt" sz="half" idx="2"/>
+          </p:nvPr>
+        </p:nvSpPr>
+        <p:spPr>
+          <a:xfrm>
+            <a:off x="838200" y="6356350"/>
+            <a:ext cx="2743200" cy="365125"/>
+          </a:xfrm>
+          <a:prstGeom prst="rect">
+            <a:avLst/>
+          </a:prstGeom>
+        </p:spPr>
+        <p:txBody>
+          <a:bodyPr vert="horz" lIns="91440" tIns="45720" rIns="91440" bIns="45720" rtlCol="0" anchor="ctr"/>
+          <a:lstStyle>
+            <a:lvl1pPr algn="l">
+              <a:defRPr sz="1200">
+                <a:solidFill>
+                  <a:schemeClr val="tx1">
+                    <a:tint val="75000"/>
+                  </a:schemeClr>
+                </a:solidFill>
+              </a:defRPr>
+            </a:lvl1pPr>
+          </a:lstStyle>
+          <a:p>
+            <a:fld id="{0459C166-16D3-4A25-A2F8-C51E0E346B22}" type="datetimeFigureOut">
+              <a:rPr lang="en-US" smtClean="0">
+                <a:solidFill>
+                  <a:prstClr val="black">
+                    <a:tint val="75000"/>
+                  </a:prstClr>
+                </a:solidFill>
+                <a:latin typeface="Segoe UI"/>
+              </a:rPr>
+              <a:pPr/>
+              <a:t>6/29/16</a:t>
+            </a:fld>
+            <a:endParaRPr lang="en-US">
+              <a:solidFill>
+                <a:prstClr val="black">
+                  <a:tint val="75000"/>
+                </a:prstClr>
+              </a:solidFill>
+              <a:latin typeface="Segoe UI"/>
+            </a:endParaRPr>
+          </a:p>
+        </p:txBody>
+      </p:sp>
+      <p:sp>
+        <p:nvSpPr>
+          <p:cNvPr id="5" name="Footer Placeholder 4"/>
+          <p:cNvSpPr>
+            <a:spLocks noGrp="1"/>
+          </p:cNvSpPr>
+          <p:nvPr>
+            <p:ph type="ftr" sz="quarter" idx="3"/>
+          </p:nvPr>
+        </p:nvSpPr>
+        <p:spPr>
+          <a:xfrm>
+            <a:off x="4038600" y="6356350"/>
+            <a:ext cx="4114800" cy="365125"/>
+          </a:xfrm>
+          <a:prstGeom prst="rect">
+            <a:avLst/>
+          </a:prstGeom>
+        </p:spPr>
+        <p:txBody>
+          <a:bodyPr vert="horz" lIns="91440" tIns="45720" rIns="91440" bIns="45720" rtlCol="0" anchor="ctr"/>
+          <a:lstStyle>
+            <a:lvl1pPr algn="ctr">
+              <a:defRPr sz="1200">
+                <a:solidFill>
+                  <a:schemeClr val="tx1">
+                    <a:tint val="75000"/>
+                  </a:schemeClr>
+                </a:solidFill>
+              </a:defRPr>
+            </a:lvl1pPr>
+          </a:lstStyle>
+          <a:p>
+            <a:endParaRPr lang="en-US">
+              <a:solidFill>
+                <a:prstClr val="black">
+                  <a:tint val="75000"/>
+                </a:prstClr>
+              </a:solidFill>
+              <a:latin typeface="Segoe UI"/>
+            </a:endParaRPr>
+          </a:p>
+        </p:txBody>
+      </p:sp>
+      <p:sp>
+        <p:nvSpPr>
+          <p:cNvPr id="6" name="Slide Number Placeholder 5"/>
+          <p:cNvSpPr>
+            <a:spLocks noGrp="1"/>
+          </p:cNvSpPr>
+          <p:nvPr>
+            <p:ph type="sldNum" sz="quarter" idx="4"/>
+          </p:nvPr>
+        </p:nvSpPr>
+        <p:spPr>
+          <a:xfrm>
+            <a:off x="8610600" y="6356350"/>
+            <a:ext cx="2743200" cy="365125"/>
+          </a:xfrm>
+          <a:prstGeom prst="rect">
+            <a:avLst/>
+          </a:prstGeom>
+        </p:spPr>
+        <p:txBody>
+          <a:bodyPr vert="horz" lIns="91440" tIns="45720" rIns="91440" bIns="45720" rtlCol="0" anchor="ctr"/>
+          <a:lstStyle>
+            <a:lvl1pPr algn="r">
+              <a:defRPr sz="1200">
+                <a:solidFill>
+                  <a:schemeClr val="tx1">
+                    <a:tint val="75000"/>
+                  </a:schemeClr>
+                </a:solidFill>
+              </a:defRPr>
+            </a:lvl1pPr>
+          </a:lstStyle>
+          <a:p>
+            <a:fld id="{59DE4316-4355-4038-9262-DF05D0694534}" type="slidenum">
+              <a:rPr lang="en-US" smtClean="0">
+                <a:solidFill>
+                  <a:prstClr val="black">
+                    <a:tint val="75000"/>
+                  </a:prstClr>
+                </a:solidFill>
+                <a:latin typeface="Segoe UI"/>
+              </a:rPr>
+              <a:pPr/>
+              <a:t>‹#›</a:t>
+            </a:fld>
+            <a:endParaRPr lang="en-US">
+              <a:solidFill>
+                <a:prstClr val="black">
+                  <a:tint val="75000"/>
+                </a:prstClr>
+              </a:solidFill>
+              <a:latin typeface="Segoe UI"/>
+            </a:endParaRPr>
+          </a:p>
+        </p:txBody>
+      </p:sp>
+    </p:spTree>
+    <p:extLst>
+      <p:ext uri="{BB962C8B-B14F-4D97-AF65-F5344CB8AC3E}">
+        <p14:creationId xmlns:p14="http://schemas.microsoft.com/office/powerpoint/2010/main" val="1620528722"/>
+      </p:ext>
+    </p:extLst>
+  </p:cSld>
+  <p:clrMap bg1="lt1" tx1="dk1" bg2="lt2" tx2="dk2" accent1="accent1" accent2="accent2" accent3="accent3" accent4="accent4" accent5="accent5" accent6="accent6" hlink="hlink" folHlink="folHlink"/>
+  <p:sldLayoutIdLst>
+    <p:sldLayoutId id="2147483739" r:id="rId1"/>
+    <p:sldLayoutId id="2147483740" r:id="rId2"/>
+    <p:sldLayoutId id="2147483741" r:id="rId3"/>
+    <p:sldLayoutId id="2147483742" r:id="rId4"/>
+    <p:sldLayoutId id="2147483743" r:id="rId5"/>
+    <p:sldLayoutId id="2147483744" r:id="rId6"/>
+    <p:sldLayoutId id="2147483745" r:id="rId7"/>
+    <p:sldLayoutId id="2147483746" r:id="rId8"/>
+    <p:sldLayoutId id="2147483747" r:id="rId9"/>
+    <p:sldLayoutId id="2147483748" r:id="rId10"/>
+    <p:sldLayoutId id="2147483749" r:id="rId11"/>
+    <p:sldLayoutId id="2147483750" r:id="rId12"/>
+    <p:sldLayoutId id="2147483751" r:id="rId13"/>
+    <p:sldLayoutId id="2147483752" r:id="rId14"/>
+    <p:sldLayoutId id="2147483753" r:id="rId15"/>
+    <p:sldLayoutId id="2147483754" r:id="rId16"/>
   </p:sldLayoutIdLst>
   <p:txStyles>
     <p:titleStyle>
@@ -23953,7 +28629,7 @@
         </p:nvSpPr>
         <p:spPr/>
         <p:txBody>
-          <a:bodyPr vert="horz" lIns="91440" tIns="45720" rIns="91440" bIns="45720" rtlCol="0" anchor="t">
+          <a:bodyPr>
             <a:normAutofit/>
           </a:bodyPr>
           <a:lstStyle/>
@@ -23976,23 +28652,19 @@
                   <a:srgbClr val="FFFF00"/>
                 </a:solidFill>
               </a:rPr>
-              <a:t>, </a:t>
-            </a:r>
-            <a:r>
-              <a:rPr lang="en-US" sz="4000">
+              <a:t>, Lesson </a:t>
+            </a:r>
+            <a:r>
+              <a:rPr lang="en-US" dirty="0"/>
+              <a:t>6</a:t>
+            </a:r>
+            <a:r>
+              <a:rPr lang="en-US" sz="4000" dirty="0" smtClean="0">
                 <a:solidFill>
                   <a:srgbClr val="FFFF00"/>
                 </a:solidFill>
               </a:rPr>
-              <a:t>Lesson </a:t>
-            </a:r>
-            <a:r>
-              <a:rPr lang="en-US" sz="4000" smtClean="0">
-                <a:solidFill>
-                  <a:srgbClr val="FFFF00"/>
-                </a:solidFill>
-              </a:rPr>
-              <a:t>6: </a:t>
+              <a:t>: </a:t>
             </a:r>
             <a:endParaRPr lang="en-US" sz="4000" dirty="0">
               <a:solidFill>
@@ -24854,7 +29526,7 @@
           <p:nvPr>
             <p:extLst>
               <p:ext uri="{D42A27DB-BD31-4B8C-83A1-F6EECF244321}">
-                <p14:modId xmlns:p14="http://schemas.microsoft.com/office/powerpoint/2010/main" val="3740619400"/>
+                <p14:modId xmlns:p14="http://schemas.microsoft.com/office/powerpoint/2010/main" val="208602238"/>
               </p:ext>
             </p:extLst>
           </p:nvPr>
@@ -24867,7 +29539,7 @@
           <a:graphicData uri="http://schemas.openxmlformats.org/presentationml/2006/ole">
             <mc:AlternateContent xmlns:mc="http://schemas.openxmlformats.org/markup-compatibility/2006">
               <mc:Choice xmlns:v="urn:schemas-microsoft-com:vml" Requires="v">
-                <p:oleObj spid="_x0000_s3108" name="Equation" r:id="rId4" imgW="1130300" imgH="215900" progId="Equation.3">
+                <p:oleObj spid="_x0000_s3120" name="Equation" r:id="rId4" imgW="1130300" imgH="215900" progId="Equation.3">
                   <p:embed/>
                 </p:oleObj>
               </mc:Choice>
@@ -24924,7 +29596,7 @@
           <a:graphicData uri="http://schemas.openxmlformats.org/presentationml/2006/ole">
             <mc:AlternateContent xmlns:mc="http://schemas.openxmlformats.org/markup-compatibility/2006">
               <mc:Choice xmlns:v="urn:schemas-microsoft-com:vml" Requires="v">
-                <p:oleObj spid="_x0000_s3109" name="Equation" r:id="rId6" imgW="1155700" imgH="215900" progId="Equation.3">
+                <p:oleObj spid="_x0000_s3121" name="Equation" r:id="rId6" imgW="1155700" imgH="215900" progId="Equation.3">
                   <p:embed/>
                 </p:oleObj>
               </mc:Choice>
@@ -24981,7 +29653,7 @@
           <a:graphicData uri="http://schemas.openxmlformats.org/presentationml/2006/ole">
             <mc:AlternateContent xmlns:mc="http://schemas.openxmlformats.org/markup-compatibility/2006">
               <mc:Choice xmlns:v="urn:schemas-microsoft-com:vml" Requires="v">
-                <p:oleObj spid="_x0000_s3110" name="Equation" r:id="rId8" imgW="2895600" imgH="203200" progId="Equation.3">
+                <p:oleObj spid="_x0000_s3122" name="Equation" r:id="rId8" imgW="2895600" imgH="203200" progId="Equation.3">
                   <p:embed/>
                 </p:oleObj>
               </mc:Choice>
@@ -25923,110 +30595,6 @@
           </a:fontRef>
         </p:style>
       </p:cxnSp>
-      <mc:AlternateContent xmlns:mc="http://schemas.openxmlformats.org/markup-compatibility/2006" xmlns:a14="http://schemas.microsoft.com/office/drawing/2010/main">
-        <mc:Choice Requires="a14">
-          <p:sp>
-            <p:nvSpPr>
-              <p:cNvPr id="19" name="Rectangle 18"/>
-              <p:cNvSpPr/>
-              <p:nvPr/>
-            </p:nvSpPr>
-            <p:spPr>
-              <a:xfrm>
-                <a:off x="8321486" y="4342339"/>
-                <a:ext cx="444674" cy="369332"/>
-              </a:xfrm>
-              <a:prstGeom prst="rect">
-                <a:avLst/>
-              </a:prstGeom>
-            </p:spPr>
-            <p:txBody>
-              <a:bodyPr wrap="none">
-                <a:spAutoFit/>
-              </a:bodyPr>
-              <a:lstStyle/>
-              <a:p>
-                <a14:m>
-                  <m:oMathPara xmlns="" xmlns:m="http://schemas.openxmlformats.org/officeDocument/2006/math">
-                    <m:oMathParaPr>
-                      <m:jc m:val="centerGroup"/>
-                    </m:oMathParaPr>
-                    <m:oMath xmlns:m="http://schemas.openxmlformats.org/officeDocument/2006/math">
-                      <m:sSub>
-                        <m:sSubPr>
-                          <m:ctrlPr>
-                            <a:rPr lang="en-US" i="1" smtClean="0">
-                              <a:latin typeface="Cambria Math" panose="02040503050406030204" pitchFamily="18" charset="0"/>
-                              <a:ea typeface="Cambria Math" panose="02040503050406030204" pitchFamily="18" charset="0"/>
-                            </a:rPr>
-                          </m:ctrlPr>
-                        </m:sSubPr>
-                        <m:e>
-                          <m:r>
-                            <a:rPr lang="en-US" b="0" i="1" smtClean="0">
-                              <a:latin typeface="Cambria Math" panose="02040503050406030204" pitchFamily="18" charset="0"/>
-                              <a:ea typeface="Cambria Math" panose="02040503050406030204" pitchFamily="18" charset="0"/>
-                            </a:rPr>
-                            <m:t>𝑦</m:t>
-                          </m:r>
-                        </m:e>
-                        <m:sub>
-                          <m:r>
-                            <a:rPr lang="en-US" b="0" i="1" smtClean="0">
-                              <a:latin typeface="Cambria Math" panose="02040503050406030204" pitchFamily="18" charset="0"/>
-                              <a:ea typeface="Cambria Math" panose="02040503050406030204" pitchFamily="18" charset="0"/>
-                            </a:rPr>
-                            <m:t>𝑖</m:t>
-                          </m:r>
-                        </m:sub>
-                      </m:sSub>
-                    </m:oMath>
-                  </m:oMathPara>
-                </a14:m>
-                <a:endParaRPr lang="en-US" dirty="0"/>
-              </a:p>
-            </p:txBody>
-          </p:sp>
-        </mc:Choice>
-        <mc:Fallback xmlns="">
-          <p:sp>
-            <p:nvSpPr>
-              <p:cNvPr id="19" name="Rectangle 18"/>
-              <p:cNvSpPr>
-                <a:spLocks noRot="1" noChangeAspect="1" noMove="1" noResize="1" noEditPoints="1" noAdjustHandles="1" noChangeArrowheads="1" noChangeShapeType="1" noTextEdit="1"/>
-              </p:cNvSpPr>
-              <p:nvPr/>
-            </p:nvSpPr>
-            <p:spPr>
-              <a:xfrm>
-                <a:off x="8321486" y="4342339"/>
-                <a:ext cx="444674" cy="369332"/>
-              </a:xfrm>
-              <a:prstGeom prst="rect">
-                <a:avLst/>
-              </a:prstGeom>
-              <a:blipFill>
-                <a:blip r:embed="rId4"/>
-                <a:stretch>
-                  <a:fillRect b="-9836"/>
-                </a:stretch>
-              </a:blipFill>
-            </p:spPr>
-            <p:txBody>
-              <a:bodyPr/>
-              <a:lstStyle/>
-              <a:p>
-                <a:r>
-                  <a:rPr lang="en-US">
-                    <a:noFill/>
-                  </a:rPr>
-                  <a:t> </a:t>
-                </a:r>
-              </a:p>
-            </p:txBody>
-          </p:sp>
-        </mc:Fallback>
-      </mc:AlternateContent>
       <p:sp>
         <p:nvSpPr>
           <p:cNvPr id="44" name="Content Placeholder 2"/>
@@ -26118,7 +30686,7 @@
           <p:nvPr>
             <p:extLst>
               <p:ext uri="{D42A27DB-BD31-4B8C-83A1-F6EECF244321}">
-                <p14:modId xmlns:p14="http://schemas.microsoft.com/office/powerpoint/2010/main" val="3136415946"/>
+                <p14:modId xmlns:p14="http://schemas.microsoft.com/office/powerpoint/2010/main" val="3533855217"/>
               </p:ext>
             </p:extLst>
           </p:nvPr>
@@ -26131,12 +30699,12 @@
           <a:graphicData uri="http://schemas.openxmlformats.org/presentationml/2006/ole">
             <mc:AlternateContent xmlns:mc="http://schemas.openxmlformats.org/markup-compatibility/2006">
               <mc:Choice xmlns:v="urn:schemas-microsoft-com:vml" Requires="v">
-                <p:oleObj spid="_x0000_s4127" name="Equation" r:id="rId5" imgW="1231900" imgH="241300" progId="Equation.3">
+                <p:oleObj spid="_x0000_s4139" name="Equation" r:id="rId4" imgW="1231900" imgH="241300" progId="Equation.3">
                   <p:embed/>
                 </p:oleObj>
               </mc:Choice>
               <mc:Fallback>
-                <p:oleObj name="Equation" r:id="rId5" imgW="1231900" imgH="241300" progId="Equation.3">
+                <p:oleObj name="Equation" r:id="rId4" imgW="1231900" imgH="241300" progId="Equation.3">
                   <p:embed/>
                   <p:pic>
                     <p:nvPicPr>
@@ -26145,7 +30713,7 @@
                       <p:nvPr/>
                     </p:nvPicPr>
                     <p:blipFill>
-                      <a:blip r:embed="rId6"/>
+                      <a:blip r:embed="rId5"/>
                       <a:stretch>
                         <a:fillRect/>
                       </a:stretch>
@@ -26188,12 +30756,12 @@
           <a:graphicData uri="http://schemas.openxmlformats.org/presentationml/2006/ole">
             <mc:AlternateContent xmlns:mc="http://schemas.openxmlformats.org/markup-compatibility/2006">
               <mc:Choice xmlns:v="urn:schemas-microsoft-com:vml" Requires="v">
-                <p:oleObj spid="_x0000_s4128" name="Equation" r:id="rId7" imgW="1346200" imgH="279400" progId="Equation.3">
+                <p:oleObj spid="_x0000_s4140" name="Equation" r:id="rId6" imgW="1346200" imgH="279400" progId="Equation.3">
                   <p:embed/>
                 </p:oleObj>
               </mc:Choice>
               <mc:Fallback>
-                <p:oleObj name="Equation" r:id="rId7" imgW="1346200" imgH="279400" progId="Equation.3">
+                <p:oleObj name="Equation" r:id="rId6" imgW="1346200" imgH="279400" progId="Equation.3">
                   <p:embed/>
                   <p:pic>
                     <p:nvPicPr>
@@ -26202,7 +30770,7 @@
                       <p:nvPr/>
                     </p:nvPicPr>
                     <p:blipFill>
-                      <a:blip r:embed="rId8"/>
+                      <a:blip r:embed="rId7"/>
                       <a:stretch>
                         <a:fillRect/>
                       </a:stretch>
@@ -26245,12 +30813,12 @@
           <a:graphicData uri="http://schemas.openxmlformats.org/presentationml/2006/ole">
             <mc:AlternateContent xmlns:mc="http://schemas.openxmlformats.org/markup-compatibility/2006">
               <mc:Choice xmlns:v="urn:schemas-microsoft-com:vml" Requires="v">
-                <p:oleObj spid="_x0000_s4129" name="Equation" r:id="rId9" imgW="1524000" imgH="457200" progId="Equation.3">
+                <p:oleObj spid="_x0000_s4141" name="Equation" r:id="rId8" imgW="1524000" imgH="457200" progId="Equation.3">
                   <p:embed/>
                 </p:oleObj>
               </mc:Choice>
               <mc:Fallback>
-                <p:oleObj name="Equation" r:id="rId9" imgW="1524000" imgH="457200" progId="Equation.3">
+                <p:oleObj name="Equation" r:id="rId8" imgW="1524000" imgH="457200" progId="Equation.3">
                   <p:embed/>
                   <p:pic>
                     <p:nvPicPr>
@@ -26259,7 +30827,7 @@
                       <p:nvPr/>
                     </p:nvPicPr>
                     <p:blipFill>
-                      <a:blip r:embed="rId10"/>
+                      <a:blip r:embed="rId9"/>
                       <a:stretch>
                         <a:fillRect/>
                       </a:stretch>
@@ -26280,6 +30848,49 @@
           </a:graphicData>
         </a:graphic>
       </p:graphicFrame>
+      <p:sp>
+        <p:nvSpPr>
+          <p:cNvPr id="3" name="TextBox 2"/>
+          <p:cNvSpPr txBox="1"/>
+          <p:nvPr/>
+        </p:nvSpPr>
+        <p:spPr>
+          <a:xfrm>
+            <a:off x="8339163" y="4411636"/>
+            <a:ext cx="453908" cy="461665"/>
+          </a:xfrm>
+          <a:prstGeom prst="rect">
+            <a:avLst/>
+          </a:prstGeom>
+          <a:noFill/>
+        </p:spPr>
+        <p:txBody>
+          <a:bodyPr wrap="none" rtlCol="0">
+            <a:spAutoFit/>
+          </a:bodyPr>
+          <a:lstStyle/>
+          <a:p>
+            <a:r>
+              <a:rPr lang="en-US" sz="2400" i="1" dirty="0" err="1">
+                <a:latin typeface="Times"/>
+                <a:cs typeface="Times"/>
+              </a:rPr>
+              <a:t>y</a:t>
+            </a:r>
+            <a:r>
+              <a:rPr lang="en-US" sz="2400" i="1" baseline="-25000" dirty="0" err="1">
+                <a:latin typeface="Times"/>
+                <a:cs typeface="Times"/>
+              </a:rPr>
+              <a:t>i</a:t>
+            </a:r>
+            <a:endParaRPr lang="en-US" sz="2400" i="1" dirty="0">
+              <a:latin typeface="Times"/>
+              <a:cs typeface="Times"/>
+            </a:endParaRPr>
+          </a:p>
+        </p:txBody>
+      </p:sp>
     </p:spTree>
     <p:extLst>
       <p:ext uri="{BB962C8B-B14F-4D97-AF65-F5344CB8AC3E}">
@@ -26332,185 +30943,6 @@
           </a:p>
         </p:txBody>
       </p:sp>
-      <p:grpSp>
-        <p:nvGrpSpPr>
-          <p:cNvPr id="5" name="Group 4"/>
-          <p:cNvGrpSpPr/>
-          <p:nvPr/>
-        </p:nvGrpSpPr>
-        <p:grpSpPr>
-          <a:xfrm>
-            <a:off x="1571325" y="4750096"/>
-            <a:ext cx="9049351" cy="977900"/>
-            <a:chOff x="1551042" y="4750096"/>
-            <a:chExt cx="9049351" cy="977900"/>
-          </a:xfrm>
-        </p:grpSpPr>
-        <p:sp>
-          <p:nvSpPr>
-            <p:cNvPr id="6" name="Right Arrow 5"/>
-            <p:cNvSpPr/>
-            <p:nvPr/>
-          </p:nvSpPr>
-          <p:spPr>
-            <a:xfrm>
-              <a:off x="4499108" y="4910595"/>
-              <a:ext cx="1140643" cy="656903"/>
-            </a:xfrm>
-            <a:prstGeom prst="rightArrow">
-              <a:avLst/>
-            </a:prstGeom>
-            <a:solidFill>
-              <a:srgbClr val="336FC0"/>
-            </a:solidFill>
-            <a:ln>
-              <a:noFill/>
-            </a:ln>
-          </p:spPr>
-          <p:style>
-            <a:lnRef idx="2">
-              <a:schemeClr val="accent1">
-                <a:shade val="50000"/>
-              </a:schemeClr>
-            </a:lnRef>
-            <a:fillRef idx="1">
-              <a:schemeClr val="accent1"/>
-            </a:fillRef>
-            <a:effectRef idx="0">
-              <a:schemeClr val="accent1"/>
-            </a:effectRef>
-            <a:fontRef idx="minor">
-              <a:schemeClr val="lt1"/>
-            </a:fontRef>
-          </p:style>
-          <p:txBody>
-            <a:bodyPr rtlCol="0" anchor="ctr"/>
-            <a:lstStyle/>
-            <a:p>
-              <a:pPr algn="ctr"/>
-              <a:endParaRPr lang="en-US" dirty="0">
-                <a:solidFill>
-                  <a:schemeClr val="bg1"/>
-                </a:solidFill>
-              </a:endParaRPr>
-            </a:p>
-          </p:txBody>
-        </p:sp>
-        <p:graphicFrame>
-          <p:nvGraphicFramePr>
-            <p:cNvPr id="4" name="Object 3"/>
-            <p:cNvGraphicFramePr>
-              <a:graphicFrameLocks noChangeAspect="1"/>
-            </p:cNvGraphicFramePr>
-            <p:nvPr>
-              <p:extLst>
-                <p:ext uri="{D42A27DB-BD31-4B8C-83A1-F6EECF244321}">
-                  <p14:modId xmlns:p14="http://schemas.microsoft.com/office/powerpoint/2010/main" val="1880255779"/>
-                </p:ext>
-              </p:extLst>
-            </p:nvPr>
-          </p:nvGraphicFramePr>
-          <p:xfrm>
-            <a:off x="1551042" y="5007646"/>
-            <a:ext cx="2422899" cy="462801"/>
-          </p:xfrm>
-          <a:graphic>
-            <a:graphicData uri="http://schemas.openxmlformats.org/presentationml/2006/ole">
-              <mc:AlternateContent xmlns:mc="http://schemas.openxmlformats.org/markup-compatibility/2006">
-                <mc:Choice xmlns:v="urn:schemas-microsoft-com:vml" Requires="v">
-                  <p:oleObj spid="_x0000_s5140" name="Equation" r:id="rId4" imgW="1130300" imgH="215900" progId="Equation.3">
-                    <p:embed/>
-                  </p:oleObj>
-                </mc:Choice>
-                <mc:Fallback>
-                  <p:oleObj name="Equation" r:id="rId4" imgW="1130300" imgH="215900" progId="Equation.3">
-                    <p:embed/>
-                    <p:pic>
-                      <p:nvPicPr>
-                        <p:cNvPr id="0" name=""/>
-                        <p:cNvPicPr/>
-                        <p:nvPr/>
-                      </p:nvPicPr>
-                      <p:blipFill>
-                        <a:blip r:embed="rId5"/>
-                        <a:stretch>
-                          <a:fillRect/>
-                        </a:stretch>
-                      </p:blipFill>
-                      <p:spPr>
-                        <a:xfrm>
-                          <a:off x="1551042" y="5007646"/>
-                          <a:ext cx="2422899" cy="462801"/>
-                        </a:xfrm>
-                        <a:prstGeom prst="rect">
-                          <a:avLst/>
-                        </a:prstGeom>
-                      </p:spPr>
-                    </p:pic>
-                  </p:oleObj>
-                </mc:Fallback>
-              </mc:AlternateContent>
-            </a:graphicData>
-          </a:graphic>
-        </p:graphicFrame>
-        <p:graphicFrame>
-          <p:nvGraphicFramePr>
-            <p:cNvPr id="11" name="Object 10"/>
-            <p:cNvGraphicFramePr>
-              <a:graphicFrameLocks noChangeAspect="1"/>
-            </p:cNvGraphicFramePr>
-            <p:nvPr>
-              <p:extLst>
-                <p:ext uri="{D42A27DB-BD31-4B8C-83A1-F6EECF244321}">
-                  <p14:modId xmlns:p14="http://schemas.microsoft.com/office/powerpoint/2010/main" val="2293290470"/>
-                </p:ext>
-              </p:extLst>
-            </p:nvPr>
-          </p:nvGraphicFramePr>
-          <p:xfrm>
-            <a:off x="6164918" y="4750096"/>
-            <a:ext cx="4435475" cy="977900"/>
-          </p:xfrm>
-          <a:graphic>
-            <a:graphicData uri="http://schemas.openxmlformats.org/presentationml/2006/ole">
-              <mc:AlternateContent xmlns:mc="http://schemas.openxmlformats.org/markup-compatibility/2006">
-                <mc:Choice xmlns:v="urn:schemas-microsoft-com:vml" Requires="v">
-                  <p:oleObj spid="_x0000_s5141" name="Equation" r:id="rId6" imgW="2070100" imgH="457200" progId="Equation.3">
-                    <p:embed/>
-                  </p:oleObj>
-                </mc:Choice>
-                <mc:Fallback>
-                  <p:oleObj name="Equation" r:id="rId6" imgW="2070100" imgH="457200" progId="Equation.3">
-                    <p:embed/>
-                    <p:pic>
-                      <p:nvPicPr>
-                        <p:cNvPr id="0" name=""/>
-                        <p:cNvPicPr/>
-                        <p:nvPr/>
-                      </p:nvPicPr>
-                      <p:blipFill>
-                        <a:blip r:embed="rId7"/>
-                        <a:stretch>
-                          <a:fillRect/>
-                        </a:stretch>
-                      </p:blipFill>
-                      <p:spPr>
-                        <a:xfrm>
-                          <a:off x="6164918" y="4750096"/>
-                          <a:ext cx="4435475" cy="977900"/>
-                        </a:xfrm>
-                        <a:prstGeom prst="rect">
-                          <a:avLst/>
-                        </a:prstGeom>
-                      </p:spPr>
-                    </p:pic>
-                  </p:oleObj>
-                </mc:Fallback>
-              </mc:AlternateContent>
-            </a:graphicData>
-          </a:graphic>
-        </p:graphicFrame>
-      </p:grpSp>
       <p:sp>
         <p:nvSpPr>
           <p:cNvPr id="9" name="Content Placeholder 8"/>
@@ -26718,8 +31150,187 @@
                     <a:srgbClr val="FFFFFF"/>
                   </a:solidFill>
                 </a:rPr>
-                <a:t>such that Sum of Squared Error (SSE) is minimized  </a:t>
+                <a:t>such that Sum of Squared Error (SSE) is minimized</a:t>
               </a:r>
+            </a:p>
+          </p:txBody>
+        </p:sp>
+      </p:grpSp>
+      <p:grpSp>
+        <p:nvGrpSpPr>
+          <p:cNvPr id="7" name="Group 6"/>
+          <p:cNvGrpSpPr/>
+          <p:nvPr/>
+        </p:nvGrpSpPr>
+        <p:grpSpPr>
+          <a:xfrm>
+            <a:off x="1571325" y="4899025"/>
+            <a:ext cx="9185575" cy="679450"/>
+            <a:chOff x="1571325" y="4899025"/>
+            <a:chExt cx="9185575" cy="679450"/>
+          </a:xfrm>
+        </p:grpSpPr>
+        <p:graphicFrame>
+          <p:nvGraphicFramePr>
+            <p:cNvPr id="4" name="Object 3"/>
+            <p:cNvGraphicFramePr>
+              <a:graphicFrameLocks noChangeAspect="1"/>
+            </p:cNvGraphicFramePr>
+            <p:nvPr>
+              <p:extLst>
+                <p:ext uri="{D42A27DB-BD31-4B8C-83A1-F6EECF244321}">
+                  <p14:modId xmlns:p14="http://schemas.microsoft.com/office/powerpoint/2010/main" val="272160101"/>
+                </p:ext>
+              </p:extLst>
+            </p:nvPr>
+          </p:nvGraphicFramePr>
+          <p:xfrm>
+            <a:off x="1571325" y="5007646"/>
+            <a:ext cx="2422899" cy="462801"/>
+          </p:xfrm>
+          <a:graphic>
+            <a:graphicData uri="http://schemas.openxmlformats.org/presentationml/2006/ole">
+              <mc:AlternateContent xmlns:mc="http://schemas.openxmlformats.org/markup-compatibility/2006">
+                <mc:Choice xmlns:v="urn:schemas-microsoft-com:vml" Requires="v">
+                  <p:oleObj spid="_x0000_s5148" name="Equation" r:id="rId4" imgW="1130300" imgH="215900" progId="Equation.3">
+                    <p:embed/>
+                  </p:oleObj>
+                </mc:Choice>
+                <mc:Fallback>
+                  <p:oleObj name="Equation" r:id="rId4" imgW="1130300" imgH="215900" progId="Equation.3">
+                    <p:embed/>
+                    <p:pic>
+                      <p:nvPicPr>
+                        <p:cNvPr id="0" name=""/>
+                        <p:cNvPicPr/>
+                        <p:nvPr/>
+                      </p:nvPicPr>
+                      <p:blipFill>
+                        <a:blip r:embed="rId5"/>
+                        <a:stretch>
+                          <a:fillRect/>
+                        </a:stretch>
+                      </p:blipFill>
+                      <p:spPr>
+                        <a:xfrm>
+                          <a:off x="1571325" y="5007646"/>
+                          <a:ext cx="2422899" cy="462801"/>
+                        </a:xfrm>
+                        <a:prstGeom prst="rect">
+                          <a:avLst/>
+                        </a:prstGeom>
+                      </p:spPr>
+                    </p:pic>
+                  </p:oleObj>
+                </mc:Fallback>
+              </mc:AlternateContent>
+            </a:graphicData>
+          </a:graphic>
+        </p:graphicFrame>
+        <p:graphicFrame>
+          <p:nvGraphicFramePr>
+            <p:cNvPr id="11" name="Object 10"/>
+            <p:cNvGraphicFramePr>
+              <a:graphicFrameLocks noChangeAspect="1"/>
+            </p:cNvGraphicFramePr>
+            <p:nvPr>
+              <p:extLst>
+                <p:ext uri="{D42A27DB-BD31-4B8C-83A1-F6EECF244321}">
+                  <p14:modId xmlns:p14="http://schemas.microsoft.com/office/powerpoint/2010/main" val="2981224601"/>
+                </p:ext>
+              </p:extLst>
+            </p:nvPr>
+          </p:nvGraphicFramePr>
+          <p:xfrm>
+            <a:off x="6049963" y="4899025"/>
+            <a:ext cx="4706937" cy="679450"/>
+          </p:xfrm>
+          <a:graphic>
+            <a:graphicData uri="http://schemas.openxmlformats.org/presentationml/2006/ole">
+              <mc:AlternateContent xmlns:mc="http://schemas.openxmlformats.org/markup-compatibility/2006">
+                <mc:Choice xmlns:v="urn:schemas-microsoft-com:vml" Requires="v">
+                  <p:oleObj spid="_x0000_s5149" name="Equation" r:id="rId6" imgW="2197100" imgH="317500" progId="Equation.3">
+                    <p:embed/>
+                  </p:oleObj>
+                </mc:Choice>
+                <mc:Fallback>
+                  <p:oleObj name="Equation" r:id="rId6" imgW="2197100" imgH="317500" progId="Equation.3">
+                    <p:embed/>
+                    <p:pic>
+                      <p:nvPicPr>
+                        <p:cNvPr id="0" name=""/>
+                        <p:cNvPicPr/>
+                        <p:nvPr/>
+                      </p:nvPicPr>
+                      <p:blipFill>
+                        <a:blip r:embed="rId7"/>
+                        <a:stretch>
+                          <a:fillRect/>
+                        </a:stretch>
+                      </p:blipFill>
+                      <p:spPr>
+                        <a:xfrm>
+                          <a:off x="6049963" y="4899025"/>
+                          <a:ext cx="4706937" cy="679450"/>
+                        </a:xfrm>
+                        <a:prstGeom prst="rect">
+                          <a:avLst/>
+                        </a:prstGeom>
+                      </p:spPr>
+                    </p:pic>
+                  </p:oleObj>
+                </mc:Fallback>
+              </mc:AlternateContent>
+            </a:graphicData>
+          </a:graphic>
+        </p:graphicFrame>
+        <p:sp>
+          <p:nvSpPr>
+            <p:cNvPr id="3" name="Chevron 2"/>
+            <p:cNvSpPr/>
+            <p:nvPr/>
+          </p:nvSpPr>
+          <p:spPr>
+            <a:xfrm>
+              <a:off x="4437570" y="5064733"/>
+              <a:ext cx="1169046" cy="348035"/>
+            </a:xfrm>
+            <a:prstGeom prst="chevron">
+              <a:avLst/>
+            </a:prstGeom>
+            <a:solidFill>
+              <a:srgbClr val="49AFEF"/>
+            </a:solidFill>
+            <a:ln>
+              <a:noFill/>
+            </a:ln>
+          </p:spPr>
+          <p:style>
+            <a:lnRef idx="2">
+              <a:schemeClr val="accent1">
+                <a:shade val="50000"/>
+              </a:schemeClr>
+            </a:lnRef>
+            <a:fillRef idx="1">
+              <a:schemeClr val="accent1"/>
+            </a:fillRef>
+            <a:effectRef idx="0">
+              <a:schemeClr val="accent1"/>
+            </a:effectRef>
+            <a:fontRef idx="minor">
+              <a:schemeClr val="lt1"/>
+            </a:fontRef>
+          </p:style>
+          <p:txBody>
+            <a:bodyPr rtlCol="0" anchor="ctr"/>
+            <a:lstStyle/>
+            <a:p>
+              <a:pPr algn="ctr"/>
+              <a:endParaRPr lang="en-US" dirty="0">
+                <a:solidFill>
+                  <a:schemeClr val="bg1"/>
+                </a:solidFill>
+              </a:endParaRPr>
             </a:p>
           </p:txBody>
         </p:sp>
@@ -30216,7 +34827,7 @@
           <a:graphicData uri="http://schemas.openxmlformats.org/presentationml/2006/ole">
             <mc:AlternateContent xmlns:mc="http://schemas.openxmlformats.org/markup-compatibility/2006">
               <mc:Choice xmlns:v="urn:schemas-microsoft-com:vml" Requires="v">
-                <p:oleObj spid="_x0000_s6154" name="Equation" r:id="rId4" imgW="1066800" imgH="203200" progId="Equation.3">
+                <p:oleObj spid="_x0000_s6158" name="Equation" r:id="rId4" imgW="1066800" imgH="203200" progId="Equation.3">
                   <p:embed/>
                 </p:oleObj>
               </mc:Choice>
@@ -33315,56 +37926,6 @@
           </a:p>
         </p:txBody>
       </p:sp>
-      <p:sp>
-        <p:nvSpPr>
-          <p:cNvPr id="13" name="Right Arrow 12"/>
-          <p:cNvSpPr/>
-          <p:nvPr/>
-        </p:nvSpPr>
-        <p:spPr>
-          <a:xfrm>
-            <a:off x="1482813" y="4286609"/>
-            <a:ext cx="716692" cy="679150"/>
-          </a:xfrm>
-          <a:prstGeom prst="rightArrow">
-            <a:avLst/>
-          </a:prstGeom>
-          <a:solidFill>
-            <a:srgbClr val="336FC0"/>
-          </a:solidFill>
-          <a:ln>
-            <a:noFill/>
-          </a:ln>
-        </p:spPr>
-        <p:style>
-          <a:lnRef idx="2">
-            <a:schemeClr val="accent1">
-              <a:shade val="50000"/>
-            </a:schemeClr>
-          </a:lnRef>
-          <a:fillRef idx="1">
-            <a:schemeClr val="accent1"/>
-          </a:fillRef>
-          <a:effectRef idx="0">
-            <a:schemeClr val="accent1"/>
-          </a:effectRef>
-          <a:fontRef idx="minor">
-            <a:schemeClr val="lt1"/>
-          </a:fontRef>
-        </p:style>
-        <p:txBody>
-          <a:bodyPr rtlCol="0" anchor="ctr"/>
-          <a:lstStyle/>
-          <a:p>
-            <a:pPr algn="ctr"/>
-            <a:endParaRPr lang="en-US" dirty="0">
-              <a:solidFill>
-                <a:schemeClr val="bg1"/>
-              </a:solidFill>
-            </a:endParaRPr>
-          </a:p>
-        </p:txBody>
-      </p:sp>
       <mc:AlternateContent xmlns:mc="http://schemas.openxmlformats.org/markup-compatibility/2006" xmlns:a14="http://schemas.microsoft.com/office/drawing/2010/main">
         <mc:Choice Requires="a14">
           <p:sp>
@@ -33428,7 +37989,7 @@
                   <a:t>There may be correlations between the </a:t>
                 </a:r>
                 <a14:m>
-                  <m:oMath xmlns="" xmlns:m="http://schemas.openxmlformats.org/officeDocument/2006/math">
+                  <m:oMath xmlns:m="http://schemas.openxmlformats.org/officeDocument/2006/math" xmlns="">
                     <m:r>
                       <a:rPr lang="en-US" i="1" smtClean="0">
                         <a:solidFill>
@@ -33500,25 +38061,25 @@
           <p:nvPr>
             <p:extLst>
               <p:ext uri="{D42A27DB-BD31-4B8C-83A1-F6EECF244321}">
-                <p14:modId xmlns:p14="http://schemas.microsoft.com/office/powerpoint/2010/main" val="4014867811"/>
+                <p14:modId xmlns:p14="http://schemas.microsoft.com/office/powerpoint/2010/main" val="1201871281"/>
               </p:ext>
             </p:extLst>
           </p:nvPr>
         </p:nvGraphicFramePr>
         <p:xfrm>
-          <a:off x="1008911" y="3797912"/>
-          <a:ext cx="4341812" cy="382587"/>
+          <a:off x="896938" y="3797300"/>
+          <a:ext cx="4567237" cy="382588"/>
         </p:xfrm>
         <a:graphic>
           <a:graphicData uri="http://schemas.openxmlformats.org/presentationml/2006/ole">
             <mc:AlternateContent xmlns:mc="http://schemas.openxmlformats.org/markup-compatibility/2006">
               <mc:Choice xmlns:v="urn:schemas-microsoft-com:vml" Requires="v">
-                <p:oleObj spid="_x0000_s2067" name="Equation" r:id="rId6" imgW="2451100" imgH="215900" progId="Equation.3">
+                <p:oleObj spid="_x0000_s2075" name="Equation" r:id="rId6" imgW="2578100" imgH="215900" progId="Equation.3">
                   <p:embed/>
                 </p:oleObj>
               </mc:Choice>
               <mc:Fallback>
-                <p:oleObj name="Equation" r:id="rId6" imgW="2451100" imgH="215900" progId="Equation.3">
+                <p:oleObj name="Equation" r:id="rId6" imgW="2578100" imgH="215900" progId="Equation.3">
                   <p:embed/>
                   <p:pic>
                     <p:nvPicPr>
@@ -33534,8 +38095,8 @@
                     </p:blipFill>
                     <p:spPr>
                       <a:xfrm>
-                        <a:off x="1008911" y="3797912"/>
-                        <a:ext cx="4341812" cy="382587"/>
+                        <a:off x="896938" y="3797300"/>
+                        <a:ext cx="4567237" cy="382588"/>
                       </a:xfrm>
                       <a:prstGeom prst="rect">
                         <a:avLst/>
@@ -33556,10 +38117,10 @@
         </p:nvGrpSpPr>
         <p:grpSpPr>
           <a:xfrm>
-            <a:off x="2492883" y="4439840"/>
-            <a:ext cx="7218785" cy="890588"/>
-            <a:chOff x="2492883" y="4439840"/>
-            <a:chExt cx="7218785" cy="890588"/>
+            <a:off x="2492883" y="4575175"/>
+            <a:ext cx="7330567" cy="619125"/>
+            <a:chOff x="2492883" y="4575175"/>
+            <a:chExt cx="7330567" cy="619125"/>
           </a:xfrm>
         </p:grpSpPr>
         <p:graphicFrame>
@@ -33571,25 +38132,25 @@
             <p:nvPr>
               <p:extLst>
                 <p:ext uri="{D42A27DB-BD31-4B8C-83A1-F6EECF244321}">
-                  <p14:modId xmlns:p14="http://schemas.microsoft.com/office/powerpoint/2010/main" val="3574478154"/>
+                  <p14:modId xmlns:p14="http://schemas.microsoft.com/office/powerpoint/2010/main" val="2548940843"/>
                 </p:ext>
               </p:extLst>
             </p:nvPr>
           </p:nvGraphicFramePr>
           <p:xfrm>
-            <a:off x="4688818" y="4439840"/>
-            <a:ext cx="5022850" cy="890588"/>
+            <a:off x="4578350" y="4575175"/>
+            <a:ext cx="5245100" cy="619125"/>
           </p:xfrm>
           <a:graphic>
             <a:graphicData uri="http://schemas.openxmlformats.org/presentationml/2006/ole">
               <mc:AlternateContent xmlns:mc="http://schemas.openxmlformats.org/markup-compatibility/2006">
                 <mc:Choice xmlns:v="urn:schemas-microsoft-com:vml" Requires="v">
-                  <p:oleObj spid="_x0000_s2068" name="Equation" r:id="rId8" imgW="2578100" imgH="457200" progId="Equation.3">
+                  <p:oleObj spid="_x0000_s2076" name="Equation" r:id="rId8" imgW="2692400" imgH="317500" progId="Equation.3">
                     <p:embed/>
                   </p:oleObj>
                 </mc:Choice>
                 <mc:Fallback>
-                  <p:oleObj name="Equation" r:id="rId8" imgW="2578100" imgH="457200" progId="Equation.3">
+                  <p:oleObj name="Equation" r:id="rId8" imgW="2692400" imgH="317500" progId="Equation.3">
                     <p:embed/>
                     <p:pic>
                       <p:nvPicPr>
@@ -33605,8 +38166,8 @@
                       </p:blipFill>
                       <p:spPr>
                         <a:xfrm>
-                          <a:off x="4688818" y="4439840"/>
-                          <a:ext cx="5022850" cy="890588"/>
+                          <a:off x="4578350" y="4575175"/>
+                          <a:ext cx="5245100" cy="619125"/>
                         </a:xfrm>
                         <a:prstGeom prst="rect">
                           <a:avLst/>
@@ -33649,6 +38210,56 @@
           </p:txBody>
         </p:sp>
       </p:grpSp>
+      <p:sp>
+        <p:nvSpPr>
+          <p:cNvPr id="6" name="Chevron 5"/>
+          <p:cNvSpPr/>
+          <p:nvPr/>
+        </p:nvSpPr>
+        <p:spPr>
+          <a:xfrm>
+            <a:off x="1616460" y="4285799"/>
+            <a:ext cx="432980" cy="822527"/>
+          </a:xfrm>
+          <a:prstGeom prst="chevron">
+            <a:avLst/>
+          </a:prstGeom>
+          <a:solidFill>
+            <a:srgbClr val="49AFEF"/>
+          </a:solidFill>
+          <a:ln>
+            <a:noFill/>
+          </a:ln>
+        </p:spPr>
+        <p:style>
+          <a:lnRef idx="2">
+            <a:schemeClr val="accent1">
+              <a:shade val="50000"/>
+            </a:schemeClr>
+          </a:lnRef>
+          <a:fillRef idx="1">
+            <a:schemeClr val="accent1"/>
+          </a:fillRef>
+          <a:effectRef idx="0">
+            <a:schemeClr val="accent1"/>
+          </a:effectRef>
+          <a:fontRef idx="minor">
+            <a:schemeClr val="lt1"/>
+          </a:fontRef>
+        </p:style>
+        <p:txBody>
+          <a:bodyPr rtlCol="0" anchor="ctr"/>
+          <a:lstStyle/>
+          <a:p>
+            <a:pPr algn="ctr"/>
+            <a:endParaRPr lang="en-US" dirty="0">
+              <a:solidFill>
+                <a:schemeClr val="bg1"/>
+              </a:solidFill>
+            </a:endParaRPr>
+          </a:p>
+        </p:txBody>
+      </p:sp>
     </p:spTree>
     <p:extLst>
       <p:ext uri="{BB962C8B-B14F-4D97-AF65-F5344CB8AC3E}">
@@ -33871,7 +38482,7 @@
           <p:nvPr>
             <p:extLst>
               <p:ext uri="{D42A27DB-BD31-4B8C-83A1-F6EECF244321}">
-                <p14:modId xmlns:p14="http://schemas.microsoft.com/office/powerpoint/2010/main" val="243708864"/>
+                <p14:modId xmlns:p14="http://schemas.microsoft.com/office/powerpoint/2010/main" val="1752393328"/>
               </p:ext>
             </p:extLst>
           </p:nvPr>
@@ -33884,7 +38495,7 @@
           <a:graphicData uri="http://schemas.openxmlformats.org/presentationml/2006/ole">
             <mc:AlternateContent xmlns:mc="http://schemas.openxmlformats.org/markup-compatibility/2006">
               <mc:Choice xmlns:v="urn:schemas-microsoft-com:vml" Requires="v">
-                <p:oleObj spid="_x0000_s1051" name="Equation" r:id="rId4" imgW="1231900" imgH="292100" progId="Equation.3">
+                <p:oleObj spid="_x0000_s8193" name="Equation" r:id="rId4" imgW="1231900" imgH="292100" progId="Equation.3">
                   <p:embed/>
                 </p:oleObj>
               </mc:Choice>
@@ -33921,109 +38532,183 @@
       </p:graphicFrame>
       <p:grpSp>
         <p:nvGrpSpPr>
-          <p:cNvPr id="10" name="Group 9"/>
+          <p:cNvPr id="3" name="Group 2"/>
           <p:cNvGrpSpPr/>
           <p:nvPr/>
         </p:nvGrpSpPr>
         <p:grpSpPr>
           <a:xfrm>
-            <a:off x="1277953" y="1687523"/>
-            <a:ext cx="9636095" cy="940452"/>
-            <a:chOff x="1552172" y="1687523"/>
-            <a:chExt cx="9636095" cy="940452"/>
+            <a:off x="0" y="1571764"/>
+            <a:ext cx="12192000" cy="1174535"/>
+            <a:chOff x="0" y="1571764"/>
+            <a:chExt cx="12192000" cy="1174535"/>
           </a:xfrm>
         </p:grpSpPr>
-        <p:graphicFrame>
-          <p:nvGraphicFramePr>
-            <p:cNvPr id="5" name="Object 4"/>
-            <p:cNvGraphicFramePr>
-              <a:graphicFrameLocks noChangeAspect="1"/>
-            </p:cNvGraphicFramePr>
-            <p:nvPr>
-              <p:extLst>
-                <p:ext uri="{D42A27DB-BD31-4B8C-83A1-F6EECF244321}">
-                  <p14:modId xmlns:p14="http://schemas.microsoft.com/office/powerpoint/2010/main" val="1310875147"/>
-                </p:ext>
-              </p:extLst>
-            </p:nvPr>
-          </p:nvGraphicFramePr>
-          <p:xfrm>
-            <a:off x="3417173" y="1687523"/>
-            <a:ext cx="7771094" cy="940452"/>
-          </p:xfrm>
-          <a:graphic>
-            <a:graphicData uri="http://schemas.openxmlformats.org/presentationml/2006/ole">
-              <mc:AlternateContent xmlns:mc="http://schemas.openxmlformats.org/markup-compatibility/2006">
-                <mc:Choice xmlns:v="urn:schemas-microsoft-com:vml" Requires="v">
-                  <p:oleObj spid="_x0000_s1052" name="Equation" r:id="rId6" imgW="3987800" imgH="482600" progId="Equation.3">
-                    <p:embed/>
-                  </p:oleObj>
-                </mc:Choice>
-                <mc:Fallback>
-                  <p:oleObj name="Equation" r:id="rId6" imgW="3987800" imgH="482600" progId="Equation.3">
-                    <p:embed/>
-                    <p:pic>
-                      <p:nvPicPr>
-                        <p:cNvPr id="0" name=""/>
-                        <p:cNvPicPr/>
-                        <p:nvPr/>
-                      </p:nvPicPr>
-                      <p:blipFill>
-                        <a:blip r:embed="rId7"/>
-                        <a:stretch>
-                          <a:fillRect/>
-                        </a:stretch>
-                      </p:blipFill>
-                      <p:spPr>
-                        <a:xfrm>
-                          <a:off x="3417173" y="1687523"/>
-                          <a:ext cx="7771094" cy="940452"/>
-                        </a:xfrm>
-                        <a:prstGeom prst="rect">
-                          <a:avLst/>
-                        </a:prstGeom>
-                      </p:spPr>
-                    </p:pic>
-                  </p:oleObj>
-                </mc:Fallback>
-              </mc:AlternateContent>
-            </a:graphicData>
-          </a:graphic>
-        </p:graphicFrame>
         <p:sp>
           <p:nvSpPr>
-            <p:cNvPr id="6" name="TextBox 5"/>
-            <p:cNvSpPr txBox="1"/>
+            <p:cNvPr id="8" name="Rectangle 7"/>
+            <p:cNvSpPr/>
             <p:nvPr/>
           </p:nvSpPr>
           <p:spPr>
             <a:xfrm>
-              <a:off x="1552172" y="1896139"/>
-              <a:ext cx="1601144" cy="523220"/>
+              <a:off x="0" y="1571764"/>
+              <a:ext cx="12192000" cy="1174535"/>
             </a:xfrm>
             <a:prstGeom prst="rect">
               <a:avLst/>
             </a:prstGeom>
-            <a:noFill/>
+            <a:solidFill>
+              <a:srgbClr val="D5D5D5"/>
+            </a:solidFill>
+            <a:ln w="9525" cap="flat" cmpd="sng" algn="ctr">
+              <a:noFill/>
+              <a:prstDash val="solid"/>
+            </a:ln>
+            <a:effectLst/>
           </p:spPr>
           <p:txBody>
-            <a:bodyPr wrap="none" rtlCol="0">
-              <a:spAutoFit/>
-            </a:bodyPr>
+            <a:bodyPr rtlCol="0" anchor="ctr"/>
             <a:lstStyle/>
             <a:p>
-              <a:r>
-                <a:rPr lang="en-US" sz="2800" dirty="0"/>
-                <a:t>Minimize</a:t>
-              </a:r>
+              <a:pPr marL="0" marR="0" lvl="0" indent="0" defTabSz="914400" eaLnBrk="1" fontAlgn="auto" latinLnBrk="0" hangingPunct="1">
+                <a:lnSpc>
+                  <a:spcPct val="100000"/>
+                </a:lnSpc>
+                <a:spcBef>
+                  <a:spcPts val="0"/>
+                </a:spcBef>
+                <a:spcAft>
+                  <a:spcPts val="0"/>
+                </a:spcAft>
+                <a:buClrTx/>
+                <a:buSzTx/>
+                <a:buFont typeface="Arial" panose="020B0604020202020204" pitchFamily="34" charset="0"/>
+                <a:buNone/>
+                <a:tabLst/>
+                <a:defRPr/>
+              </a:pPr>
+              <a:endParaRPr kumimoji="0" lang="en-US" sz="1100" i="0" u="none" strike="noStrike" kern="0" cap="none" spc="0" normalizeH="0" baseline="0" noProof="0" dirty="0">
+                <a:ln>
+                  <a:noFill/>
+                </a:ln>
+                <a:solidFill>
+                  <a:prstClr val="white"/>
+                </a:solidFill>
+                <a:effectLst/>
+                <a:uLnTx/>
+                <a:uFillTx/>
+                <a:latin typeface="+mj-lt"/>
+              </a:endParaRPr>
             </a:p>
           </p:txBody>
         </p:sp>
+        <p:grpSp>
+          <p:nvGrpSpPr>
+            <p:cNvPr id="10" name="Group 9"/>
+            <p:cNvGrpSpPr/>
+            <p:nvPr/>
+          </p:nvGrpSpPr>
+          <p:grpSpPr>
+            <a:xfrm>
+              <a:off x="1277953" y="1688805"/>
+              <a:ext cx="9636095" cy="940452"/>
+              <a:chOff x="1552172" y="1687523"/>
+              <a:chExt cx="9636095" cy="940452"/>
+            </a:xfrm>
+          </p:grpSpPr>
+          <p:graphicFrame>
+            <p:nvGraphicFramePr>
+              <p:cNvPr id="5" name="Object 4"/>
+              <p:cNvGraphicFramePr>
+                <a:graphicFrameLocks noChangeAspect="1"/>
+              </p:cNvGraphicFramePr>
+              <p:nvPr>
+                <p:extLst>
+                  <p:ext uri="{D42A27DB-BD31-4B8C-83A1-F6EECF244321}">
+                    <p14:modId xmlns:p14="http://schemas.microsoft.com/office/powerpoint/2010/main" val="886321779"/>
+                  </p:ext>
+                </p:extLst>
+              </p:nvPr>
+            </p:nvGraphicFramePr>
+            <p:xfrm>
+              <a:off x="3417173" y="1687523"/>
+              <a:ext cx="7771094" cy="940452"/>
+            </p:xfrm>
+            <a:graphic>
+              <a:graphicData uri="http://schemas.openxmlformats.org/presentationml/2006/ole">
+                <mc:AlternateContent xmlns:mc="http://schemas.openxmlformats.org/markup-compatibility/2006">
+                  <mc:Choice xmlns:v="urn:schemas-microsoft-com:vml" Requires="v">
+                    <p:oleObj spid="_x0000_s8194" name="Equation" r:id="rId6" imgW="3987800" imgH="482600" progId="Equation.3">
+                      <p:embed/>
+                    </p:oleObj>
+                  </mc:Choice>
+                  <mc:Fallback>
+                    <p:oleObj name="Equation" r:id="rId6" imgW="3987800" imgH="482600" progId="Equation.3">
+                      <p:embed/>
+                      <p:pic>
+                        <p:nvPicPr>
+                          <p:cNvPr id="0" name=""/>
+                          <p:cNvPicPr/>
+                          <p:nvPr/>
+                        </p:nvPicPr>
+                        <p:blipFill>
+                          <a:blip r:embed="rId7"/>
+                          <a:stretch>
+                            <a:fillRect/>
+                          </a:stretch>
+                        </p:blipFill>
+                        <p:spPr>
+                          <a:xfrm>
+                            <a:off x="3417173" y="1687523"/>
+                            <a:ext cx="7771094" cy="940452"/>
+                          </a:xfrm>
+                          <a:prstGeom prst="rect">
+                            <a:avLst/>
+                          </a:prstGeom>
+                        </p:spPr>
+                      </p:pic>
+                    </p:oleObj>
+                  </mc:Fallback>
+                </mc:AlternateContent>
+              </a:graphicData>
+            </a:graphic>
+          </p:graphicFrame>
+          <p:sp>
+            <p:nvSpPr>
+              <p:cNvPr id="6" name="TextBox 5"/>
+              <p:cNvSpPr txBox="1"/>
+              <p:nvPr/>
+            </p:nvSpPr>
+            <p:spPr>
+              <a:xfrm>
+                <a:off x="1552172" y="1896139"/>
+                <a:ext cx="1601144" cy="523220"/>
+              </a:xfrm>
+              <a:prstGeom prst="rect">
+                <a:avLst/>
+              </a:prstGeom>
+              <a:noFill/>
+            </p:spPr>
+            <p:txBody>
+              <a:bodyPr wrap="none" rtlCol="0">
+                <a:spAutoFit/>
+              </a:bodyPr>
+              <a:lstStyle/>
+              <a:p>
+                <a:r>
+                  <a:rPr lang="en-US" sz="2800" dirty="0"/>
+                  <a:t>Minimize</a:t>
+                </a:r>
+              </a:p>
+            </p:txBody>
+          </p:sp>
+        </p:grpSp>
       </p:grpSp>
     </p:spTree>
     <p:extLst>
       <p:ext uri="{BB962C8B-B14F-4D97-AF65-F5344CB8AC3E}">
-        <p14:creationId xmlns:p14="http://schemas.microsoft.com/office/powerpoint/2010/main" val="840887989"/>
+        <p14:creationId xmlns:p14="http://schemas.microsoft.com/office/powerpoint/2010/main" val="271018247"/>
       </p:ext>
     </p:extLst>
   </p:cSld>
@@ -34376,7 +39061,7 @@
                   <a:t>Ridge Regressions adds additional features and now </a:t>
                 </a:r>
                 <a14:m>
-                  <m:oMath xmlns="" xmlns:m="http://schemas.openxmlformats.org/officeDocument/2006/math">
+                  <m:oMath xmlns:m="http://schemas.openxmlformats.org/officeDocument/2006/math" xmlns="">
                     <m:sSub>
                       <m:sSubPr>
                         <m:ctrlPr>
@@ -34470,56 +39155,6 @@
           </p:sp>
         </mc:Fallback>
       </mc:AlternateContent>
-      <p:sp>
-        <p:nvSpPr>
-          <p:cNvPr id="4" name="Right Arrow 3"/>
-          <p:cNvSpPr/>
-          <p:nvPr/>
-        </p:nvSpPr>
-        <p:spPr>
-          <a:xfrm>
-            <a:off x="5820921" y="4939341"/>
-            <a:ext cx="716692" cy="679150"/>
-          </a:xfrm>
-          <a:prstGeom prst="rightArrow">
-            <a:avLst/>
-          </a:prstGeom>
-          <a:solidFill>
-            <a:srgbClr val="336FC0"/>
-          </a:solidFill>
-          <a:ln>
-            <a:noFill/>
-          </a:ln>
-        </p:spPr>
-        <p:style>
-          <a:lnRef idx="2">
-            <a:schemeClr val="accent1">
-              <a:shade val="50000"/>
-            </a:schemeClr>
-          </a:lnRef>
-          <a:fillRef idx="1">
-            <a:schemeClr val="accent1"/>
-          </a:fillRef>
-          <a:effectRef idx="0">
-            <a:schemeClr val="accent1"/>
-          </a:effectRef>
-          <a:fontRef idx="minor">
-            <a:schemeClr val="lt1"/>
-          </a:fontRef>
-        </p:style>
-        <p:txBody>
-          <a:bodyPr rtlCol="0" anchor="ctr"/>
-          <a:lstStyle/>
-          <a:p>
-            <a:pPr algn="ctr"/>
-            <a:endParaRPr lang="en-US" dirty="0">
-              <a:solidFill>
-                <a:schemeClr val="bg1"/>
-              </a:solidFill>
-            </a:endParaRPr>
-          </a:p>
-        </p:txBody>
-      </p:sp>
       <p:graphicFrame>
         <p:nvGraphicFramePr>
           <p:cNvPr id="11" name="Object 10"/>
@@ -34542,7 +39177,7 @@
           <a:graphicData uri="http://schemas.openxmlformats.org/presentationml/2006/ole">
             <mc:AlternateContent xmlns:mc="http://schemas.openxmlformats.org/markup-compatibility/2006">
               <mc:Choice xmlns:v="urn:schemas-microsoft-com:vml" Requires="v">
-                <p:oleObj spid="_x0000_s7184" name="Equation" r:id="rId6" imgW="2451100" imgH="215900" progId="Equation.3">
+                <p:oleObj spid="_x0000_s7192" name="Equation" r:id="rId6" imgW="2451100" imgH="215900" progId="Equation.3">
                   <p:embed/>
                 </p:oleObj>
               </mc:Choice>
@@ -34585,10 +39220,10 @@
         </p:nvGrpSpPr>
         <p:grpSpPr>
           <a:xfrm>
-            <a:off x="1356350" y="5717259"/>
-            <a:ext cx="9494984" cy="940452"/>
-            <a:chOff x="1693283" y="1687523"/>
-            <a:chExt cx="9494984" cy="940452"/>
+            <a:off x="1356350" y="5827713"/>
+            <a:ext cx="9605338" cy="719137"/>
+            <a:chOff x="1693283" y="1797977"/>
+            <a:chExt cx="9605338" cy="719137"/>
           </a:xfrm>
         </p:grpSpPr>
         <p:graphicFrame>
@@ -34600,25 +39235,25 @@
             <p:nvPr>
               <p:extLst>
                 <p:ext uri="{D42A27DB-BD31-4B8C-83A1-F6EECF244321}">
-                  <p14:modId xmlns:p14="http://schemas.microsoft.com/office/powerpoint/2010/main" val="2724756611"/>
+                  <p14:modId xmlns:p14="http://schemas.microsoft.com/office/powerpoint/2010/main" val="901031266"/>
                 </p:ext>
               </p:extLst>
             </p:nvPr>
           </p:nvGraphicFramePr>
           <p:xfrm>
-            <a:off x="3417173" y="1687523"/>
-            <a:ext cx="7771094" cy="940452"/>
+            <a:off x="3305558" y="1797977"/>
+            <a:ext cx="7993063" cy="719137"/>
           </p:xfrm>
           <a:graphic>
             <a:graphicData uri="http://schemas.openxmlformats.org/presentationml/2006/ole">
               <mc:AlternateContent xmlns:mc="http://schemas.openxmlformats.org/markup-compatibility/2006">
                 <mc:Choice xmlns:v="urn:schemas-microsoft-com:vml" Requires="v">
-                  <p:oleObj spid="_x0000_s7185" name="Equation" r:id="rId8" imgW="3987800" imgH="482600" progId="Equation.3">
+                  <p:oleObj spid="_x0000_s7193" name="Equation" r:id="rId8" imgW="4102100" imgH="368300" progId="Equation.3">
                     <p:embed/>
                   </p:oleObj>
                 </mc:Choice>
                 <mc:Fallback>
-                  <p:oleObj name="Equation" r:id="rId8" imgW="3987800" imgH="482600" progId="Equation.3">
+                  <p:oleObj name="Equation" r:id="rId8" imgW="4102100" imgH="368300" progId="Equation.3">
                     <p:embed/>
                     <p:pic>
                       <p:nvPicPr>
@@ -34634,8 +39269,8 @@
                       </p:blipFill>
                       <p:spPr>
                         <a:xfrm>
-                          <a:off x="3417173" y="1687523"/>
-                          <a:ext cx="7771094" cy="940452"/>
+                          <a:off x="3305558" y="1797977"/>
+                          <a:ext cx="7993063" cy="719137"/>
                         </a:xfrm>
                         <a:prstGeom prst="rect">
                           <a:avLst/>
@@ -34678,6 +39313,56 @@
           </p:txBody>
         </p:sp>
       </p:grpSp>
+      <p:sp>
+        <p:nvSpPr>
+          <p:cNvPr id="3" name="Chevron 2"/>
+          <p:cNvSpPr/>
+          <p:nvPr/>
+        </p:nvSpPr>
+        <p:spPr>
+          <a:xfrm>
+            <a:off x="5527714" y="4935163"/>
+            <a:ext cx="360817" cy="663794"/>
+          </a:xfrm>
+          <a:prstGeom prst="chevron">
+            <a:avLst/>
+          </a:prstGeom>
+          <a:solidFill>
+            <a:srgbClr val="49AFEF"/>
+          </a:solidFill>
+          <a:ln>
+            <a:noFill/>
+          </a:ln>
+        </p:spPr>
+        <p:style>
+          <a:lnRef idx="2">
+            <a:schemeClr val="accent1">
+              <a:shade val="50000"/>
+            </a:schemeClr>
+          </a:lnRef>
+          <a:fillRef idx="1">
+            <a:schemeClr val="accent1"/>
+          </a:fillRef>
+          <a:effectRef idx="0">
+            <a:schemeClr val="accent1"/>
+          </a:effectRef>
+          <a:fontRef idx="minor">
+            <a:schemeClr val="lt1"/>
+          </a:fontRef>
+        </p:style>
+        <p:txBody>
+          <a:bodyPr rtlCol="0" anchor="ctr"/>
+          <a:lstStyle/>
+          <a:p>
+            <a:pPr algn="ctr"/>
+            <a:endParaRPr lang="en-US" dirty="0">
+              <a:solidFill>
+                <a:schemeClr val="bg1"/>
+              </a:solidFill>
+            </a:endParaRPr>
+          </a:p>
+        </p:txBody>
+      </p:sp>
     </p:spTree>
     <p:extLst>
       <p:ext uri="{BB962C8B-B14F-4D97-AF65-F5344CB8AC3E}">
@@ -36337,8 +41022,8 @@
         </p:nvSpPr>
         <p:spPr>
           <a:xfrm>
-            <a:off x="838200" y="1690688"/>
-            <a:ext cx="10049256" cy="4401311"/>
+            <a:off x="838200" y="3457667"/>
+            <a:ext cx="10049256" cy="2634332"/>
           </a:xfrm>
         </p:spPr>
         <p:txBody>
@@ -36347,33 +41032,17 @@
           </a:bodyPr>
           <a:lstStyle/>
           <a:p>
-            <a:pPr>
-              <a:buFont typeface="Wingdings" panose="05000000000000000000" pitchFamily="2" charset="2"/>
-              <a:buChar char="§"/>
-            </a:pPr>
-            <a:r>
-              <a:rPr lang="en-US" dirty="0"/>
-              <a:t>Classification and Regression are supervised learning problems.</a:t>
-            </a:r>
-          </a:p>
-          <a:p>
-            <a:pPr>
-              <a:buFont typeface="Wingdings" panose="05000000000000000000" pitchFamily="2" charset="2"/>
-              <a:buChar char="§"/>
-            </a:pPr>
-            <a:r>
-              <a:rPr lang="en-US" dirty="0"/>
-              <a:t>“Supervised” means that the training data has ground truth labels to learn from.</a:t>
-            </a:r>
-          </a:p>
-          <a:p>
             <a:pPr lvl="1">
               <a:buFont typeface="Wingdings" panose="05000000000000000000" pitchFamily="2" charset="2"/>
               <a:buChar char="§"/>
             </a:pPr>
             <a:r>
+              <a:rPr lang="en-US" sz="2800" dirty="0" smtClean="0"/>
+              <a:t>(</a:t>
+            </a:r>
+            <a:r>
               <a:rPr lang="en-US" sz="2800" dirty="0"/>
-              <a:t>(Supervised) classification often has +1 or -1 labels. </a:t>
+              <a:t>Supervised) classification often has +1 or -1 labels. </a:t>
             </a:r>
           </a:p>
           <a:p>
@@ -36408,10 +41077,289 @@
           </a:p>
         </p:txBody>
       </p:sp>
+      <p:grpSp>
+        <p:nvGrpSpPr>
+          <p:cNvPr id="4" name="Group 3"/>
+          <p:cNvGrpSpPr/>
+          <p:nvPr/>
+        </p:nvGrpSpPr>
+        <p:grpSpPr>
+          <a:xfrm>
+            <a:off x="0" y="1663074"/>
+            <a:ext cx="12192000" cy="1679185"/>
+            <a:chOff x="0" y="1450658"/>
+            <a:chExt cx="10802189" cy="984028"/>
+          </a:xfrm>
+        </p:grpSpPr>
+        <p:sp>
+          <p:nvSpPr>
+            <p:cNvPr id="5" name="Rectangle 4"/>
+            <p:cNvSpPr/>
+            <p:nvPr/>
+          </p:nvSpPr>
+          <p:spPr>
+            <a:xfrm>
+              <a:off x="0" y="1450658"/>
+              <a:ext cx="10802189" cy="984028"/>
+            </a:xfrm>
+            <a:prstGeom prst="rect">
+              <a:avLst/>
+            </a:prstGeom>
+            <a:solidFill>
+              <a:srgbClr val="0070C0"/>
+            </a:solidFill>
+            <a:ln w="9525" cap="flat" cmpd="sng" algn="ctr">
+              <a:noFill/>
+              <a:prstDash val="solid"/>
+            </a:ln>
+            <a:effectLst/>
+          </p:spPr>
+          <p:txBody>
+            <a:bodyPr rtlCol="0" anchor="ctr"/>
+            <a:lstStyle/>
+            <a:p>
+              <a:pPr algn="ctr">
+                <a:buFont typeface="Arial" panose="020B0604020202020204" pitchFamily="34" charset="0"/>
+                <a:buNone/>
+                <a:defRPr/>
+              </a:pPr>
+              <a:endParaRPr lang="en-US" sz="4000" i="1" kern="0" dirty="0">
+                <a:solidFill>
+                  <a:prstClr val="white"/>
+                </a:solidFill>
+                <a:latin typeface="Segoe UI"/>
+              </a:endParaRPr>
+            </a:p>
+          </p:txBody>
+        </p:sp>
+        <p:sp>
+          <p:nvSpPr>
+            <p:cNvPr id="6" name="Content Placeholder 2"/>
+            <p:cNvSpPr txBox="1">
+              <a:spLocks/>
+            </p:cNvSpPr>
+            <p:nvPr/>
+          </p:nvSpPr>
+          <p:spPr>
+            <a:xfrm>
+              <a:off x="746442" y="1526216"/>
+              <a:ext cx="9723672" cy="832911"/>
+            </a:xfrm>
+            <a:prstGeom prst="rect">
+              <a:avLst/>
+            </a:prstGeom>
+          </p:spPr>
+          <p:txBody>
+            <a:bodyPr anchor="ctr"/>
+            <a:lstStyle>
+              <a:lvl1pPr marL="0" indent="0" algn="ctr" defTabSz="914400" rtl="0" eaLnBrk="1" latinLnBrk="0" hangingPunct="1">
+                <a:lnSpc>
+                  <a:spcPct val="90000"/>
+                </a:lnSpc>
+                <a:spcBef>
+                  <a:spcPts val="1000"/>
+                </a:spcBef>
+                <a:buFont typeface="Arial" panose="020B0604020202020204" pitchFamily="34" charset="0"/>
+                <a:buNone/>
+                <a:defRPr sz="2800" i="1" kern="1200">
+                  <a:solidFill>
+                    <a:schemeClr val="bg1"/>
+                  </a:solidFill>
+                  <a:latin typeface="+mn-lt"/>
+                  <a:ea typeface="+mn-ea"/>
+                  <a:cs typeface="+mn-cs"/>
+                </a:defRPr>
+              </a:lvl1pPr>
+              <a:lvl2pPr marL="457200" indent="0" algn="ctr" defTabSz="914400" rtl="0" eaLnBrk="1" latinLnBrk="0" hangingPunct="1">
+                <a:lnSpc>
+                  <a:spcPct val="90000"/>
+                </a:lnSpc>
+                <a:spcBef>
+                  <a:spcPts val="500"/>
+                </a:spcBef>
+                <a:buFont typeface="Arial" panose="020B0604020202020204" pitchFamily="34" charset="0"/>
+                <a:buNone/>
+                <a:defRPr sz="2400" i="1" kern="1200">
+                  <a:solidFill>
+                    <a:schemeClr val="bg1"/>
+                  </a:solidFill>
+                  <a:latin typeface="+mn-lt"/>
+                  <a:ea typeface="+mn-ea"/>
+                  <a:cs typeface="+mn-cs"/>
+                </a:defRPr>
+              </a:lvl2pPr>
+              <a:lvl3pPr marL="914400" indent="0" algn="ctr" defTabSz="914400" rtl="0" eaLnBrk="1" latinLnBrk="0" hangingPunct="1">
+                <a:lnSpc>
+                  <a:spcPct val="90000"/>
+                </a:lnSpc>
+                <a:spcBef>
+                  <a:spcPts val="500"/>
+                </a:spcBef>
+                <a:buFont typeface="Arial" panose="020B0604020202020204" pitchFamily="34" charset="0"/>
+                <a:buNone/>
+                <a:defRPr sz="2000" i="1" kern="1200">
+                  <a:solidFill>
+                    <a:schemeClr val="bg1"/>
+                  </a:solidFill>
+                  <a:latin typeface="+mn-lt"/>
+                  <a:ea typeface="+mn-ea"/>
+                  <a:cs typeface="+mn-cs"/>
+                </a:defRPr>
+              </a:lvl3pPr>
+              <a:lvl4pPr marL="1371600" indent="0" algn="ctr" defTabSz="914400" rtl="0" eaLnBrk="1" latinLnBrk="0" hangingPunct="1">
+                <a:lnSpc>
+                  <a:spcPct val="90000"/>
+                </a:lnSpc>
+                <a:spcBef>
+                  <a:spcPts val="500"/>
+                </a:spcBef>
+                <a:buFont typeface="Arial" panose="020B0604020202020204" pitchFamily="34" charset="0"/>
+                <a:buNone/>
+                <a:defRPr sz="1800" i="1" kern="1200">
+                  <a:solidFill>
+                    <a:schemeClr val="bg1"/>
+                  </a:solidFill>
+                  <a:latin typeface="+mn-lt"/>
+                  <a:ea typeface="+mn-ea"/>
+                  <a:cs typeface="+mn-cs"/>
+                </a:defRPr>
+              </a:lvl4pPr>
+              <a:lvl5pPr marL="1828800" indent="0" algn="ctr" defTabSz="914400" rtl="0" eaLnBrk="1" latinLnBrk="0" hangingPunct="1">
+                <a:lnSpc>
+                  <a:spcPct val="90000"/>
+                </a:lnSpc>
+                <a:spcBef>
+                  <a:spcPts val="500"/>
+                </a:spcBef>
+                <a:buFont typeface="Arial" panose="020B0604020202020204" pitchFamily="34" charset="0"/>
+                <a:buNone/>
+                <a:defRPr sz="1800" i="1" kern="1200">
+                  <a:solidFill>
+                    <a:schemeClr val="bg1"/>
+                  </a:solidFill>
+                  <a:latin typeface="+mn-lt"/>
+                  <a:ea typeface="+mn-ea"/>
+                  <a:cs typeface="+mn-cs"/>
+                </a:defRPr>
+              </a:lvl5pPr>
+              <a:lvl6pPr marL="2514600" indent="-228600" algn="l" defTabSz="914400" rtl="0" eaLnBrk="1" latinLnBrk="0" hangingPunct="1">
+                <a:lnSpc>
+                  <a:spcPct val="90000"/>
+                </a:lnSpc>
+                <a:spcBef>
+                  <a:spcPts val="500"/>
+                </a:spcBef>
+                <a:buFont typeface="Arial" panose="020B0604020202020204" pitchFamily="34" charset="0"/>
+                <a:buChar char="•"/>
+                <a:defRPr sz="1800" kern="1200">
+                  <a:solidFill>
+                    <a:schemeClr val="tx1"/>
+                  </a:solidFill>
+                  <a:latin typeface="+mn-lt"/>
+                  <a:ea typeface="+mn-ea"/>
+                  <a:cs typeface="+mn-cs"/>
+                </a:defRPr>
+              </a:lvl6pPr>
+              <a:lvl7pPr marL="2971800" indent="-228600" algn="l" defTabSz="914400" rtl="0" eaLnBrk="1" latinLnBrk="0" hangingPunct="1">
+                <a:lnSpc>
+                  <a:spcPct val="90000"/>
+                </a:lnSpc>
+                <a:spcBef>
+                  <a:spcPts val="500"/>
+                </a:spcBef>
+                <a:buFont typeface="Arial" panose="020B0604020202020204" pitchFamily="34" charset="0"/>
+                <a:buChar char="•"/>
+                <a:defRPr sz="1800" kern="1200">
+                  <a:solidFill>
+                    <a:schemeClr val="tx1"/>
+                  </a:solidFill>
+                  <a:latin typeface="+mn-lt"/>
+                  <a:ea typeface="+mn-ea"/>
+                  <a:cs typeface="+mn-cs"/>
+                </a:defRPr>
+              </a:lvl7pPr>
+              <a:lvl8pPr marL="3429000" indent="-228600" algn="l" defTabSz="914400" rtl="0" eaLnBrk="1" latinLnBrk="0" hangingPunct="1">
+                <a:lnSpc>
+                  <a:spcPct val="90000"/>
+                </a:lnSpc>
+                <a:spcBef>
+                  <a:spcPts val="500"/>
+                </a:spcBef>
+                <a:buFont typeface="Arial" panose="020B0604020202020204" pitchFamily="34" charset="0"/>
+                <a:buChar char="•"/>
+                <a:defRPr sz="1800" kern="1200">
+                  <a:solidFill>
+                    <a:schemeClr val="tx1"/>
+                  </a:solidFill>
+                  <a:latin typeface="+mn-lt"/>
+                  <a:ea typeface="+mn-ea"/>
+                  <a:cs typeface="+mn-cs"/>
+                </a:defRPr>
+              </a:lvl8pPr>
+              <a:lvl9pPr marL="3886200" indent="-228600" algn="l" defTabSz="914400" rtl="0" eaLnBrk="1" latinLnBrk="0" hangingPunct="1">
+                <a:lnSpc>
+                  <a:spcPct val="90000"/>
+                </a:lnSpc>
+                <a:spcBef>
+                  <a:spcPts val="500"/>
+                </a:spcBef>
+                <a:buFont typeface="Arial" panose="020B0604020202020204" pitchFamily="34" charset="0"/>
+                <a:buChar char="•"/>
+                <a:defRPr sz="1800" kern="1200">
+                  <a:solidFill>
+                    <a:schemeClr val="tx1"/>
+                  </a:solidFill>
+                  <a:latin typeface="+mn-lt"/>
+                  <a:ea typeface="+mn-ea"/>
+                  <a:cs typeface="+mn-cs"/>
+                </a:defRPr>
+              </a:lvl9pPr>
+            </a:lstStyle>
+            <a:p>
+              <a:pPr marL="457200" indent="-457200" algn="l" defTabSz="914089">
+                <a:spcBef>
+                  <a:spcPct val="20000"/>
+                </a:spcBef>
+                <a:buSzPct val="80000"/>
+                <a:buFont typeface="Wingdings" charset="2"/>
+                <a:buChar char="§"/>
+              </a:pPr>
+              <a:r>
+                <a:rPr lang="en-US" i="0" dirty="0">
+                  <a:solidFill>
+                    <a:prstClr val="white"/>
+                  </a:solidFill>
+                  <a:latin typeface="Segoe UI"/>
+                </a:rPr>
+                <a:t>Classification and Regression are supervised learning problems.</a:t>
+              </a:r>
+            </a:p>
+            <a:p>
+              <a:pPr marL="457200" indent="-457200" algn="l" defTabSz="914089">
+                <a:spcBef>
+                  <a:spcPct val="20000"/>
+                </a:spcBef>
+                <a:buSzPct val="80000"/>
+                <a:buFont typeface="Wingdings" charset="2"/>
+                <a:buChar char="§"/>
+              </a:pPr>
+              <a:r>
+                <a:rPr lang="en-US" i="0" dirty="0">
+                  <a:solidFill>
+                    <a:prstClr val="white"/>
+                  </a:solidFill>
+                  <a:latin typeface="Segoe UI"/>
+                </a:rPr>
+                <a:t>“Supervised” means that the training data has ground truth labels to learn from.</a:t>
+              </a:r>
+            </a:p>
+          </p:txBody>
+        </p:sp>
+      </p:grpSp>
     </p:spTree>
     <p:extLst>
       <p:ext uri="{BB962C8B-B14F-4D97-AF65-F5344CB8AC3E}">
-        <p14:creationId xmlns:p14="http://schemas.microsoft.com/office/powerpoint/2010/main" val="4266001410"/>
+        <p14:creationId xmlns:p14="http://schemas.microsoft.com/office/powerpoint/2010/main" val="3147520709"/>
       </p:ext>
     </p:extLst>
   </p:cSld>
@@ -37114,14 +42062,14 @@
                 <a:gridCol w="4388664">
                   <a:extLst>
                     <a:ext uri="{9D8B030D-6E8A-4147-A177-3AD203B41FA5}">
-                      <a16:colId xmlns="" xmlns:a16="http://schemas.microsoft.com/office/drawing/2014/main" val="48614039"/>
+                      <a16:colId xmlns:a16="http://schemas.microsoft.com/office/drawing/2014/main" xmlns="" val="48614039"/>
                     </a:ext>
                   </a:extLst>
                 </a:gridCol>
                 <a:gridCol w="4388664">
                   <a:extLst>
                     <a:ext uri="{9D8B030D-6E8A-4147-A177-3AD203B41FA5}">
-                      <a16:colId xmlns="" xmlns:a16="http://schemas.microsoft.com/office/drawing/2014/main" val="1124546490"/>
+                      <a16:colId xmlns:a16="http://schemas.microsoft.com/office/drawing/2014/main" xmlns="" val="1124546490"/>
                     </a:ext>
                   </a:extLst>
                 </a:gridCol>
@@ -37239,7 +42187,7 @@
                 </a:tc>
                 <a:extLst>
                   <a:ext uri="{0D108BD9-81ED-4DB2-BD59-A6C34878D82A}">
-                    <a16:rowId xmlns="" xmlns:a16="http://schemas.microsoft.com/office/drawing/2014/main" val="679667022"/>
+                    <a16:rowId xmlns:a16="http://schemas.microsoft.com/office/drawing/2014/main" xmlns="" val="679667022"/>
                   </a:ext>
                 </a:extLst>
               </a:tr>
@@ -37291,7 +42239,7 @@
                 </a:tc>
                 <a:extLst>
                   <a:ext uri="{0D108BD9-81ED-4DB2-BD59-A6C34878D82A}">
-                    <a16:rowId xmlns="" xmlns:a16="http://schemas.microsoft.com/office/drawing/2014/main" val="2034482246"/>
+                    <a16:rowId xmlns:a16="http://schemas.microsoft.com/office/drawing/2014/main" xmlns="" val="2034482246"/>
                   </a:ext>
                 </a:extLst>
               </a:tr>
@@ -37343,7 +42291,7 @@
                 </a:tc>
                 <a:extLst>
                   <a:ext uri="{0D108BD9-81ED-4DB2-BD59-A6C34878D82A}">
-                    <a16:rowId xmlns="" xmlns:a16="http://schemas.microsoft.com/office/drawing/2014/main" val="682465758"/>
+                    <a16:rowId xmlns:a16="http://schemas.microsoft.com/office/drawing/2014/main" xmlns="" val="682465758"/>
                   </a:ext>
                 </a:extLst>
               </a:tr>
@@ -37395,7 +42343,7 @@
                 </a:tc>
                 <a:extLst>
                   <a:ext uri="{0D108BD9-81ED-4DB2-BD59-A6C34878D82A}">
-                    <a16:rowId xmlns="" xmlns:a16="http://schemas.microsoft.com/office/drawing/2014/main" val="4230228483"/>
+                    <a16:rowId xmlns:a16="http://schemas.microsoft.com/office/drawing/2014/main" xmlns="" val="4230228483"/>
                   </a:ext>
                 </a:extLst>
               </a:tr>
@@ -37447,7 +42395,7 @@
                 </a:tc>
                 <a:extLst>
                   <a:ext uri="{0D108BD9-81ED-4DB2-BD59-A6C34878D82A}">
-                    <a16:rowId xmlns="" xmlns:a16="http://schemas.microsoft.com/office/drawing/2014/main" val="3329658239"/>
+                    <a16:rowId xmlns:a16="http://schemas.microsoft.com/office/drawing/2014/main" xmlns="" val="3329658239"/>
                   </a:ext>
                 </a:extLst>
               </a:tr>
@@ -37502,7 +42450,7 @@
                 </a:tc>
                 <a:extLst>
                   <a:ext uri="{0D108BD9-81ED-4DB2-BD59-A6C34878D82A}">
-                    <a16:rowId xmlns="" xmlns:a16="http://schemas.microsoft.com/office/drawing/2014/main" val="10005"/>
+                    <a16:rowId xmlns:a16="http://schemas.microsoft.com/office/drawing/2014/main" xmlns="" val="10005"/>
                   </a:ext>
                 </a:extLst>
               </a:tr>
@@ -37554,7 +42502,7 @@
                 </a:tc>
                 <a:extLst>
                   <a:ext uri="{0D108BD9-81ED-4DB2-BD59-A6C34878D82A}">
-                    <a16:rowId xmlns="" xmlns:a16="http://schemas.microsoft.com/office/drawing/2014/main" val="10006"/>
+                    <a16:rowId xmlns:a16="http://schemas.microsoft.com/office/drawing/2014/main" xmlns="" val="10006"/>
                   </a:ext>
                 </a:extLst>
               </a:tr>
@@ -37908,14 +42856,14 @@
                 <a:gridCol w="3968873">
                   <a:extLst>
                     <a:ext uri="{9D8B030D-6E8A-4147-A177-3AD203B41FA5}">
-                      <a16:colId xmlns="" xmlns:a16="http://schemas.microsoft.com/office/drawing/2014/main" val="48614039"/>
+                      <a16:colId xmlns:a16="http://schemas.microsoft.com/office/drawing/2014/main" xmlns="" val="48614039"/>
                     </a:ext>
                   </a:extLst>
                 </a:gridCol>
                 <a:gridCol w="3968873">
                   <a:extLst>
                     <a:ext uri="{9D8B030D-6E8A-4147-A177-3AD203B41FA5}">
-                      <a16:colId xmlns="" xmlns:a16="http://schemas.microsoft.com/office/drawing/2014/main" val="1124546490"/>
+                      <a16:colId xmlns:a16="http://schemas.microsoft.com/office/drawing/2014/main" xmlns="" val="1124546490"/>
                     </a:ext>
                   </a:extLst>
                 </a:gridCol>
@@ -38041,7 +42989,7 @@
                 </a:tc>
                 <a:extLst>
                   <a:ext uri="{0D108BD9-81ED-4DB2-BD59-A6C34878D82A}">
-                    <a16:rowId xmlns="" xmlns:a16="http://schemas.microsoft.com/office/drawing/2014/main" val="679667022"/>
+                    <a16:rowId xmlns:a16="http://schemas.microsoft.com/office/drawing/2014/main" xmlns="" val="679667022"/>
                   </a:ext>
                 </a:extLst>
               </a:tr>
@@ -38088,7 +43036,7 @@
                 </a:tc>
                 <a:extLst>
                   <a:ext uri="{0D108BD9-81ED-4DB2-BD59-A6C34878D82A}">
-                    <a16:rowId xmlns="" xmlns:a16="http://schemas.microsoft.com/office/drawing/2014/main" val="2034482246"/>
+                    <a16:rowId xmlns:a16="http://schemas.microsoft.com/office/drawing/2014/main" xmlns="" val="2034482246"/>
                   </a:ext>
                 </a:extLst>
               </a:tr>
@@ -38135,7 +43083,7 @@
                 </a:tc>
                 <a:extLst>
                   <a:ext uri="{0D108BD9-81ED-4DB2-BD59-A6C34878D82A}">
-                    <a16:rowId xmlns="" xmlns:a16="http://schemas.microsoft.com/office/drawing/2014/main" val="682465758"/>
+                    <a16:rowId xmlns:a16="http://schemas.microsoft.com/office/drawing/2014/main" xmlns="" val="682465758"/>
                   </a:ext>
                 </a:extLst>
               </a:tr>
@@ -38182,7 +43130,7 @@
                 </a:tc>
                 <a:extLst>
                   <a:ext uri="{0D108BD9-81ED-4DB2-BD59-A6C34878D82A}">
-                    <a16:rowId xmlns="" xmlns:a16="http://schemas.microsoft.com/office/drawing/2014/main" val="4230228483"/>
+                    <a16:rowId xmlns:a16="http://schemas.microsoft.com/office/drawing/2014/main" xmlns="" val="4230228483"/>
                   </a:ext>
                 </a:extLst>
               </a:tr>
@@ -38229,7 +43177,7 @@
                 </a:tc>
                 <a:extLst>
                   <a:ext uri="{0D108BD9-81ED-4DB2-BD59-A6C34878D82A}">
-                    <a16:rowId xmlns="" xmlns:a16="http://schemas.microsoft.com/office/drawing/2014/main" val="3329658239"/>
+                    <a16:rowId xmlns:a16="http://schemas.microsoft.com/office/drawing/2014/main" xmlns="" val="3329658239"/>
                   </a:ext>
                 </a:extLst>
               </a:tr>
@@ -38276,7 +43224,7 @@
                 </a:tc>
                 <a:extLst>
                   <a:ext uri="{0D108BD9-81ED-4DB2-BD59-A6C34878D82A}">
-                    <a16:rowId xmlns="" xmlns:a16="http://schemas.microsoft.com/office/drawing/2014/main" val="10005"/>
+                    <a16:rowId xmlns:a16="http://schemas.microsoft.com/office/drawing/2014/main" xmlns="" val="10005"/>
                   </a:ext>
                 </a:extLst>
               </a:tr>
@@ -38323,7 +43271,7 @@
                 </a:tc>
                 <a:extLst>
                   <a:ext uri="{0D108BD9-81ED-4DB2-BD59-A6C34878D82A}">
-                    <a16:rowId xmlns="" xmlns:a16="http://schemas.microsoft.com/office/drawing/2014/main" val="10006"/>
+                    <a16:rowId xmlns:a16="http://schemas.microsoft.com/office/drawing/2014/main" xmlns="" val="10006"/>
                   </a:ext>
                 </a:extLst>
               </a:tr>
@@ -38671,7 +43619,7 @@
   <a:extraClrSchemeLst/>
   <a:extLst>
     <a:ext uri="{05A4C25C-085E-4340-85A3-A5531E510DB2}">
-      <thm15:themeFamily xmlns="" xmlns:thm15="http://schemas.microsoft.com/office/thememl/2012/main" name="Azure4ResearchTemplate" id="{DD1C6CE8-BDBA-0D4F-9930-3643ABC8EF0E}" vid="{B5C66FD7-0952-994B-96D6-AB3BB89097FE}"/>
+      <thm15:themeFamily xmlns:thm15="http://schemas.microsoft.com/office/thememl/2012/main" xmlns="" name="Azure4ResearchTemplate" id="{DD1C6CE8-BDBA-0D4F-9930-3643ABC8EF0E}" vid="{B5C66FD7-0952-994B-96D6-AB3BB89097FE}"/>
     </a:ext>
   </a:extLst>
 </a:theme>
@@ -38940,7 +43888,7 @@
   <a:extraClrSchemeLst/>
   <a:extLst>
     <a:ext uri="{05A4C25C-085E-4340-85A3-A5531E510DB2}">
-      <thm15:themeFamily xmlns="" xmlns:thm15="http://schemas.microsoft.com/office/thememl/2012/main" name="Office Theme" id="{62F939B6-93AF-4DB8-9C6B-D6C7DFDC589F}" vid="{4A3C46E8-61CC-4603-A589-7422A47A8E4A}"/>
+      <thm15:themeFamily xmlns:thm15="http://schemas.microsoft.com/office/thememl/2012/main" xmlns="" name="Office Theme" id="{62F939B6-93AF-4DB8-9C6B-D6C7DFDC589F}" vid="{4A3C46E8-61CC-4603-A589-7422A47A8E4A}"/>
     </a:ext>
   </a:extLst>
 </a:theme>
@@ -39209,13 +44157,282 @@
   <a:extraClrSchemeLst/>
   <a:extLst>
     <a:ext uri="{05A4C25C-085E-4340-85A3-A5531E510DB2}">
+      <thm15:themeFamily xmlns:thm15="http://schemas.microsoft.com/office/thememl/2012/main" xmlns="" name="Office Theme" id="{62F939B6-93AF-4DB8-9C6B-D6C7DFDC589F}" vid="{4A3C46E8-61CC-4603-A589-7422A47A8E4A}"/>
+    </a:ext>
+  </a:extLst>
+</a:theme>
+</file>
+
+<file path=ppt/theme/theme4.xml><?xml version="1.0" encoding="utf-8"?>
+<a:theme xmlns:a="http://schemas.openxmlformats.org/drawingml/2006/main" name="2_Office Theme">
+  <a:themeElements>
+    <a:clrScheme name="Custom 1">
+      <a:dk1>
+        <a:sysClr val="windowText" lastClr="000000"/>
+      </a:dk1>
+      <a:lt1>
+        <a:sysClr val="window" lastClr="FFFFFF"/>
+      </a:lt1>
+      <a:dk2>
+        <a:srgbClr val="44546A"/>
+      </a:dk2>
+      <a:lt2>
+        <a:srgbClr val="E7E6E6"/>
+      </a:lt2>
+      <a:accent1>
+        <a:srgbClr val="9CC3E5"/>
+      </a:accent1>
+      <a:accent2>
+        <a:srgbClr val="2E75B5"/>
+      </a:accent2>
+      <a:accent3>
+        <a:srgbClr val="1E4E79"/>
+      </a:accent3>
+      <a:accent4>
+        <a:srgbClr val="FFC000"/>
+      </a:accent4>
+      <a:accent5>
+        <a:srgbClr val="4472C4"/>
+      </a:accent5>
+      <a:accent6>
+        <a:srgbClr val="70AD47"/>
+      </a:accent6>
+      <a:hlink>
+        <a:srgbClr val="0563C1"/>
+      </a:hlink>
+      <a:folHlink>
+        <a:srgbClr val="954F72"/>
+      </a:folHlink>
+    </a:clrScheme>
+    <a:fontScheme name="Segoe UI">
+      <a:majorFont>
+        <a:latin typeface="Segoe UI"/>
+        <a:ea typeface=""/>
+        <a:cs typeface=""/>
+      </a:majorFont>
+      <a:minorFont>
+        <a:latin typeface="Segoe UI"/>
+        <a:ea typeface=""/>
+        <a:cs typeface=""/>
+      </a:minorFont>
+    </a:fontScheme>
+    <a:fmtScheme name="Office">
+      <a:fillStyleLst>
+        <a:solidFill>
+          <a:schemeClr val="phClr"/>
+        </a:solidFill>
+        <a:gradFill rotWithShape="1">
+          <a:gsLst>
+            <a:gs pos="0">
+              <a:schemeClr val="phClr">
+                <a:lumMod val="110000"/>
+                <a:satMod val="105000"/>
+                <a:tint val="67000"/>
+              </a:schemeClr>
+            </a:gs>
+            <a:gs pos="50000">
+              <a:schemeClr val="phClr">
+                <a:lumMod val="105000"/>
+                <a:satMod val="103000"/>
+                <a:tint val="73000"/>
+              </a:schemeClr>
+            </a:gs>
+            <a:gs pos="100000">
+              <a:schemeClr val="phClr">
+                <a:lumMod val="105000"/>
+                <a:satMod val="109000"/>
+                <a:tint val="81000"/>
+              </a:schemeClr>
+            </a:gs>
+          </a:gsLst>
+          <a:lin ang="5400000" scaled="0"/>
+        </a:gradFill>
+        <a:gradFill rotWithShape="1">
+          <a:gsLst>
+            <a:gs pos="0">
+              <a:schemeClr val="phClr">
+                <a:satMod val="103000"/>
+                <a:lumMod val="102000"/>
+                <a:tint val="94000"/>
+              </a:schemeClr>
+            </a:gs>
+            <a:gs pos="50000">
+              <a:schemeClr val="phClr">
+                <a:satMod val="110000"/>
+                <a:lumMod val="100000"/>
+                <a:shade val="100000"/>
+              </a:schemeClr>
+            </a:gs>
+            <a:gs pos="100000">
+              <a:schemeClr val="phClr">
+                <a:lumMod val="99000"/>
+                <a:satMod val="120000"/>
+                <a:shade val="78000"/>
+              </a:schemeClr>
+            </a:gs>
+          </a:gsLst>
+          <a:lin ang="5400000" scaled="0"/>
+        </a:gradFill>
+      </a:fillStyleLst>
+      <a:lnStyleLst>
+        <a:ln w="6350" cap="flat" cmpd="sng" algn="ctr">
+          <a:solidFill>
+            <a:schemeClr val="phClr"/>
+          </a:solidFill>
+          <a:prstDash val="solid"/>
+          <a:miter lim="800000"/>
+        </a:ln>
+        <a:ln w="12700" cap="flat" cmpd="sng" algn="ctr">
+          <a:solidFill>
+            <a:schemeClr val="phClr"/>
+          </a:solidFill>
+          <a:prstDash val="solid"/>
+          <a:miter lim="800000"/>
+        </a:ln>
+        <a:ln w="19050" cap="flat" cmpd="sng" algn="ctr">
+          <a:solidFill>
+            <a:schemeClr val="phClr"/>
+          </a:solidFill>
+          <a:prstDash val="solid"/>
+          <a:miter lim="800000"/>
+        </a:ln>
+      </a:lnStyleLst>
+      <a:effectStyleLst>
+        <a:effectStyle>
+          <a:effectLst/>
+        </a:effectStyle>
+        <a:effectStyle>
+          <a:effectLst/>
+        </a:effectStyle>
+        <a:effectStyle>
+          <a:effectLst>
+            <a:outerShdw blurRad="57150" dist="19050" dir="5400000" algn="ctr" rotWithShape="0">
+              <a:srgbClr val="000000">
+                <a:alpha val="63000"/>
+              </a:srgbClr>
+            </a:outerShdw>
+          </a:effectLst>
+        </a:effectStyle>
+      </a:effectStyleLst>
+      <a:bgFillStyleLst>
+        <a:solidFill>
+          <a:schemeClr val="phClr"/>
+        </a:solidFill>
+        <a:solidFill>
+          <a:schemeClr val="phClr">
+            <a:tint val="95000"/>
+            <a:satMod val="170000"/>
+          </a:schemeClr>
+        </a:solidFill>
+        <a:gradFill rotWithShape="1">
+          <a:gsLst>
+            <a:gs pos="0">
+              <a:schemeClr val="phClr">
+                <a:tint val="93000"/>
+                <a:satMod val="150000"/>
+                <a:shade val="98000"/>
+                <a:lumMod val="102000"/>
+              </a:schemeClr>
+            </a:gs>
+            <a:gs pos="50000">
+              <a:schemeClr val="phClr">
+                <a:tint val="98000"/>
+                <a:satMod val="130000"/>
+                <a:shade val="90000"/>
+                <a:lumMod val="103000"/>
+              </a:schemeClr>
+            </a:gs>
+            <a:gs pos="100000">
+              <a:schemeClr val="phClr">
+                <a:shade val="63000"/>
+                <a:satMod val="120000"/>
+              </a:schemeClr>
+            </a:gs>
+          </a:gsLst>
+          <a:lin ang="5400000" scaled="0"/>
+        </a:gradFill>
+      </a:bgFillStyleLst>
+    </a:fmtScheme>
+  </a:themeElements>
+  <a:objectDefaults>
+    <a:spDef>
+      <a:spPr>
+        <a:solidFill>
+          <a:schemeClr val="accent1">
+            <a:lumMod val="75000"/>
+          </a:schemeClr>
+        </a:solidFill>
+        <a:ln>
+          <a:noFill/>
+        </a:ln>
+      </a:spPr>
+      <a:bodyPr rtlCol="0" anchor="ctr"/>
+      <a:lstStyle>
+        <a:defPPr algn="ctr">
+          <a:defRPr dirty="0" smtClean="0">
+            <a:solidFill>
+              <a:schemeClr val="bg1"/>
+            </a:solidFill>
+          </a:defRPr>
+        </a:defPPr>
+      </a:lstStyle>
+      <a:style>
+        <a:lnRef idx="2">
+          <a:schemeClr val="accent1">
+            <a:shade val="50000"/>
+          </a:schemeClr>
+        </a:lnRef>
+        <a:fillRef idx="1">
+          <a:schemeClr val="accent1"/>
+        </a:fillRef>
+        <a:effectRef idx="0">
+          <a:schemeClr val="accent1"/>
+        </a:effectRef>
+        <a:fontRef idx="minor">
+          <a:schemeClr val="lt1"/>
+        </a:fontRef>
+      </a:style>
+    </a:spDef>
+    <a:lnDef>
+      <a:spPr>
+        <a:ln w="38100">
+          <a:solidFill>
+            <a:schemeClr val="bg1">
+              <a:lumMod val="65000"/>
+            </a:schemeClr>
+          </a:solidFill>
+          <a:headEnd type="none" w="med" len="med"/>
+          <a:tailEnd type="arrow" w="med" len="med"/>
+        </a:ln>
+      </a:spPr>
+      <a:bodyPr/>
+      <a:lstStyle/>
+      <a:style>
+        <a:lnRef idx="1">
+          <a:schemeClr val="accent1"/>
+        </a:lnRef>
+        <a:fillRef idx="0">
+          <a:schemeClr val="accent1"/>
+        </a:fillRef>
+        <a:effectRef idx="0">
+          <a:schemeClr val="accent1"/>
+        </a:effectRef>
+        <a:fontRef idx="minor">
+          <a:schemeClr val="tx1"/>
+        </a:fontRef>
+      </a:style>
+    </a:lnDef>
+  </a:objectDefaults>
+  <a:extraClrSchemeLst/>
+  <a:extLst>
+    <a:ext uri="{05A4C25C-085E-4340-85A3-A5531E510DB2}">
       <thm15:themeFamily xmlns="" xmlns:thm15="http://schemas.microsoft.com/office/thememl/2012/main" name="Office Theme" id="{62F939B6-93AF-4DB8-9C6B-D6C7DFDC589F}" vid="{4A3C46E8-61CC-4603-A589-7422A47A8E4A}"/>
     </a:ext>
   </a:extLst>
 </a:theme>
 </file>
 
-<file path=ppt/theme/theme4.xml><?xml version="1.0" encoding="utf-8"?>
+<file path=ppt/theme/theme5.xml><?xml version="1.0" encoding="utf-8"?>
 <a:theme xmlns:a="http://schemas.openxmlformats.org/drawingml/2006/main" name="Office Theme">
   <a:themeElements>
     <a:clrScheme name="Office">
@@ -39470,13 +44687,13 @@
   <a:extraClrSchemeLst/>
   <a:extLst>
     <a:ext uri="{05A4C25C-085E-4340-85A3-A5531E510DB2}">
-      <thm15:themeFamily xmlns="" xmlns:thm15="http://schemas.microsoft.com/office/thememl/2012/main" name="Office Theme" id="{62F939B6-93AF-4DB8-9C6B-D6C7DFDC589F}" vid="{4A3C46E8-61CC-4603-A589-7422A47A8E4A}"/>
+      <thm15:themeFamily xmlns:thm15="http://schemas.microsoft.com/office/thememl/2012/main" xmlns="" name="Office Theme" id="{62F939B6-93AF-4DB8-9C6B-D6C7DFDC589F}" vid="{4A3C46E8-61CC-4603-A589-7422A47A8E4A}"/>
     </a:ext>
   </a:extLst>
 </a:theme>
 </file>
 
-<file path=ppt/theme/theme5.xml><?xml version="1.0" encoding="utf-8"?>
+<file path=ppt/theme/theme6.xml><?xml version="1.0" encoding="utf-8"?>
 <a:theme xmlns:a="http://schemas.openxmlformats.org/drawingml/2006/main" name="Office Theme">
   <a:themeElements>
     <a:clrScheme name="Office">
@@ -39765,7 +44982,7 @@
   <a:extraClrSchemeLst/>
   <a:extLst>
     <a:ext uri="{05A4C25C-085E-4340-85A3-A5531E510DB2}">
-      <thm15:themeFamily xmlns="" xmlns:thm15="http://schemas.microsoft.com/office/thememl/2012/main" name="Office Theme" id="{62F939B6-93AF-4DB8-9C6B-D6C7DFDC589F}" vid="{4A3C46E8-61CC-4603-A589-7422A47A8E4A}"/>
+      <thm15:themeFamily xmlns:thm15="http://schemas.microsoft.com/office/thememl/2012/main" xmlns="" name="Office Theme" id="{62F939B6-93AF-4DB8-9C6B-D6C7DFDC589F}" vid="{4A3C46E8-61CC-4603-A589-7422A47A8E4A}"/>
     </a:ext>
   </a:extLst>
 </a:theme>
